--- a/Semana 5.pptx
+++ b/Semana 5.pptx
@@ -7,12 +7,15 @@
   <p:sldIdLst>
     <p:sldId id="257" r:id="rId2"/>
     <p:sldId id="260" r:id="rId3"/>
-    <p:sldId id="261" r:id="rId4"/>
-    <p:sldId id="262" r:id="rId5"/>
-    <p:sldId id="263" r:id="rId6"/>
-    <p:sldId id="264" r:id="rId7"/>
-    <p:sldId id="265" r:id="rId8"/>
-    <p:sldId id="266" r:id="rId9"/>
+    <p:sldId id="267" r:id="rId4"/>
+    <p:sldId id="269" r:id="rId5"/>
+    <p:sldId id="270" r:id="rId6"/>
+    <p:sldId id="272" r:id="rId7"/>
+    <p:sldId id="271" r:id="rId8"/>
+    <p:sldId id="273" r:id="rId9"/>
+    <p:sldId id="274" r:id="rId10"/>
+    <p:sldId id="266" r:id="rId11"/>
+    <p:sldId id="268" r:id="rId12"/>
   </p:sldIdLst>
   <p:sldSz cx="9144000" cy="6858000" type="screen4x3"/>
   <p:notesSz cx="6858000" cy="9144000"/>
@@ -302,7 +305,7 @@
           <a:p>
             <a:fld id="{2BD09FA6-5415-4E41-8EC0-843F16C90881}" type="datetimeFigureOut">
               <a:rPr lang="en-US" smtClean="0"/>
-              <a:t>1/27/2017</a:t>
+              <a:t>1/23/2017</a:t>
             </a:fld>
             <a:endParaRPr lang="en-US"/>
           </a:p>
@@ -502,7 +505,7 @@
           <a:p>
             <a:fld id="{2BD09FA6-5415-4E41-8EC0-843F16C90881}" type="datetimeFigureOut">
               <a:rPr lang="en-US" smtClean="0"/>
-              <a:t>1/27/2017</a:t>
+              <a:t>1/23/2017</a:t>
             </a:fld>
             <a:endParaRPr lang="en-US"/>
           </a:p>
@@ -677,7 +680,7 @@
           <a:p>
             <a:fld id="{2BD09FA6-5415-4E41-8EC0-843F16C90881}" type="datetimeFigureOut">
               <a:rPr lang="en-US" smtClean="0"/>
-              <a:t>1/27/2017</a:t>
+              <a:t>1/23/2017</a:t>
             </a:fld>
             <a:endParaRPr lang="en-US"/>
           </a:p>
@@ -842,7 +845,7 @@
           <a:p>
             <a:fld id="{2BD09FA6-5415-4E41-8EC0-843F16C90881}" type="datetimeFigureOut">
               <a:rPr lang="en-US" smtClean="0"/>
-              <a:t>1/27/2017</a:t>
+              <a:t>1/23/2017</a:t>
             </a:fld>
             <a:endParaRPr lang="en-US"/>
           </a:p>
@@ -1090,7 +1093,7 @@
           <a:p>
             <a:fld id="{2BD09FA6-5415-4E41-8EC0-843F16C90881}" type="datetimeFigureOut">
               <a:rPr lang="en-US" smtClean="0"/>
-              <a:t>1/27/2017</a:t>
+              <a:t>1/23/2017</a:t>
             </a:fld>
             <a:endParaRPr lang="en-US"/>
           </a:p>
@@ -1408,7 +1411,7 @@
           <a:p>
             <a:fld id="{2BD09FA6-5415-4E41-8EC0-843F16C90881}" type="datetimeFigureOut">
               <a:rPr lang="en-US" smtClean="0"/>
-              <a:t>1/27/2017</a:t>
+              <a:t>1/23/2017</a:t>
             </a:fld>
             <a:endParaRPr lang="en-US"/>
           </a:p>
@@ -1874,7 +1877,7 @@
           <a:p>
             <a:fld id="{2BD09FA6-5415-4E41-8EC0-843F16C90881}" type="datetimeFigureOut">
               <a:rPr lang="en-US" smtClean="0"/>
-              <a:t>1/27/2017</a:t>
+              <a:t>1/23/2017</a:t>
             </a:fld>
             <a:endParaRPr lang="en-US"/>
           </a:p>
@@ -2022,7 +2025,7 @@
           <a:p>
             <a:fld id="{2BD09FA6-5415-4E41-8EC0-843F16C90881}" type="datetimeFigureOut">
               <a:rPr lang="en-US" smtClean="0"/>
-              <a:t>1/27/2017</a:t>
+              <a:t>1/23/2017</a:t>
             </a:fld>
             <a:endParaRPr lang="en-US"/>
           </a:p>
@@ -2112,7 +2115,7 @@
           <a:p>
             <a:fld id="{2BD09FA6-5415-4E41-8EC0-843F16C90881}" type="datetimeFigureOut">
               <a:rPr lang="en-US" smtClean="0"/>
-              <a:t>1/27/2017</a:t>
+              <a:t>1/23/2017</a:t>
             </a:fld>
             <a:endParaRPr lang="en-US"/>
           </a:p>
@@ -2386,7 +2389,7 @@
           <a:p>
             <a:fld id="{2BD09FA6-5415-4E41-8EC0-843F16C90881}" type="datetimeFigureOut">
               <a:rPr lang="en-US" smtClean="0"/>
-              <a:t>1/27/2017</a:t>
+              <a:t>1/23/2017</a:t>
             </a:fld>
             <a:endParaRPr lang="en-US"/>
           </a:p>
@@ -2691,7 +2694,7 @@
           <a:p>
             <a:fld id="{2BD09FA6-5415-4E41-8EC0-843F16C90881}" type="datetimeFigureOut">
               <a:rPr lang="en-US" smtClean="0"/>
-              <a:t>1/27/2017</a:t>
+              <a:t>1/23/2017</a:t>
             </a:fld>
             <a:endParaRPr lang="en-US"/>
           </a:p>
@@ -2989,7 +2992,7 @@
           <a:p>
             <a:fld id="{2BD09FA6-5415-4E41-8EC0-843F16C90881}" type="datetimeFigureOut">
               <a:rPr lang="en-US" smtClean="0"/>
-              <a:t>1/27/2017</a:t>
+              <a:t>1/23/2017</a:t>
             </a:fld>
             <a:endParaRPr lang="en-US"/>
           </a:p>
@@ -3407,11 +3410,7 @@
             </a:r>
             <a:r>
               <a:rPr lang="en-US" dirty="0" smtClean="0"/>
-              <a:t> </a:t>
-            </a:r>
-            <a:r>
-              <a:rPr lang="en-US" dirty="0" smtClean="0"/>
-              <a:t>5</a:t>
+              <a:t> 4</a:t>
             </a:r>
             <a:endParaRPr lang="en-US" dirty="0"/>
           </a:p>
@@ -3506,6 +3505,1303 @@
     <p:tnLst>
       <p:par>
         <p:cTn id="1" dur="indefinite" restart="never" nodeType="tmRoot"/>
+      </p:par>
+    </p:tnLst>
+  </p:timing>
+</p:sld>
+</file>
+
+<file path=ppt/slides/slide10.xml><?xml version="1.0" encoding="utf-8"?>
+<p:sld xmlns:a="http://schemas.openxmlformats.org/drawingml/2006/main" xmlns:r="http://schemas.openxmlformats.org/officeDocument/2006/relationships" xmlns:p="http://schemas.openxmlformats.org/presentationml/2006/main">
+  <p:cSld>
+    <p:spTree>
+      <p:nvGrpSpPr>
+        <p:cNvPr id="1" name=""/>
+        <p:cNvGrpSpPr/>
+        <p:nvPr/>
+      </p:nvGrpSpPr>
+      <p:grpSpPr>
+        <a:xfrm>
+          <a:off x="0" y="0"/>
+          <a:ext cx="0" cy="0"/>
+          <a:chOff x="0" y="0"/>
+          <a:chExt cx="0" cy="0"/>
+        </a:xfrm>
+      </p:grpSpPr>
+      <p:sp>
+        <p:nvSpPr>
+          <p:cNvPr id="2" name="Title 1"/>
+          <p:cNvSpPr>
+            <a:spLocks noGrp="1"/>
+          </p:cNvSpPr>
+          <p:nvPr>
+            <p:ph type="title"/>
+          </p:nvPr>
+        </p:nvSpPr>
+        <p:spPr/>
+        <p:txBody>
+          <a:bodyPr>
+            <a:normAutofit/>
+          </a:bodyPr>
+          <a:lstStyle/>
+          <a:p>
+            <a:r>
+              <a:rPr lang="en-US" dirty="0" err="1" smtClean="0"/>
+              <a:t>Práctica</a:t>
+            </a:r>
+            <a:r>
+              <a:rPr lang="en-US" dirty="0" smtClean="0"/>
+              <a:t> </a:t>
+            </a:r>
+            <a:r>
+              <a:rPr lang="en-US" dirty="0" err="1" smtClean="0"/>
+              <a:t>ejercicio</a:t>
+            </a:r>
+            <a:r>
+              <a:rPr lang="en-US" dirty="0" smtClean="0"/>
+              <a:t> 1</a:t>
+            </a:r>
+            <a:endParaRPr lang="en-US" dirty="0"/>
+          </a:p>
+        </p:txBody>
+      </p:sp>
+      <p:sp>
+        <p:nvSpPr>
+          <p:cNvPr id="3" name="Content Placeholder 2"/>
+          <p:cNvSpPr>
+            <a:spLocks noGrp="1"/>
+          </p:cNvSpPr>
+          <p:nvPr>
+            <p:ph idx="1"/>
+          </p:nvPr>
+        </p:nvSpPr>
+        <p:spPr/>
+        <p:txBody>
+          <a:bodyPr/>
+          <a:lstStyle/>
+          <a:p>
+            <a:r>
+              <a:rPr lang="en-US" dirty="0" err="1" smtClean="0"/>
+              <a:t>Construir</a:t>
+            </a:r>
+            <a:r>
+              <a:rPr lang="en-US" dirty="0" smtClean="0"/>
+              <a:t> un </a:t>
+            </a:r>
+            <a:r>
+              <a:rPr lang="en-US" dirty="0" err="1" smtClean="0"/>
+              <a:t>programa</a:t>
+            </a:r>
+            <a:r>
+              <a:rPr lang="en-US" dirty="0" smtClean="0"/>
+              <a:t> </a:t>
+            </a:r>
+            <a:r>
+              <a:rPr lang="en-US" dirty="0" err="1" smtClean="0"/>
+              <a:t>que</a:t>
+            </a:r>
+            <a:r>
+              <a:rPr lang="en-US" dirty="0" smtClean="0"/>
+              <a:t> le de al </a:t>
+            </a:r>
+            <a:r>
+              <a:rPr lang="en-US" dirty="0" err="1" smtClean="0"/>
+              <a:t>usuario</a:t>
+            </a:r>
+            <a:r>
+              <a:rPr lang="en-US" dirty="0" smtClean="0"/>
+              <a:t> 2 </a:t>
+            </a:r>
+            <a:r>
+              <a:rPr lang="en-US" dirty="0" err="1" smtClean="0"/>
+              <a:t>opciones</a:t>
+            </a:r>
+            <a:r>
+              <a:rPr lang="en-US" dirty="0" smtClean="0"/>
+              <a:t>, </a:t>
+            </a:r>
+            <a:r>
+              <a:rPr lang="en-US" dirty="0" err="1" smtClean="0"/>
+              <a:t>agregar</a:t>
+            </a:r>
+            <a:r>
+              <a:rPr lang="en-US" dirty="0" smtClean="0"/>
+              <a:t> </a:t>
+            </a:r>
+            <a:r>
+              <a:rPr lang="en-US" dirty="0" err="1" smtClean="0"/>
+              <a:t>estudiante</a:t>
+            </a:r>
+            <a:r>
+              <a:rPr lang="en-US" dirty="0" smtClean="0"/>
+              <a:t> o </a:t>
+            </a:r>
+            <a:r>
+              <a:rPr lang="en-US" dirty="0" err="1" smtClean="0"/>
+              <a:t>finalizar</a:t>
+            </a:r>
+            <a:endParaRPr lang="en-US" dirty="0" smtClean="0"/>
+          </a:p>
+          <a:p>
+            <a:r>
+              <a:rPr lang="en-US" dirty="0" err="1" smtClean="0"/>
+              <a:t>Cuando</a:t>
+            </a:r>
+            <a:r>
+              <a:rPr lang="en-US" dirty="0" smtClean="0"/>
+              <a:t> el </a:t>
+            </a:r>
+            <a:r>
+              <a:rPr lang="en-US" dirty="0" err="1" smtClean="0"/>
+              <a:t>usuario</a:t>
+            </a:r>
+            <a:r>
+              <a:rPr lang="en-US" dirty="0" smtClean="0"/>
+              <a:t> </a:t>
+            </a:r>
+            <a:r>
+              <a:rPr lang="en-US" dirty="0" err="1" smtClean="0"/>
+              <a:t>escoja</a:t>
+            </a:r>
+            <a:r>
+              <a:rPr lang="en-US" dirty="0" smtClean="0"/>
+              <a:t> </a:t>
+            </a:r>
+            <a:r>
+              <a:rPr lang="en-US" dirty="0" err="1" smtClean="0"/>
+              <a:t>agregar</a:t>
+            </a:r>
+            <a:r>
+              <a:rPr lang="en-US" dirty="0" smtClean="0"/>
+              <a:t> </a:t>
+            </a:r>
+            <a:r>
+              <a:rPr lang="en-US" dirty="0" err="1" smtClean="0"/>
+              <a:t>estudiante</a:t>
+            </a:r>
+            <a:r>
+              <a:rPr lang="en-US" dirty="0" smtClean="0"/>
+              <a:t>, le </a:t>
+            </a:r>
+            <a:r>
+              <a:rPr lang="en-US" dirty="0" err="1" smtClean="0"/>
+              <a:t>pide</a:t>
+            </a:r>
+            <a:r>
+              <a:rPr lang="en-US" dirty="0" smtClean="0"/>
+              <a:t> </a:t>
+            </a:r>
+            <a:r>
+              <a:rPr lang="en-US" dirty="0" err="1" smtClean="0"/>
+              <a:t>que</a:t>
+            </a:r>
+            <a:r>
+              <a:rPr lang="en-US" dirty="0" smtClean="0"/>
+              <a:t> </a:t>
+            </a:r>
+            <a:r>
+              <a:rPr lang="en-US" dirty="0" err="1" smtClean="0"/>
+              <a:t>escriba</a:t>
+            </a:r>
+            <a:r>
+              <a:rPr lang="en-US" dirty="0" smtClean="0"/>
+              <a:t> un </a:t>
+            </a:r>
+            <a:r>
+              <a:rPr lang="en-US" dirty="0" err="1" smtClean="0"/>
+              <a:t>nombre</a:t>
+            </a:r>
+            <a:endParaRPr lang="en-US" dirty="0" smtClean="0"/>
+          </a:p>
+          <a:p>
+            <a:r>
+              <a:rPr lang="en-US" dirty="0" err="1" smtClean="0"/>
+              <a:t>Ese</a:t>
+            </a:r>
+            <a:r>
+              <a:rPr lang="en-US" dirty="0" smtClean="0"/>
+              <a:t> </a:t>
+            </a:r>
+            <a:r>
+              <a:rPr lang="en-US" dirty="0" err="1" smtClean="0"/>
+              <a:t>nombre</a:t>
+            </a:r>
+            <a:r>
+              <a:rPr lang="en-US" dirty="0" smtClean="0"/>
+              <a:t> </a:t>
+            </a:r>
+            <a:r>
+              <a:rPr lang="en-US" dirty="0" err="1" smtClean="0"/>
+              <a:t>es</a:t>
+            </a:r>
+            <a:r>
+              <a:rPr lang="en-US" dirty="0" smtClean="0"/>
+              <a:t> </a:t>
+            </a:r>
+            <a:r>
+              <a:rPr lang="en-US" dirty="0" err="1" smtClean="0"/>
+              <a:t>agregado</a:t>
+            </a:r>
+            <a:r>
+              <a:rPr lang="en-US" dirty="0" smtClean="0"/>
+              <a:t> a un </a:t>
+            </a:r>
+            <a:r>
+              <a:rPr lang="en-US" dirty="0" err="1" smtClean="0"/>
+              <a:t>arreglo</a:t>
+            </a:r>
+            <a:r>
+              <a:rPr lang="en-US" dirty="0" smtClean="0"/>
+              <a:t> </a:t>
+            </a:r>
+            <a:r>
+              <a:rPr lang="en-US" dirty="0" err="1" smtClean="0"/>
+              <a:t>llamado</a:t>
+            </a:r>
+            <a:r>
+              <a:rPr lang="en-US" dirty="0" smtClean="0"/>
+              <a:t> </a:t>
+            </a:r>
+            <a:r>
+              <a:rPr lang="en-US" dirty="0" err="1" smtClean="0"/>
+              <a:t>estudiantes</a:t>
+            </a:r>
+            <a:endParaRPr lang="en-US" dirty="0" smtClean="0"/>
+          </a:p>
+          <a:p>
+            <a:r>
+              <a:rPr lang="en-US" dirty="0" smtClean="0"/>
+              <a:t>El </a:t>
+            </a:r>
+            <a:r>
+              <a:rPr lang="en-US" dirty="0" err="1" smtClean="0"/>
+              <a:t>programa</a:t>
+            </a:r>
+            <a:r>
+              <a:rPr lang="en-US" dirty="0" smtClean="0"/>
+              <a:t> </a:t>
+            </a:r>
+            <a:r>
+              <a:rPr lang="en-US" dirty="0" err="1" smtClean="0"/>
+              <a:t>vuelve</a:t>
+            </a:r>
+            <a:r>
+              <a:rPr lang="en-US" dirty="0" smtClean="0"/>
+              <a:t> a </a:t>
+            </a:r>
+            <a:r>
+              <a:rPr lang="en-US" dirty="0" err="1" smtClean="0"/>
+              <a:t>preguntar</a:t>
+            </a:r>
+            <a:r>
+              <a:rPr lang="en-US" dirty="0" smtClean="0"/>
+              <a:t> </a:t>
+            </a:r>
+            <a:r>
+              <a:rPr lang="en-US" dirty="0" err="1" smtClean="0"/>
+              <a:t>si</a:t>
+            </a:r>
+            <a:r>
+              <a:rPr lang="en-US" dirty="0" smtClean="0"/>
+              <a:t> </a:t>
+            </a:r>
+            <a:r>
+              <a:rPr lang="en-US" dirty="0" err="1" smtClean="0"/>
+              <a:t>desea</a:t>
+            </a:r>
+            <a:r>
+              <a:rPr lang="en-US" dirty="0" smtClean="0"/>
+              <a:t> </a:t>
+            </a:r>
+            <a:r>
+              <a:rPr lang="en-US" dirty="0" err="1" smtClean="0"/>
+              <a:t>agregar</a:t>
+            </a:r>
+            <a:r>
+              <a:rPr lang="en-US" dirty="0" smtClean="0"/>
+              <a:t> o </a:t>
+            </a:r>
+            <a:r>
+              <a:rPr lang="en-US" dirty="0" err="1" smtClean="0"/>
+              <a:t>finalizar</a:t>
+            </a:r>
+            <a:r>
+              <a:rPr lang="en-US" dirty="0" smtClean="0"/>
+              <a:t> y se </a:t>
+            </a:r>
+            <a:r>
+              <a:rPr lang="en-US" dirty="0" err="1" smtClean="0"/>
+              <a:t>repite</a:t>
+            </a:r>
+            <a:r>
+              <a:rPr lang="en-US" dirty="0" smtClean="0"/>
+              <a:t> el </a:t>
+            </a:r>
+            <a:r>
+              <a:rPr lang="en-US" dirty="0" err="1" smtClean="0"/>
+              <a:t>ciclo</a:t>
+            </a:r>
+            <a:endParaRPr lang="en-US" dirty="0" smtClean="0"/>
+          </a:p>
+          <a:p>
+            <a:r>
+              <a:rPr lang="en-US" dirty="0" err="1" smtClean="0"/>
+              <a:t>Cuando</a:t>
+            </a:r>
+            <a:r>
+              <a:rPr lang="en-US" dirty="0" smtClean="0"/>
+              <a:t> el </a:t>
+            </a:r>
+            <a:r>
+              <a:rPr lang="en-US" dirty="0" err="1" smtClean="0"/>
+              <a:t>usuario</a:t>
+            </a:r>
+            <a:r>
+              <a:rPr lang="en-US" dirty="0" smtClean="0"/>
+              <a:t> </a:t>
+            </a:r>
+            <a:r>
+              <a:rPr lang="en-US" dirty="0" err="1" smtClean="0"/>
+              <a:t>escoja</a:t>
+            </a:r>
+            <a:r>
+              <a:rPr lang="en-US" dirty="0" smtClean="0"/>
+              <a:t> </a:t>
+            </a:r>
+            <a:r>
+              <a:rPr lang="en-US" dirty="0" err="1" smtClean="0"/>
+              <a:t>finalizar</a:t>
+            </a:r>
+            <a:r>
+              <a:rPr lang="en-US" dirty="0" smtClean="0"/>
+              <a:t>, se </a:t>
+            </a:r>
+            <a:r>
+              <a:rPr lang="en-US" dirty="0" err="1" smtClean="0"/>
+              <a:t>imprime</a:t>
+            </a:r>
+            <a:r>
+              <a:rPr lang="en-US" dirty="0" smtClean="0"/>
+              <a:t> la </a:t>
+            </a:r>
+            <a:r>
+              <a:rPr lang="en-US" dirty="0" err="1" smtClean="0"/>
+              <a:t>cantidad</a:t>
+            </a:r>
+            <a:r>
+              <a:rPr lang="en-US" dirty="0" smtClean="0"/>
+              <a:t> total de </a:t>
+            </a:r>
+            <a:r>
+              <a:rPr lang="en-US" dirty="0" err="1" smtClean="0"/>
+              <a:t>estudiantes</a:t>
+            </a:r>
+            <a:r>
+              <a:rPr lang="en-US" dirty="0" smtClean="0"/>
+              <a:t> y el </a:t>
+            </a:r>
+            <a:r>
+              <a:rPr lang="en-US" dirty="0" err="1" smtClean="0"/>
+              <a:t>contenido</a:t>
+            </a:r>
+            <a:r>
+              <a:rPr lang="en-US" dirty="0" smtClean="0"/>
+              <a:t> del </a:t>
+            </a:r>
+            <a:r>
+              <a:rPr lang="en-US" dirty="0" err="1" smtClean="0"/>
+              <a:t>arreglo</a:t>
+            </a:r>
+            <a:endParaRPr lang="en-US" dirty="0" smtClean="0"/>
+          </a:p>
+        </p:txBody>
+      </p:sp>
+    </p:spTree>
+    <p:extLst>
+      <p:ext uri="{BB962C8B-B14F-4D97-AF65-F5344CB8AC3E}">
+        <p14:creationId xmlns:p14="http://schemas.microsoft.com/office/powerpoint/2010/main" val="3799451871"/>
+      </p:ext>
+    </p:extLst>
+  </p:cSld>
+  <p:clrMapOvr>
+    <a:masterClrMapping/>
+  </p:clrMapOvr>
+  <p:timing>
+    <p:tnLst>
+      <p:par>
+        <p:cTn id="1" dur="indefinite" restart="never" nodeType="tmRoot">
+          <p:childTnLst>
+            <p:seq concurrent="1" nextAc="seek">
+              <p:cTn id="2" dur="indefinite" nodeType="mainSeq">
+                <p:childTnLst>
+                  <p:par>
+                    <p:cTn id="3" fill="hold">
+                      <p:stCondLst>
+                        <p:cond delay="indefinite"/>
+                      </p:stCondLst>
+                      <p:childTnLst>
+                        <p:par>
+                          <p:cTn id="4" fill="hold">
+                            <p:stCondLst>
+                              <p:cond delay="0"/>
+                            </p:stCondLst>
+                            <p:childTnLst>
+                              <p:par>
+                                <p:cTn id="5" presetID="1" presetClass="entr" presetSubtype="0" fill="hold" nodeType="clickEffect">
+                                  <p:stCondLst>
+                                    <p:cond delay="0"/>
+                                  </p:stCondLst>
+                                  <p:childTnLst>
+                                    <p:set>
+                                      <p:cBhvr>
+                                        <p:cTn id="6" dur="1" fill="hold">
+                                          <p:stCondLst>
+                                            <p:cond delay="0"/>
+                                          </p:stCondLst>
+                                        </p:cTn>
+                                        <p:tgtEl>
+                                          <p:spTgt spid="3">
+                                            <p:txEl>
+                                              <p:pRg st="0" end="0"/>
+                                            </p:txEl>
+                                          </p:spTgt>
+                                        </p:tgtEl>
+                                        <p:attrNameLst>
+                                          <p:attrName>style.visibility</p:attrName>
+                                        </p:attrNameLst>
+                                      </p:cBhvr>
+                                      <p:to>
+                                        <p:strVal val="visible"/>
+                                      </p:to>
+                                    </p:set>
+                                  </p:childTnLst>
+                                </p:cTn>
+                              </p:par>
+                            </p:childTnLst>
+                          </p:cTn>
+                        </p:par>
+                      </p:childTnLst>
+                    </p:cTn>
+                  </p:par>
+                  <p:par>
+                    <p:cTn id="7" fill="hold">
+                      <p:stCondLst>
+                        <p:cond delay="indefinite"/>
+                      </p:stCondLst>
+                      <p:childTnLst>
+                        <p:par>
+                          <p:cTn id="8" fill="hold">
+                            <p:stCondLst>
+                              <p:cond delay="0"/>
+                            </p:stCondLst>
+                            <p:childTnLst>
+                              <p:par>
+                                <p:cTn id="9" presetID="1" presetClass="entr" presetSubtype="0" fill="hold" nodeType="clickEffect">
+                                  <p:stCondLst>
+                                    <p:cond delay="0"/>
+                                  </p:stCondLst>
+                                  <p:childTnLst>
+                                    <p:set>
+                                      <p:cBhvr>
+                                        <p:cTn id="10" dur="1" fill="hold">
+                                          <p:stCondLst>
+                                            <p:cond delay="0"/>
+                                          </p:stCondLst>
+                                        </p:cTn>
+                                        <p:tgtEl>
+                                          <p:spTgt spid="3">
+                                            <p:txEl>
+                                              <p:pRg st="1" end="1"/>
+                                            </p:txEl>
+                                          </p:spTgt>
+                                        </p:tgtEl>
+                                        <p:attrNameLst>
+                                          <p:attrName>style.visibility</p:attrName>
+                                        </p:attrNameLst>
+                                      </p:cBhvr>
+                                      <p:to>
+                                        <p:strVal val="visible"/>
+                                      </p:to>
+                                    </p:set>
+                                  </p:childTnLst>
+                                </p:cTn>
+                              </p:par>
+                            </p:childTnLst>
+                          </p:cTn>
+                        </p:par>
+                      </p:childTnLst>
+                    </p:cTn>
+                  </p:par>
+                  <p:par>
+                    <p:cTn id="11" fill="hold">
+                      <p:stCondLst>
+                        <p:cond delay="indefinite"/>
+                      </p:stCondLst>
+                      <p:childTnLst>
+                        <p:par>
+                          <p:cTn id="12" fill="hold">
+                            <p:stCondLst>
+                              <p:cond delay="0"/>
+                            </p:stCondLst>
+                            <p:childTnLst>
+                              <p:par>
+                                <p:cTn id="13" presetID="1" presetClass="entr" presetSubtype="0" fill="hold" nodeType="clickEffect">
+                                  <p:stCondLst>
+                                    <p:cond delay="0"/>
+                                  </p:stCondLst>
+                                  <p:childTnLst>
+                                    <p:set>
+                                      <p:cBhvr>
+                                        <p:cTn id="14" dur="1" fill="hold">
+                                          <p:stCondLst>
+                                            <p:cond delay="0"/>
+                                          </p:stCondLst>
+                                        </p:cTn>
+                                        <p:tgtEl>
+                                          <p:spTgt spid="3">
+                                            <p:txEl>
+                                              <p:pRg st="2" end="2"/>
+                                            </p:txEl>
+                                          </p:spTgt>
+                                        </p:tgtEl>
+                                        <p:attrNameLst>
+                                          <p:attrName>style.visibility</p:attrName>
+                                        </p:attrNameLst>
+                                      </p:cBhvr>
+                                      <p:to>
+                                        <p:strVal val="visible"/>
+                                      </p:to>
+                                    </p:set>
+                                  </p:childTnLst>
+                                </p:cTn>
+                              </p:par>
+                            </p:childTnLst>
+                          </p:cTn>
+                        </p:par>
+                      </p:childTnLst>
+                    </p:cTn>
+                  </p:par>
+                  <p:par>
+                    <p:cTn id="15" fill="hold">
+                      <p:stCondLst>
+                        <p:cond delay="indefinite"/>
+                      </p:stCondLst>
+                      <p:childTnLst>
+                        <p:par>
+                          <p:cTn id="16" fill="hold">
+                            <p:stCondLst>
+                              <p:cond delay="0"/>
+                            </p:stCondLst>
+                            <p:childTnLst>
+                              <p:par>
+                                <p:cTn id="17" presetID="1" presetClass="entr" presetSubtype="0" fill="hold" nodeType="clickEffect">
+                                  <p:stCondLst>
+                                    <p:cond delay="0"/>
+                                  </p:stCondLst>
+                                  <p:childTnLst>
+                                    <p:set>
+                                      <p:cBhvr>
+                                        <p:cTn id="18" dur="1" fill="hold">
+                                          <p:stCondLst>
+                                            <p:cond delay="0"/>
+                                          </p:stCondLst>
+                                        </p:cTn>
+                                        <p:tgtEl>
+                                          <p:spTgt spid="3">
+                                            <p:txEl>
+                                              <p:pRg st="3" end="3"/>
+                                            </p:txEl>
+                                          </p:spTgt>
+                                        </p:tgtEl>
+                                        <p:attrNameLst>
+                                          <p:attrName>style.visibility</p:attrName>
+                                        </p:attrNameLst>
+                                      </p:cBhvr>
+                                      <p:to>
+                                        <p:strVal val="visible"/>
+                                      </p:to>
+                                    </p:set>
+                                  </p:childTnLst>
+                                </p:cTn>
+                              </p:par>
+                            </p:childTnLst>
+                          </p:cTn>
+                        </p:par>
+                      </p:childTnLst>
+                    </p:cTn>
+                  </p:par>
+                  <p:par>
+                    <p:cTn id="19" fill="hold">
+                      <p:stCondLst>
+                        <p:cond delay="indefinite"/>
+                      </p:stCondLst>
+                      <p:childTnLst>
+                        <p:par>
+                          <p:cTn id="20" fill="hold">
+                            <p:stCondLst>
+                              <p:cond delay="0"/>
+                            </p:stCondLst>
+                            <p:childTnLst>
+                              <p:par>
+                                <p:cTn id="21" presetID="1" presetClass="entr" presetSubtype="0" fill="hold" nodeType="clickEffect">
+                                  <p:stCondLst>
+                                    <p:cond delay="0"/>
+                                  </p:stCondLst>
+                                  <p:childTnLst>
+                                    <p:set>
+                                      <p:cBhvr>
+                                        <p:cTn id="22" dur="1" fill="hold">
+                                          <p:stCondLst>
+                                            <p:cond delay="0"/>
+                                          </p:stCondLst>
+                                        </p:cTn>
+                                        <p:tgtEl>
+                                          <p:spTgt spid="3">
+                                            <p:txEl>
+                                              <p:pRg st="4" end="4"/>
+                                            </p:txEl>
+                                          </p:spTgt>
+                                        </p:tgtEl>
+                                        <p:attrNameLst>
+                                          <p:attrName>style.visibility</p:attrName>
+                                        </p:attrNameLst>
+                                      </p:cBhvr>
+                                      <p:to>
+                                        <p:strVal val="visible"/>
+                                      </p:to>
+                                    </p:set>
+                                  </p:childTnLst>
+                                </p:cTn>
+                              </p:par>
+                            </p:childTnLst>
+                          </p:cTn>
+                        </p:par>
+                      </p:childTnLst>
+                    </p:cTn>
+                  </p:par>
+                </p:childTnLst>
+              </p:cTn>
+              <p:prevCondLst>
+                <p:cond evt="onPrev" delay="0">
+                  <p:tgtEl>
+                    <p:sldTgt/>
+                  </p:tgtEl>
+                </p:cond>
+              </p:prevCondLst>
+              <p:nextCondLst>
+                <p:cond evt="onNext" delay="0">
+                  <p:tgtEl>
+                    <p:sldTgt/>
+                  </p:tgtEl>
+                </p:cond>
+              </p:nextCondLst>
+            </p:seq>
+          </p:childTnLst>
+        </p:cTn>
+      </p:par>
+    </p:tnLst>
+  </p:timing>
+</p:sld>
+</file>
+
+<file path=ppt/slides/slide11.xml><?xml version="1.0" encoding="utf-8"?>
+<p:sld xmlns:a="http://schemas.openxmlformats.org/drawingml/2006/main" xmlns:r="http://schemas.openxmlformats.org/officeDocument/2006/relationships" xmlns:p="http://schemas.openxmlformats.org/presentationml/2006/main">
+  <p:cSld>
+    <p:spTree>
+      <p:nvGrpSpPr>
+        <p:cNvPr id="1" name=""/>
+        <p:cNvGrpSpPr/>
+        <p:nvPr/>
+      </p:nvGrpSpPr>
+      <p:grpSpPr>
+        <a:xfrm>
+          <a:off x="0" y="0"/>
+          <a:ext cx="0" cy="0"/>
+          <a:chOff x="0" y="0"/>
+          <a:chExt cx="0" cy="0"/>
+        </a:xfrm>
+      </p:grpSpPr>
+      <p:sp>
+        <p:nvSpPr>
+          <p:cNvPr id="2" name="Title 1"/>
+          <p:cNvSpPr>
+            <a:spLocks noGrp="1"/>
+          </p:cNvSpPr>
+          <p:nvPr>
+            <p:ph type="title"/>
+          </p:nvPr>
+        </p:nvSpPr>
+        <p:spPr/>
+        <p:txBody>
+          <a:bodyPr>
+            <a:normAutofit/>
+          </a:bodyPr>
+          <a:lstStyle/>
+          <a:p>
+            <a:r>
+              <a:rPr lang="en-US" dirty="0" err="1" smtClean="0"/>
+              <a:t>Práctica</a:t>
+            </a:r>
+            <a:r>
+              <a:rPr lang="en-US" dirty="0" smtClean="0"/>
+              <a:t> </a:t>
+            </a:r>
+            <a:r>
+              <a:rPr lang="en-US" dirty="0" err="1" smtClean="0"/>
+              <a:t>ejercicio</a:t>
+            </a:r>
+            <a:r>
+              <a:rPr lang="en-US" dirty="0" smtClean="0"/>
+              <a:t> 2</a:t>
+            </a:r>
+            <a:endParaRPr lang="en-US" dirty="0"/>
+          </a:p>
+        </p:txBody>
+      </p:sp>
+      <p:sp>
+        <p:nvSpPr>
+          <p:cNvPr id="3" name="Content Placeholder 2"/>
+          <p:cNvSpPr>
+            <a:spLocks noGrp="1"/>
+          </p:cNvSpPr>
+          <p:nvPr>
+            <p:ph idx="1"/>
+          </p:nvPr>
+        </p:nvSpPr>
+        <p:spPr/>
+        <p:txBody>
+          <a:bodyPr/>
+          <a:lstStyle/>
+          <a:p>
+            <a:r>
+              <a:rPr lang="en-US" dirty="0" err="1" smtClean="0"/>
+              <a:t>Solucionemos</a:t>
+            </a:r>
+            <a:r>
+              <a:rPr lang="en-US" dirty="0" smtClean="0"/>
+              <a:t> el </a:t>
+            </a:r>
+            <a:r>
+              <a:rPr lang="en-US" dirty="0" err="1" smtClean="0"/>
+              <a:t>ejercicio</a:t>
+            </a:r>
+            <a:r>
+              <a:rPr lang="en-US" dirty="0" smtClean="0"/>
+              <a:t> 4 de la </a:t>
+            </a:r>
+            <a:r>
+              <a:rPr lang="en-US" dirty="0" err="1" smtClean="0"/>
+              <a:t>tarea</a:t>
+            </a:r>
+            <a:endParaRPr lang="en-US" dirty="0" smtClean="0"/>
+          </a:p>
+          <a:p>
+            <a:r>
+              <a:rPr lang="en-US" dirty="0" err="1" smtClean="0"/>
+              <a:t>Construir</a:t>
+            </a:r>
+            <a:r>
+              <a:rPr lang="en-US" dirty="0" smtClean="0"/>
+              <a:t> un </a:t>
+            </a:r>
+            <a:r>
+              <a:rPr lang="en-US" dirty="0" err="1" smtClean="0"/>
+              <a:t>programa</a:t>
+            </a:r>
+            <a:r>
+              <a:rPr lang="en-US" dirty="0" smtClean="0"/>
+              <a:t> </a:t>
+            </a:r>
+            <a:r>
+              <a:rPr lang="en-US" dirty="0" err="1" smtClean="0"/>
+              <a:t>que</a:t>
+            </a:r>
+            <a:r>
+              <a:rPr lang="en-US" dirty="0" smtClean="0"/>
+              <a:t> </a:t>
+            </a:r>
+            <a:r>
+              <a:rPr lang="en-US" dirty="0" err="1" smtClean="0"/>
+              <a:t>ordene</a:t>
+            </a:r>
+            <a:r>
+              <a:rPr lang="en-US" dirty="0" smtClean="0"/>
+              <a:t> de forma </a:t>
+            </a:r>
+            <a:r>
+              <a:rPr lang="en-US" dirty="0" err="1" smtClean="0"/>
+              <a:t>ascendente</a:t>
+            </a:r>
+            <a:r>
+              <a:rPr lang="en-US" dirty="0" smtClean="0"/>
+              <a:t> los </a:t>
+            </a:r>
+            <a:r>
+              <a:rPr lang="en-US" dirty="0" err="1" smtClean="0"/>
+              <a:t>números</a:t>
+            </a:r>
+            <a:r>
+              <a:rPr lang="en-US" dirty="0" smtClean="0"/>
+              <a:t> de un </a:t>
+            </a:r>
+            <a:r>
+              <a:rPr lang="en-US" dirty="0" err="1" smtClean="0"/>
+              <a:t>conjunto</a:t>
+            </a:r>
+            <a:r>
+              <a:rPr lang="en-US" dirty="0" smtClean="0"/>
+              <a:t> dado.</a:t>
+            </a:r>
+          </a:p>
+          <a:p>
+            <a:r>
+              <a:rPr lang="en-US" dirty="0" smtClean="0"/>
+              <a:t>Se le </a:t>
+            </a:r>
+            <a:r>
+              <a:rPr lang="en-US" dirty="0" err="1" smtClean="0"/>
+              <a:t>pide</a:t>
+            </a:r>
+            <a:r>
+              <a:rPr lang="en-US" dirty="0" smtClean="0"/>
+              <a:t> al </a:t>
+            </a:r>
+            <a:r>
+              <a:rPr lang="en-US" dirty="0" err="1" smtClean="0"/>
+              <a:t>usuario</a:t>
+            </a:r>
+            <a:r>
+              <a:rPr lang="en-US" dirty="0" smtClean="0"/>
+              <a:t> </a:t>
+            </a:r>
+            <a:r>
+              <a:rPr lang="en-US" dirty="0" err="1" smtClean="0"/>
+              <a:t>primero</a:t>
+            </a:r>
+            <a:r>
+              <a:rPr lang="en-US" dirty="0" smtClean="0"/>
+              <a:t> </a:t>
+            </a:r>
+            <a:r>
+              <a:rPr lang="en-US" dirty="0" err="1" smtClean="0"/>
+              <a:t>que</a:t>
+            </a:r>
+            <a:r>
+              <a:rPr lang="en-US" dirty="0" smtClean="0"/>
+              <a:t> </a:t>
+            </a:r>
+            <a:r>
+              <a:rPr lang="en-US" dirty="0" err="1" smtClean="0"/>
+              <a:t>escriba</a:t>
+            </a:r>
+            <a:r>
+              <a:rPr lang="en-US" dirty="0" smtClean="0"/>
+              <a:t> el </a:t>
+            </a:r>
+            <a:r>
+              <a:rPr lang="en-US" dirty="0" err="1" smtClean="0"/>
+              <a:t>número</a:t>
+            </a:r>
+            <a:r>
+              <a:rPr lang="en-US" dirty="0" smtClean="0"/>
+              <a:t> de </a:t>
+            </a:r>
+            <a:r>
+              <a:rPr lang="en-US" dirty="0" err="1" smtClean="0"/>
+              <a:t>elementos</a:t>
+            </a:r>
+            <a:r>
+              <a:rPr lang="en-US" dirty="0" smtClean="0"/>
+              <a:t> en el </a:t>
+            </a:r>
+            <a:r>
+              <a:rPr lang="en-US" dirty="0" err="1" smtClean="0"/>
+              <a:t>conjunto</a:t>
+            </a:r>
+            <a:endParaRPr lang="en-US" dirty="0" smtClean="0"/>
+          </a:p>
+          <a:p>
+            <a:r>
+              <a:rPr lang="en-US" dirty="0" smtClean="0"/>
+              <a:t>Se le </a:t>
+            </a:r>
+            <a:r>
+              <a:rPr lang="en-US" dirty="0" err="1" smtClean="0"/>
+              <a:t>pide</a:t>
+            </a:r>
+            <a:r>
+              <a:rPr lang="en-US" dirty="0" smtClean="0"/>
+              <a:t> al </a:t>
+            </a:r>
+            <a:r>
+              <a:rPr lang="en-US" dirty="0" err="1" smtClean="0"/>
+              <a:t>usuario</a:t>
+            </a:r>
+            <a:r>
+              <a:rPr lang="en-US" dirty="0" smtClean="0"/>
+              <a:t> </a:t>
+            </a:r>
+            <a:r>
+              <a:rPr lang="en-US" dirty="0" err="1" smtClean="0"/>
+              <a:t>que</a:t>
+            </a:r>
+            <a:r>
+              <a:rPr lang="en-US" dirty="0" smtClean="0"/>
+              <a:t> </a:t>
+            </a:r>
+            <a:r>
+              <a:rPr lang="en-US" dirty="0" err="1" smtClean="0"/>
+              <a:t>digite</a:t>
+            </a:r>
+            <a:r>
+              <a:rPr lang="en-US" dirty="0" smtClean="0"/>
+              <a:t> los </a:t>
+            </a:r>
+            <a:r>
+              <a:rPr lang="en-US" dirty="0" err="1" smtClean="0"/>
+              <a:t>números</a:t>
+            </a:r>
+            <a:r>
+              <a:rPr lang="en-US" dirty="0" smtClean="0"/>
+              <a:t> del </a:t>
+            </a:r>
+            <a:r>
+              <a:rPr lang="en-US" dirty="0" err="1" smtClean="0"/>
+              <a:t>conjunto</a:t>
+            </a:r>
+            <a:endParaRPr lang="en-US" dirty="0" smtClean="0"/>
+          </a:p>
+          <a:p>
+            <a:r>
+              <a:rPr lang="en-US" dirty="0" err="1" smtClean="0"/>
+              <a:t>Depues</a:t>
+            </a:r>
+            <a:r>
+              <a:rPr lang="en-US" dirty="0" smtClean="0"/>
+              <a:t> se </a:t>
+            </a:r>
+            <a:r>
+              <a:rPr lang="en-US" dirty="0" err="1" smtClean="0"/>
+              <a:t>ordena</a:t>
+            </a:r>
+            <a:r>
+              <a:rPr lang="en-US" dirty="0" smtClean="0"/>
+              <a:t> el </a:t>
+            </a:r>
+            <a:r>
+              <a:rPr lang="en-US" dirty="0" err="1" smtClean="0"/>
+              <a:t>conjunto</a:t>
+            </a:r>
+            <a:r>
+              <a:rPr lang="en-US" dirty="0" smtClean="0"/>
+              <a:t> y se </a:t>
+            </a:r>
+            <a:r>
+              <a:rPr lang="en-US" dirty="0" err="1" smtClean="0"/>
+              <a:t>imprime</a:t>
+            </a:r>
+            <a:r>
+              <a:rPr lang="en-US" dirty="0" smtClean="0"/>
+              <a:t> el </a:t>
+            </a:r>
+            <a:r>
+              <a:rPr lang="en-US" dirty="0" err="1" smtClean="0"/>
+              <a:t>conjunto</a:t>
+            </a:r>
+            <a:r>
+              <a:rPr lang="en-US" dirty="0" smtClean="0"/>
+              <a:t> </a:t>
+            </a:r>
+            <a:r>
+              <a:rPr lang="en-US" dirty="0" err="1" smtClean="0"/>
+              <a:t>ordenado</a:t>
+            </a:r>
+            <a:endParaRPr lang="en-US" dirty="0" smtClean="0"/>
+          </a:p>
+        </p:txBody>
+      </p:sp>
+    </p:spTree>
+    <p:extLst>
+      <p:ext uri="{BB962C8B-B14F-4D97-AF65-F5344CB8AC3E}">
+        <p14:creationId xmlns:p14="http://schemas.microsoft.com/office/powerpoint/2010/main" val="3595366802"/>
+      </p:ext>
+    </p:extLst>
+  </p:cSld>
+  <p:clrMapOvr>
+    <a:masterClrMapping/>
+  </p:clrMapOvr>
+  <p:timing>
+    <p:tnLst>
+      <p:par>
+        <p:cTn id="1" dur="indefinite" restart="never" nodeType="tmRoot">
+          <p:childTnLst>
+            <p:seq concurrent="1" nextAc="seek">
+              <p:cTn id="2" dur="indefinite" nodeType="mainSeq">
+                <p:childTnLst>
+                  <p:par>
+                    <p:cTn id="3" fill="hold">
+                      <p:stCondLst>
+                        <p:cond delay="indefinite"/>
+                      </p:stCondLst>
+                      <p:childTnLst>
+                        <p:par>
+                          <p:cTn id="4" fill="hold">
+                            <p:stCondLst>
+                              <p:cond delay="0"/>
+                            </p:stCondLst>
+                            <p:childTnLst>
+                              <p:par>
+                                <p:cTn id="5" presetID="1" presetClass="entr" presetSubtype="0" fill="hold" nodeType="clickEffect">
+                                  <p:stCondLst>
+                                    <p:cond delay="0"/>
+                                  </p:stCondLst>
+                                  <p:childTnLst>
+                                    <p:set>
+                                      <p:cBhvr>
+                                        <p:cTn id="6" dur="1" fill="hold">
+                                          <p:stCondLst>
+                                            <p:cond delay="0"/>
+                                          </p:stCondLst>
+                                        </p:cTn>
+                                        <p:tgtEl>
+                                          <p:spTgt spid="3">
+                                            <p:txEl>
+                                              <p:pRg st="0" end="0"/>
+                                            </p:txEl>
+                                          </p:spTgt>
+                                        </p:tgtEl>
+                                        <p:attrNameLst>
+                                          <p:attrName>style.visibility</p:attrName>
+                                        </p:attrNameLst>
+                                      </p:cBhvr>
+                                      <p:to>
+                                        <p:strVal val="visible"/>
+                                      </p:to>
+                                    </p:set>
+                                  </p:childTnLst>
+                                </p:cTn>
+                              </p:par>
+                            </p:childTnLst>
+                          </p:cTn>
+                        </p:par>
+                      </p:childTnLst>
+                    </p:cTn>
+                  </p:par>
+                  <p:par>
+                    <p:cTn id="7" fill="hold">
+                      <p:stCondLst>
+                        <p:cond delay="indefinite"/>
+                      </p:stCondLst>
+                      <p:childTnLst>
+                        <p:par>
+                          <p:cTn id="8" fill="hold">
+                            <p:stCondLst>
+                              <p:cond delay="0"/>
+                            </p:stCondLst>
+                            <p:childTnLst>
+                              <p:par>
+                                <p:cTn id="9" presetID="1" presetClass="entr" presetSubtype="0" fill="hold" nodeType="clickEffect">
+                                  <p:stCondLst>
+                                    <p:cond delay="0"/>
+                                  </p:stCondLst>
+                                  <p:childTnLst>
+                                    <p:set>
+                                      <p:cBhvr>
+                                        <p:cTn id="10" dur="1" fill="hold">
+                                          <p:stCondLst>
+                                            <p:cond delay="0"/>
+                                          </p:stCondLst>
+                                        </p:cTn>
+                                        <p:tgtEl>
+                                          <p:spTgt spid="3">
+                                            <p:txEl>
+                                              <p:pRg st="1" end="1"/>
+                                            </p:txEl>
+                                          </p:spTgt>
+                                        </p:tgtEl>
+                                        <p:attrNameLst>
+                                          <p:attrName>style.visibility</p:attrName>
+                                        </p:attrNameLst>
+                                      </p:cBhvr>
+                                      <p:to>
+                                        <p:strVal val="visible"/>
+                                      </p:to>
+                                    </p:set>
+                                  </p:childTnLst>
+                                </p:cTn>
+                              </p:par>
+                            </p:childTnLst>
+                          </p:cTn>
+                        </p:par>
+                      </p:childTnLst>
+                    </p:cTn>
+                  </p:par>
+                  <p:par>
+                    <p:cTn id="11" fill="hold">
+                      <p:stCondLst>
+                        <p:cond delay="indefinite"/>
+                      </p:stCondLst>
+                      <p:childTnLst>
+                        <p:par>
+                          <p:cTn id="12" fill="hold">
+                            <p:stCondLst>
+                              <p:cond delay="0"/>
+                            </p:stCondLst>
+                            <p:childTnLst>
+                              <p:par>
+                                <p:cTn id="13" presetID="1" presetClass="entr" presetSubtype="0" fill="hold" nodeType="clickEffect">
+                                  <p:stCondLst>
+                                    <p:cond delay="0"/>
+                                  </p:stCondLst>
+                                  <p:childTnLst>
+                                    <p:set>
+                                      <p:cBhvr>
+                                        <p:cTn id="14" dur="1" fill="hold">
+                                          <p:stCondLst>
+                                            <p:cond delay="0"/>
+                                          </p:stCondLst>
+                                        </p:cTn>
+                                        <p:tgtEl>
+                                          <p:spTgt spid="3">
+                                            <p:txEl>
+                                              <p:pRg st="2" end="2"/>
+                                            </p:txEl>
+                                          </p:spTgt>
+                                        </p:tgtEl>
+                                        <p:attrNameLst>
+                                          <p:attrName>style.visibility</p:attrName>
+                                        </p:attrNameLst>
+                                      </p:cBhvr>
+                                      <p:to>
+                                        <p:strVal val="visible"/>
+                                      </p:to>
+                                    </p:set>
+                                  </p:childTnLst>
+                                </p:cTn>
+                              </p:par>
+                            </p:childTnLst>
+                          </p:cTn>
+                        </p:par>
+                      </p:childTnLst>
+                    </p:cTn>
+                  </p:par>
+                  <p:par>
+                    <p:cTn id="15" fill="hold">
+                      <p:stCondLst>
+                        <p:cond delay="indefinite"/>
+                      </p:stCondLst>
+                      <p:childTnLst>
+                        <p:par>
+                          <p:cTn id="16" fill="hold">
+                            <p:stCondLst>
+                              <p:cond delay="0"/>
+                            </p:stCondLst>
+                            <p:childTnLst>
+                              <p:par>
+                                <p:cTn id="17" presetID="1" presetClass="entr" presetSubtype="0" fill="hold" nodeType="clickEffect">
+                                  <p:stCondLst>
+                                    <p:cond delay="0"/>
+                                  </p:stCondLst>
+                                  <p:childTnLst>
+                                    <p:set>
+                                      <p:cBhvr>
+                                        <p:cTn id="18" dur="1" fill="hold">
+                                          <p:stCondLst>
+                                            <p:cond delay="0"/>
+                                          </p:stCondLst>
+                                        </p:cTn>
+                                        <p:tgtEl>
+                                          <p:spTgt spid="3">
+                                            <p:txEl>
+                                              <p:pRg st="3" end="3"/>
+                                            </p:txEl>
+                                          </p:spTgt>
+                                        </p:tgtEl>
+                                        <p:attrNameLst>
+                                          <p:attrName>style.visibility</p:attrName>
+                                        </p:attrNameLst>
+                                      </p:cBhvr>
+                                      <p:to>
+                                        <p:strVal val="visible"/>
+                                      </p:to>
+                                    </p:set>
+                                  </p:childTnLst>
+                                </p:cTn>
+                              </p:par>
+                            </p:childTnLst>
+                          </p:cTn>
+                        </p:par>
+                      </p:childTnLst>
+                    </p:cTn>
+                  </p:par>
+                  <p:par>
+                    <p:cTn id="19" fill="hold">
+                      <p:stCondLst>
+                        <p:cond delay="indefinite"/>
+                      </p:stCondLst>
+                      <p:childTnLst>
+                        <p:par>
+                          <p:cTn id="20" fill="hold">
+                            <p:stCondLst>
+                              <p:cond delay="0"/>
+                            </p:stCondLst>
+                            <p:childTnLst>
+                              <p:par>
+                                <p:cTn id="21" presetID="1" presetClass="entr" presetSubtype="0" fill="hold" nodeType="clickEffect">
+                                  <p:stCondLst>
+                                    <p:cond delay="0"/>
+                                  </p:stCondLst>
+                                  <p:childTnLst>
+                                    <p:set>
+                                      <p:cBhvr>
+                                        <p:cTn id="22" dur="1" fill="hold">
+                                          <p:stCondLst>
+                                            <p:cond delay="0"/>
+                                          </p:stCondLst>
+                                        </p:cTn>
+                                        <p:tgtEl>
+                                          <p:spTgt spid="3">
+                                            <p:txEl>
+                                              <p:pRg st="4" end="4"/>
+                                            </p:txEl>
+                                          </p:spTgt>
+                                        </p:tgtEl>
+                                        <p:attrNameLst>
+                                          <p:attrName>style.visibility</p:attrName>
+                                        </p:attrNameLst>
+                                      </p:cBhvr>
+                                      <p:to>
+                                        <p:strVal val="visible"/>
+                                      </p:to>
+                                    </p:set>
+                                  </p:childTnLst>
+                                </p:cTn>
+                              </p:par>
+                            </p:childTnLst>
+                          </p:cTn>
+                        </p:par>
+                      </p:childTnLst>
+                    </p:cTn>
+                  </p:par>
+                </p:childTnLst>
+              </p:cTn>
+              <p:prevCondLst>
+                <p:cond evt="onPrev" delay="0">
+                  <p:tgtEl>
+                    <p:sldTgt/>
+                  </p:tgtEl>
+                </p:cond>
+              </p:prevCondLst>
+              <p:nextCondLst>
+                <p:cond evt="onNext" delay="0">
+                  <p:tgtEl>
+                    <p:sldTgt/>
+                  </p:tgtEl>
+                </p:cond>
+              </p:nextCondLst>
+            </p:seq>
+          </p:childTnLst>
+        </p:cTn>
       </p:par>
     </p:tnLst>
   </p:timing>
@@ -3569,7 +4865,32 @@
           <a:p>
             <a:r>
               <a:rPr lang="en-US" dirty="0" err="1" smtClean="0"/>
-              <a:t>Prática</a:t>
+              <a:t>Continuación</a:t>
+            </a:r>
+            <a:r>
+              <a:rPr lang="en-US" dirty="0" smtClean="0"/>
+              <a:t> de </a:t>
+            </a:r>
+            <a:r>
+              <a:rPr lang="en-US" dirty="0" err="1" smtClean="0"/>
+              <a:t>pseudocódigo</a:t>
+            </a:r>
+            <a:endParaRPr lang="en-US" dirty="0" smtClean="0"/>
+          </a:p>
+          <a:p>
+            <a:r>
+              <a:rPr lang="en-US" dirty="0" err="1" smtClean="0"/>
+              <a:t>Estructuras</a:t>
+            </a:r>
+            <a:r>
+              <a:rPr lang="en-US" dirty="0" smtClean="0"/>
+              <a:t> while</a:t>
+            </a:r>
+          </a:p>
+          <a:p>
+            <a:r>
+              <a:rPr lang="en-US" dirty="0" err="1" smtClean="0"/>
+              <a:t>Práctica</a:t>
             </a:r>
             <a:endParaRPr lang="en-US" dirty="0" smtClean="0"/>
           </a:p>
@@ -3670,11 +4991,11 @@
           <a:p>
             <a:r>
               <a:rPr lang="en-US" dirty="0" err="1" smtClean="0"/>
-              <a:t>Ejercicio</a:t>
-            </a:r>
-            <a:r>
-              <a:rPr lang="en-US" dirty="0" smtClean="0"/>
-              <a:t> 1</a:t>
+              <a:t>Estructuras</a:t>
+            </a:r>
+            <a:r>
+              <a:rPr lang="en-US" dirty="0" smtClean="0"/>
+              <a:t> While</a:t>
             </a:r>
             <a:endParaRPr lang="en-US" dirty="0"/>
           </a:p>
@@ -3692,24 +5013,38 @@
         </p:nvSpPr>
         <p:spPr/>
         <p:txBody>
-          <a:bodyPr/>
+          <a:bodyPr>
+            <a:normAutofit fontScale="92500" lnSpcReduction="20000"/>
+          </a:bodyPr>
           <a:lstStyle/>
           <a:p>
             <a:r>
-              <a:rPr lang="en-US" dirty="0" smtClean="0"/>
-              <a:t>Se </a:t>
-            </a:r>
-            <a:r>
-              <a:rPr lang="en-US" dirty="0" err="1" smtClean="0"/>
-              <a:t>requiere</a:t>
-            </a:r>
-            <a:r>
-              <a:rPr lang="en-US" dirty="0" smtClean="0"/>
-              <a:t> un </a:t>
-            </a:r>
-            <a:r>
-              <a:rPr lang="en-US" dirty="0" err="1" smtClean="0"/>
-              <a:t>programa</a:t>
+              <a:rPr lang="en-US" dirty="0" err="1" smtClean="0"/>
+              <a:t>Una</a:t>
+            </a:r>
+            <a:r>
+              <a:rPr lang="en-US" dirty="0" smtClean="0"/>
+              <a:t> </a:t>
+            </a:r>
+            <a:r>
+              <a:rPr lang="en-US" dirty="0" err="1" smtClean="0"/>
+              <a:t>estructura</a:t>
+            </a:r>
+            <a:r>
+              <a:rPr lang="en-US" dirty="0" smtClean="0"/>
+              <a:t> while </a:t>
+            </a:r>
+            <a:r>
+              <a:rPr lang="en-US" dirty="0" err="1" smtClean="0"/>
+              <a:t>es</a:t>
+            </a:r>
+            <a:r>
+              <a:rPr lang="en-US" dirty="0" smtClean="0"/>
+              <a:t> </a:t>
+            </a:r>
+            <a:r>
+              <a:rPr lang="en-US" dirty="0" err="1" smtClean="0"/>
+              <a:t>aquella</a:t>
             </a:r>
             <a:r>
               <a:rPr lang="en-US" dirty="0" smtClean="0"/>
@@ -3721,11 +5056,83 @@
             </a:r>
             <a:r>
               <a:rPr lang="en-US" dirty="0" smtClean="0"/>
-              <a:t> </a:t>
-            </a:r>
-            <a:r>
-              <a:rPr lang="en-US" dirty="0" err="1" smtClean="0"/>
-              <a:t>convierta</a:t>
+              <a:t> se </a:t>
+            </a:r>
+            <a:r>
+              <a:rPr lang="en-US" dirty="0" err="1" smtClean="0"/>
+              <a:t>usa</a:t>
+            </a:r>
+            <a:r>
+              <a:rPr lang="en-US" dirty="0" smtClean="0"/>
+              <a:t> </a:t>
+            </a:r>
+            <a:r>
+              <a:rPr lang="en-US" dirty="0" err="1" smtClean="0"/>
+              <a:t>para</a:t>
+            </a:r>
+            <a:r>
+              <a:rPr lang="en-US" dirty="0" smtClean="0"/>
+              <a:t> </a:t>
+            </a:r>
+            <a:r>
+              <a:rPr lang="en-US" dirty="0" err="1" smtClean="0"/>
+              <a:t>que</a:t>
+            </a:r>
+            <a:r>
+              <a:rPr lang="en-US" dirty="0" smtClean="0"/>
+              <a:t> se </a:t>
+            </a:r>
+            <a:r>
+              <a:rPr lang="en-US" dirty="0" err="1" smtClean="0"/>
+              <a:t>repita</a:t>
+            </a:r>
+            <a:r>
+              <a:rPr lang="en-US" dirty="0" smtClean="0"/>
+              <a:t> en forma de </a:t>
+            </a:r>
+            <a:r>
+              <a:rPr lang="en-US" dirty="0" err="1" smtClean="0"/>
+              <a:t>ciclo</a:t>
+            </a:r>
+            <a:r>
+              <a:rPr lang="en-US" dirty="0" smtClean="0"/>
+              <a:t> </a:t>
+            </a:r>
+            <a:r>
+              <a:rPr lang="en-US" dirty="0" err="1" smtClean="0"/>
+              <a:t>las</a:t>
+            </a:r>
+            <a:r>
+              <a:rPr lang="en-US" dirty="0" smtClean="0"/>
+              <a:t> </a:t>
+            </a:r>
+            <a:r>
+              <a:rPr lang="en-US" dirty="0" err="1" smtClean="0"/>
+              <a:t>operaciones</a:t>
+            </a:r>
+            <a:r>
+              <a:rPr lang="en-US" dirty="0" smtClean="0"/>
+              <a:t> </a:t>
+            </a:r>
+            <a:r>
+              <a:rPr lang="en-US" dirty="0" err="1" smtClean="0"/>
+              <a:t>espeficicadas</a:t>
+            </a:r>
+            <a:r>
+              <a:rPr lang="en-US" dirty="0" smtClean="0"/>
+              <a:t>, </a:t>
+            </a:r>
+            <a:r>
+              <a:rPr lang="en-US" dirty="0" err="1" smtClean="0"/>
+              <a:t>siempre</a:t>
+            </a:r>
+            <a:r>
+              <a:rPr lang="en-US" dirty="0" smtClean="0"/>
+              <a:t> y </a:t>
+            </a:r>
+            <a:r>
+              <a:rPr lang="en-US" dirty="0" err="1" smtClean="0"/>
+              <a:t>cuando</a:t>
             </a:r>
             <a:r>
               <a:rPr lang="en-US" dirty="0" smtClean="0"/>
@@ -3741,15 +5148,83 @@
             </a:r>
             <a:r>
               <a:rPr lang="en-US" dirty="0" err="1" smtClean="0"/>
-              <a:t>cantidad</a:t>
-            </a:r>
-            <a:r>
-              <a:rPr lang="en-US" dirty="0" smtClean="0"/>
-              <a:t> de </a:t>
-            </a:r>
-            <a:r>
-              <a:rPr lang="en-US" dirty="0" err="1" smtClean="0"/>
-              <a:t>tiempo</a:t>
+              <a:t>sentencia</a:t>
+            </a:r>
+            <a:r>
+              <a:rPr lang="en-US" dirty="0" smtClean="0"/>
+              <a:t> sea </a:t>
+            </a:r>
+            <a:r>
+              <a:rPr lang="en-US" dirty="0" err="1" smtClean="0"/>
+              <a:t>verdadera</a:t>
+            </a:r>
+            <a:r>
+              <a:rPr lang="en-US" dirty="0" smtClean="0"/>
+              <a:t>. </a:t>
+            </a:r>
+          </a:p>
+          <a:p>
+            <a:r>
+              <a:rPr lang="en-US" dirty="0" err="1" smtClean="0"/>
+              <a:t>Consta</a:t>
+            </a:r>
+            <a:r>
+              <a:rPr lang="en-US" dirty="0" smtClean="0"/>
+              <a:t> de 2 </a:t>
+            </a:r>
+            <a:r>
+              <a:rPr lang="en-US" dirty="0" err="1" smtClean="0"/>
+              <a:t>partes</a:t>
+            </a:r>
+            <a:r>
+              <a:rPr lang="en-US" dirty="0" smtClean="0"/>
+              <a:t>, la </a:t>
+            </a:r>
+            <a:r>
+              <a:rPr lang="en-US" dirty="0" err="1" smtClean="0"/>
+              <a:t>sentencia</a:t>
+            </a:r>
+            <a:r>
+              <a:rPr lang="en-US" dirty="0" smtClean="0"/>
+              <a:t> y </a:t>
+            </a:r>
+            <a:r>
+              <a:rPr lang="en-US" dirty="0" err="1" smtClean="0"/>
+              <a:t>las</a:t>
+            </a:r>
+            <a:r>
+              <a:rPr lang="en-US" dirty="0" smtClean="0"/>
+              <a:t> </a:t>
+            </a:r>
+            <a:r>
+              <a:rPr lang="en-US" dirty="0" err="1" smtClean="0"/>
+              <a:t>acciones</a:t>
+            </a:r>
+            <a:r>
+              <a:rPr lang="en-US" dirty="0" smtClean="0"/>
+              <a:t> </a:t>
+            </a:r>
+            <a:r>
+              <a:rPr lang="en-US" dirty="0" err="1" smtClean="0"/>
+              <a:t>que</a:t>
+            </a:r>
+            <a:r>
+              <a:rPr lang="en-US" dirty="0" smtClean="0"/>
+              <a:t> se van a </a:t>
+            </a:r>
+            <a:r>
+              <a:rPr lang="en-US" dirty="0" err="1" smtClean="0"/>
+              <a:t>repetir</a:t>
+            </a:r>
+            <a:r>
+              <a:rPr lang="en-US" dirty="0" smtClean="0"/>
+              <a:t>.</a:t>
+            </a:r>
+          </a:p>
+          <a:p>
+            <a:r>
+              <a:rPr lang="en-US" dirty="0" err="1" smtClean="0"/>
+              <a:t>Ejemplo</a:t>
             </a:r>
             <a:r>
               <a:rPr lang="en-US" dirty="0" smtClean="0"/>
@@ -3757,219 +5232,121 @@
             </a:r>
             <a:r>
               <a:rPr lang="en-US" dirty="0" err="1" smtClean="0"/>
-              <a:t>segundos</a:t>
-            </a:r>
-            <a:r>
-              <a:rPr lang="en-US" dirty="0" smtClean="0"/>
-              <a:t>. Se le </a:t>
-            </a:r>
-            <a:r>
-              <a:rPr lang="en-US" dirty="0" err="1" smtClean="0"/>
-              <a:t>debe</a:t>
-            </a:r>
-            <a:r>
-              <a:rPr lang="en-US" dirty="0" smtClean="0"/>
-              <a:t> </a:t>
-            </a:r>
-            <a:r>
-              <a:rPr lang="en-US" dirty="0" err="1" smtClean="0"/>
-              <a:t>solicitar</a:t>
-            </a:r>
-            <a:r>
-              <a:rPr lang="en-US" dirty="0" smtClean="0"/>
-              <a:t> al </a:t>
-            </a:r>
-            <a:r>
-              <a:rPr lang="en-US" dirty="0" err="1" smtClean="0"/>
-              <a:t>usuario</a:t>
-            </a:r>
-            <a:r>
-              <a:rPr lang="en-US" dirty="0" smtClean="0"/>
-              <a:t> </a:t>
-            </a:r>
-            <a:r>
-              <a:rPr lang="en-US" dirty="0" err="1" smtClean="0"/>
-              <a:t>una</a:t>
-            </a:r>
-            <a:r>
-              <a:rPr lang="en-US" dirty="0" smtClean="0"/>
-              <a:t> </a:t>
-            </a:r>
-            <a:r>
-              <a:rPr lang="en-US" dirty="0" err="1" smtClean="0"/>
-              <a:t>cantidad</a:t>
-            </a:r>
-            <a:r>
-              <a:rPr lang="en-US" dirty="0" smtClean="0"/>
-              <a:t> de </a:t>
-            </a:r>
-            <a:r>
-              <a:rPr lang="en-US" dirty="0" err="1" smtClean="0"/>
-              <a:t>días</a:t>
-            </a:r>
-            <a:r>
-              <a:rPr lang="en-US" dirty="0" smtClean="0"/>
-              <a:t>, </a:t>
-            </a:r>
-            <a:r>
-              <a:rPr lang="en-US" dirty="0" err="1" smtClean="0"/>
-              <a:t>una</a:t>
-            </a:r>
-            <a:r>
-              <a:rPr lang="en-US" dirty="0" smtClean="0"/>
-              <a:t> </a:t>
-            </a:r>
-            <a:r>
-              <a:rPr lang="en-US" dirty="0" err="1" smtClean="0"/>
-              <a:t>cantidad</a:t>
-            </a:r>
-            <a:r>
-              <a:rPr lang="en-US" dirty="0" smtClean="0"/>
-              <a:t> de </a:t>
-            </a:r>
-            <a:r>
-              <a:rPr lang="en-US" dirty="0" err="1" smtClean="0"/>
-              <a:t>horas</a:t>
-            </a:r>
-            <a:r>
-              <a:rPr lang="en-US" dirty="0" smtClean="0"/>
-              <a:t> y </a:t>
-            </a:r>
-            <a:r>
-              <a:rPr lang="en-US" dirty="0" err="1" smtClean="0"/>
-              <a:t>una</a:t>
-            </a:r>
-            <a:r>
-              <a:rPr lang="en-US" dirty="0" smtClean="0"/>
-              <a:t> </a:t>
-            </a:r>
-            <a:r>
-              <a:rPr lang="en-US" dirty="0" err="1" smtClean="0"/>
-              <a:t>cantidad</a:t>
-            </a:r>
-            <a:r>
-              <a:rPr lang="en-US" dirty="0" smtClean="0"/>
-              <a:t> de </a:t>
-            </a:r>
-            <a:r>
-              <a:rPr lang="en-US" dirty="0" err="1" smtClean="0"/>
-              <a:t>minutos</a:t>
-            </a:r>
-            <a:r>
-              <a:rPr lang="en-US" dirty="0" smtClean="0"/>
-              <a:t>. </a:t>
-            </a:r>
-          </a:p>
-          <a:p>
-            <a:r>
-              <a:rPr lang="en-US" dirty="0" err="1" smtClean="0"/>
-              <a:t>Teniendo</a:t>
-            </a:r>
-            <a:r>
-              <a:rPr lang="en-US" dirty="0" smtClean="0"/>
-              <a:t> </a:t>
-            </a:r>
-            <a:r>
-              <a:rPr lang="en-US" dirty="0" err="1" smtClean="0"/>
-              <a:t>esos</a:t>
-            </a:r>
-            <a:r>
-              <a:rPr lang="en-US" dirty="0" smtClean="0"/>
-              <a:t> </a:t>
-            </a:r>
-            <a:r>
-              <a:rPr lang="en-US" dirty="0" err="1" smtClean="0"/>
-              <a:t>datos</a:t>
-            </a:r>
-            <a:r>
-              <a:rPr lang="en-US" dirty="0" smtClean="0"/>
-              <a:t>, se </a:t>
-            </a:r>
-            <a:r>
-              <a:rPr lang="en-US" dirty="0" err="1" smtClean="0"/>
-              <a:t>convertirá</a:t>
-            </a:r>
-            <a:r>
-              <a:rPr lang="en-US" dirty="0" smtClean="0"/>
-              <a:t> </a:t>
-            </a:r>
-            <a:r>
-              <a:rPr lang="en-US" dirty="0" err="1" smtClean="0"/>
-              <a:t>cada</a:t>
-            </a:r>
-            <a:r>
-              <a:rPr lang="en-US" dirty="0" smtClean="0"/>
-              <a:t> </a:t>
-            </a:r>
-            <a:r>
-              <a:rPr lang="en-US" dirty="0" err="1" smtClean="0"/>
-              <a:t>unidad</a:t>
-            </a:r>
-            <a:r>
-              <a:rPr lang="en-US" dirty="0" smtClean="0"/>
-              <a:t> dada en </a:t>
-            </a:r>
-            <a:r>
-              <a:rPr lang="en-US" dirty="0" err="1" smtClean="0"/>
-              <a:t>segundos</a:t>
-            </a:r>
-            <a:r>
-              <a:rPr lang="en-US" dirty="0"/>
-              <a:t> </a:t>
-            </a:r>
-            <a:r>
-              <a:rPr lang="en-US" dirty="0" smtClean="0"/>
-              <a:t>y se </a:t>
-            </a:r>
-            <a:r>
-              <a:rPr lang="en-US" dirty="0" err="1" smtClean="0"/>
-              <a:t>imprimirá</a:t>
-            </a:r>
-            <a:r>
-              <a:rPr lang="en-US" dirty="0" smtClean="0"/>
-              <a:t> el </a:t>
-            </a:r>
-            <a:r>
-              <a:rPr lang="en-US" dirty="0" err="1" smtClean="0"/>
-              <a:t>resultado</a:t>
-            </a:r>
-            <a:r>
-              <a:rPr lang="en-US" dirty="0" smtClean="0"/>
-              <a:t>.</a:t>
-            </a:r>
-          </a:p>
-          <a:p>
-            <a:r>
-              <a:rPr lang="en-US" dirty="0" smtClean="0"/>
-              <a:t>El </a:t>
-            </a:r>
-            <a:r>
-              <a:rPr lang="en-US" dirty="0" err="1" smtClean="0"/>
-              <a:t>programa</a:t>
-            </a:r>
-            <a:r>
-              <a:rPr lang="en-US" dirty="0" smtClean="0"/>
-              <a:t> se </a:t>
-            </a:r>
-            <a:r>
-              <a:rPr lang="en-US" dirty="0" err="1" smtClean="0"/>
-              <a:t>ejecuta</a:t>
-            </a:r>
-            <a:r>
-              <a:rPr lang="en-US" dirty="0" smtClean="0"/>
-              <a:t> </a:t>
-            </a:r>
-            <a:r>
-              <a:rPr lang="en-US" dirty="0" err="1" smtClean="0"/>
-              <a:t>una</a:t>
-            </a:r>
-            <a:r>
-              <a:rPr lang="en-US" dirty="0" smtClean="0"/>
-              <a:t> sola </a:t>
-            </a:r>
-            <a:r>
-              <a:rPr lang="en-US" dirty="0" err="1" smtClean="0"/>
-              <a:t>vez</a:t>
+              <a:t>pseudocódigo</a:t>
+            </a:r>
+            <a:endParaRPr lang="en-US" dirty="0" smtClean="0"/>
+          </a:p>
+          <a:p>
+            <a:r>
+              <a:rPr lang="en-US" dirty="0" err="1" smtClean="0"/>
+              <a:t>inicio</a:t>
+            </a:r>
+            <a:endParaRPr lang="en-US" dirty="0" smtClean="0"/>
+          </a:p>
+          <a:p>
+            <a:r>
+              <a:rPr lang="en-US" dirty="0" smtClean="0"/>
+              <a:t>Leer(</a:t>
+            </a:r>
+            <a:r>
+              <a:rPr lang="en-US" dirty="0" err="1" smtClean="0"/>
+              <a:t>numero</a:t>
+            </a:r>
+            <a:r>
+              <a:rPr lang="en-US" dirty="0" smtClean="0"/>
+              <a:t>)</a:t>
+            </a:r>
+          </a:p>
+          <a:p>
+            <a:r>
+              <a:rPr lang="en-US" dirty="0" err="1" smtClean="0"/>
+              <a:t>Mientas</a:t>
+            </a:r>
+            <a:r>
+              <a:rPr lang="en-US" dirty="0" smtClean="0"/>
+              <a:t> </a:t>
+            </a:r>
+            <a:r>
+              <a:rPr lang="en-US" dirty="0" err="1" smtClean="0"/>
+              <a:t>numero</a:t>
+            </a:r>
+            <a:r>
+              <a:rPr lang="en-US" dirty="0" smtClean="0"/>
+              <a:t> % 2 == 0</a:t>
+            </a:r>
+          </a:p>
+          <a:p>
+            <a:pPr lvl="1"/>
+            <a:r>
+              <a:rPr lang="en-US" dirty="0" err="1" smtClean="0"/>
+              <a:t>Imprima</a:t>
+            </a:r>
+            <a:r>
+              <a:rPr lang="en-US" dirty="0" smtClean="0"/>
+              <a:t>(“</a:t>
+            </a:r>
+            <a:r>
+              <a:rPr lang="en-US" dirty="0" err="1" smtClean="0"/>
+              <a:t>Es</a:t>
+            </a:r>
+            <a:r>
+              <a:rPr lang="en-US" dirty="0" smtClean="0"/>
+              <a:t> par”)</a:t>
+            </a:r>
+          </a:p>
+          <a:p>
+            <a:pPr lvl="1"/>
+            <a:r>
+              <a:rPr lang="en-US" dirty="0" smtClean="0"/>
+              <a:t>Leer </a:t>
+            </a:r>
+            <a:r>
+              <a:rPr lang="en-US" dirty="0" err="1" smtClean="0"/>
+              <a:t>numero</a:t>
+            </a:r>
+            <a:endParaRPr lang="en-US" dirty="0" smtClean="0"/>
+          </a:p>
+          <a:p>
+            <a:r>
+              <a:rPr lang="en-US" dirty="0" smtClean="0"/>
+              <a:t>Fin </a:t>
+            </a:r>
+            <a:r>
+              <a:rPr lang="en-US" dirty="0" err="1" smtClean="0"/>
+              <a:t>mientras</a:t>
+            </a:r>
+            <a:endParaRPr lang="en-US" dirty="0" smtClean="0"/>
+          </a:p>
+          <a:p>
+            <a:r>
+              <a:rPr lang="en-US" dirty="0" err="1" smtClean="0"/>
+              <a:t>Imprimir</a:t>
+            </a:r>
+            <a:r>
+              <a:rPr lang="en-US" dirty="0" smtClean="0"/>
+              <a:t>(“</a:t>
+            </a:r>
+            <a:r>
+              <a:rPr lang="en-US" dirty="0" err="1" smtClean="0"/>
+              <a:t>es</a:t>
+            </a:r>
+            <a:r>
+              <a:rPr lang="en-US" dirty="0" smtClean="0"/>
+              <a:t> </a:t>
+            </a:r>
+            <a:r>
+              <a:rPr lang="en-US" dirty="0" err="1" smtClean="0"/>
+              <a:t>impar</a:t>
+            </a:r>
+            <a:r>
+              <a:rPr lang="en-US" dirty="0" smtClean="0"/>
+              <a:t>”)</a:t>
+            </a:r>
+          </a:p>
+          <a:p>
+            <a:r>
+              <a:rPr lang="en-US" dirty="0" smtClean="0"/>
+              <a:t>fin</a:t>
             </a:r>
             <a:endParaRPr lang="en-US" dirty="0"/>
           </a:p>
@@ -3978,13 +5355,582 @@
     </p:spTree>
     <p:extLst>
       <p:ext uri="{BB962C8B-B14F-4D97-AF65-F5344CB8AC3E}">
-        <p14:creationId xmlns:p14="http://schemas.microsoft.com/office/powerpoint/2010/main" val="403544186"/>
+        <p14:creationId xmlns:p14="http://schemas.microsoft.com/office/powerpoint/2010/main" val="678550203"/>
       </p:ext>
     </p:extLst>
   </p:cSld>
   <p:clrMapOvr>
     <a:masterClrMapping/>
   </p:clrMapOvr>
+  <p:timing>
+    <p:tnLst>
+      <p:par>
+        <p:cTn id="1" dur="indefinite" restart="never" nodeType="tmRoot">
+          <p:childTnLst>
+            <p:seq concurrent="1" nextAc="seek">
+              <p:cTn id="2" dur="indefinite" nodeType="mainSeq">
+                <p:childTnLst>
+                  <p:par>
+                    <p:cTn id="3" fill="hold">
+                      <p:stCondLst>
+                        <p:cond delay="indefinite"/>
+                      </p:stCondLst>
+                      <p:childTnLst>
+                        <p:par>
+                          <p:cTn id="4" fill="hold">
+                            <p:stCondLst>
+                              <p:cond delay="0"/>
+                            </p:stCondLst>
+                            <p:childTnLst>
+                              <p:par>
+                                <p:cTn id="5" presetID="1" presetClass="entr" presetSubtype="0" fill="hold" nodeType="clickEffect">
+                                  <p:stCondLst>
+                                    <p:cond delay="0"/>
+                                  </p:stCondLst>
+                                  <p:childTnLst>
+                                    <p:set>
+                                      <p:cBhvr>
+                                        <p:cTn id="6" dur="1" fill="hold">
+                                          <p:stCondLst>
+                                            <p:cond delay="0"/>
+                                          </p:stCondLst>
+                                        </p:cTn>
+                                        <p:tgtEl>
+                                          <p:spTgt spid="3">
+                                            <p:txEl>
+                                              <p:pRg st="0" end="0"/>
+                                            </p:txEl>
+                                          </p:spTgt>
+                                        </p:tgtEl>
+                                        <p:attrNameLst>
+                                          <p:attrName>style.visibility</p:attrName>
+                                        </p:attrNameLst>
+                                      </p:cBhvr>
+                                      <p:to>
+                                        <p:strVal val="visible"/>
+                                      </p:to>
+                                    </p:set>
+                                  </p:childTnLst>
+                                </p:cTn>
+                              </p:par>
+                            </p:childTnLst>
+                          </p:cTn>
+                        </p:par>
+                      </p:childTnLst>
+                    </p:cTn>
+                  </p:par>
+                  <p:par>
+                    <p:cTn id="7" fill="hold">
+                      <p:stCondLst>
+                        <p:cond delay="indefinite"/>
+                      </p:stCondLst>
+                      <p:childTnLst>
+                        <p:par>
+                          <p:cTn id="8" fill="hold">
+                            <p:stCondLst>
+                              <p:cond delay="0"/>
+                            </p:stCondLst>
+                            <p:childTnLst>
+                              <p:par>
+                                <p:cTn id="9" presetID="1" presetClass="entr" presetSubtype="0" fill="hold" nodeType="clickEffect">
+                                  <p:stCondLst>
+                                    <p:cond delay="0"/>
+                                  </p:stCondLst>
+                                  <p:childTnLst>
+                                    <p:set>
+                                      <p:cBhvr>
+                                        <p:cTn id="10" dur="1" fill="hold">
+                                          <p:stCondLst>
+                                            <p:cond delay="0"/>
+                                          </p:stCondLst>
+                                        </p:cTn>
+                                        <p:tgtEl>
+                                          <p:spTgt spid="3">
+                                            <p:txEl>
+                                              <p:pRg st="1" end="1"/>
+                                            </p:txEl>
+                                          </p:spTgt>
+                                        </p:tgtEl>
+                                        <p:attrNameLst>
+                                          <p:attrName>style.visibility</p:attrName>
+                                        </p:attrNameLst>
+                                      </p:cBhvr>
+                                      <p:to>
+                                        <p:strVal val="visible"/>
+                                      </p:to>
+                                    </p:set>
+                                  </p:childTnLst>
+                                </p:cTn>
+                              </p:par>
+                            </p:childTnLst>
+                          </p:cTn>
+                        </p:par>
+                      </p:childTnLst>
+                    </p:cTn>
+                  </p:par>
+                  <p:par>
+                    <p:cTn id="11" fill="hold">
+                      <p:stCondLst>
+                        <p:cond delay="indefinite"/>
+                      </p:stCondLst>
+                      <p:childTnLst>
+                        <p:par>
+                          <p:cTn id="12" fill="hold">
+                            <p:stCondLst>
+                              <p:cond delay="0"/>
+                            </p:stCondLst>
+                            <p:childTnLst>
+                              <p:par>
+                                <p:cTn id="13" presetID="1" presetClass="entr" presetSubtype="0" fill="hold" nodeType="clickEffect">
+                                  <p:stCondLst>
+                                    <p:cond delay="0"/>
+                                  </p:stCondLst>
+                                  <p:childTnLst>
+                                    <p:set>
+                                      <p:cBhvr>
+                                        <p:cTn id="14" dur="1" fill="hold">
+                                          <p:stCondLst>
+                                            <p:cond delay="0"/>
+                                          </p:stCondLst>
+                                        </p:cTn>
+                                        <p:tgtEl>
+                                          <p:spTgt spid="3">
+                                            <p:txEl>
+                                              <p:pRg st="2" end="2"/>
+                                            </p:txEl>
+                                          </p:spTgt>
+                                        </p:tgtEl>
+                                        <p:attrNameLst>
+                                          <p:attrName>style.visibility</p:attrName>
+                                        </p:attrNameLst>
+                                      </p:cBhvr>
+                                      <p:to>
+                                        <p:strVal val="visible"/>
+                                      </p:to>
+                                    </p:set>
+                                  </p:childTnLst>
+                                </p:cTn>
+                              </p:par>
+                            </p:childTnLst>
+                          </p:cTn>
+                        </p:par>
+                      </p:childTnLst>
+                    </p:cTn>
+                  </p:par>
+                  <p:par>
+                    <p:cTn id="15" fill="hold">
+                      <p:stCondLst>
+                        <p:cond delay="indefinite"/>
+                      </p:stCondLst>
+                      <p:childTnLst>
+                        <p:par>
+                          <p:cTn id="16" fill="hold">
+                            <p:stCondLst>
+                              <p:cond delay="0"/>
+                            </p:stCondLst>
+                            <p:childTnLst>
+                              <p:par>
+                                <p:cTn id="17" presetID="1" presetClass="entr" presetSubtype="0" fill="hold" nodeType="clickEffect">
+                                  <p:stCondLst>
+                                    <p:cond delay="0"/>
+                                  </p:stCondLst>
+                                  <p:childTnLst>
+                                    <p:set>
+                                      <p:cBhvr>
+                                        <p:cTn id="18" dur="1" fill="hold">
+                                          <p:stCondLst>
+                                            <p:cond delay="0"/>
+                                          </p:stCondLst>
+                                        </p:cTn>
+                                        <p:tgtEl>
+                                          <p:spTgt spid="3">
+                                            <p:txEl>
+                                              <p:pRg st="3" end="3"/>
+                                            </p:txEl>
+                                          </p:spTgt>
+                                        </p:tgtEl>
+                                        <p:attrNameLst>
+                                          <p:attrName>style.visibility</p:attrName>
+                                        </p:attrNameLst>
+                                      </p:cBhvr>
+                                      <p:to>
+                                        <p:strVal val="visible"/>
+                                      </p:to>
+                                    </p:set>
+                                  </p:childTnLst>
+                                </p:cTn>
+                              </p:par>
+                            </p:childTnLst>
+                          </p:cTn>
+                        </p:par>
+                      </p:childTnLst>
+                    </p:cTn>
+                  </p:par>
+                  <p:par>
+                    <p:cTn id="19" fill="hold">
+                      <p:stCondLst>
+                        <p:cond delay="indefinite"/>
+                      </p:stCondLst>
+                      <p:childTnLst>
+                        <p:par>
+                          <p:cTn id="20" fill="hold">
+                            <p:stCondLst>
+                              <p:cond delay="0"/>
+                            </p:stCondLst>
+                            <p:childTnLst>
+                              <p:par>
+                                <p:cTn id="21" presetID="1" presetClass="entr" presetSubtype="0" fill="hold" nodeType="clickEffect">
+                                  <p:stCondLst>
+                                    <p:cond delay="0"/>
+                                  </p:stCondLst>
+                                  <p:childTnLst>
+                                    <p:set>
+                                      <p:cBhvr>
+                                        <p:cTn id="22" dur="1" fill="hold">
+                                          <p:stCondLst>
+                                            <p:cond delay="0"/>
+                                          </p:stCondLst>
+                                        </p:cTn>
+                                        <p:tgtEl>
+                                          <p:spTgt spid="3">
+                                            <p:txEl>
+                                              <p:pRg st="4" end="4"/>
+                                            </p:txEl>
+                                          </p:spTgt>
+                                        </p:tgtEl>
+                                        <p:attrNameLst>
+                                          <p:attrName>style.visibility</p:attrName>
+                                        </p:attrNameLst>
+                                      </p:cBhvr>
+                                      <p:to>
+                                        <p:strVal val="visible"/>
+                                      </p:to>
+                                    </p:set>
+                                  </p:childTnLst>
+                                </p:cTn>
+                              </p:par>
+                            </p:childTnLst>
+                          </p:cTn>
+                        </p:par>
+                      </p:childTnLst>
+                    </p:cTn>
+                  </p:par>
+                  <p:par>
+                    <p:cTn id="23" fill="hold">
+                      <p:stCondLst>
+                        <p:cond delay="indefinite"/>
+                      </p:stCondLst>
+                      <p:childTnLst>
+                        <p:par>
+                          <p:cTn id="24" fill="hold">
+                            <p:stCondLst>
+                              <p:cond delay="0"/>
+                            </p:stCondLst>
+                            <p:childTnLst>
+                              <p:par>
+                                <p:cTn id="25" presetID="1" presetClass="entr" presetSubtype="0" fill="hold" nodeType="clickEffect">
+                                  <p:stCondLst>
+                                    <p:cond delay="0"/>
+                                  </p:stCondLst>
+                                  <p:childTnLst>
+                                    <p:set>
+                                      <p:cBhvr>
+                                        <p:cTn id="26" dur="1" fill="hold">
+                                          <p:stCondLst>
+                                            <p:cond delay="0"/>
+                                          </p:stCondLst>
+                                        </p:cTn>
+                                        <p:tgtEl>
+                                          <p:spTgt spid="3">
+                                            <p:txEl>
+                                              <p:pRg st="5" end="5"/>
+                                            </p:txEl>
+                                          </p:spTgt>
+                                        </p:tgtEl>
+                                        <p:attrNameLst>
+                                          <p:attrName>style.visibility</p:attrName>
+                                        </p:attrNameLst>
+                                      </p:cBhvr>
+                                      <p:to>
+                                        <p:strVal val="visible"/>
+                                      </p:to>
+                                    </p:set>
+                                  </p:childTnLst>
+                                </p:cTn>
+                              </p:par>
+                            </p:childTnLst>
+                          </p:cTn>
+                        </p:par>
+                      </p:childTnLst>
+                    </p:cTn>
+                  </p:par>
+                  <p:par>
+                    <p:cTn id="27" fill="hold">
+                      <p:stCondLst>
+                        <p:cond delay="indefinite"/>
+                      </p:stCondLst>
+                      <p:childTnLst>
+                        <p:par>
+                          <p:cTn id="28" fill="hold">
+                            <p:stCondLst>
+                              <p:cond delay="0"/>
+                            </p:stCondLst>
+                            <p:childTnLst>
+                              <p:par>
+                                <p:cTn id="29" presetID="1" presetClass="entr" presetSubtype="0" fill="hold" nodeType="clickEffect">
+                                  <p:stCondLst>
+                                    <p:cond delay="0"/>
+                                  </p:stCondLst>
+                                  <p:childTnLst>
+                                    <p:set>
+                                      <p:cBhvr>
+                                        <p:cTn id="30" dur="1" fill="hold">
+                                          <p:stCondLst>
+                                            <p:cond delay="0"/>
+                                          </p:stCondLst>
+                                        </p:cTn>
+                                        <p:tgtEl>
+                                          <p:spTgt spid="3">
+                                            <p:txEl>
+                                              <p:pRg st="6" end="6"/>
+                                            </p:txEl>
+                                          </p:spTgt>
+                                        </p:tgtEl>
+                                        <p:attrNameLst>
+                                          <p:attrName>style.visibility</p:attrName>
+                                        </p:attrNameLst>
+                                      </p:cBhvr>
+                                      <p:to>
+                                        <p:strVal val="visible"/>
+                                      </p:to>
+                                    </p:set>
+                                  </p:childTnLst>
+                                </p:cTn>
+                              </p:par>
+                            </p:childTnLst>
+                          </p:cTn>
+                        </p:par>
+                      </p:childTnLst>
+                    </p:cTn>
+                  </p:par>
+                  <p:par>
+                    <p:cTn id="31" fill="hold">
+                      <p:stCondLst>
+                        <p:cond delay="indefinite"/>
+                      </p:stCondLst>
+                      <p:childTnLst>
+                        <p:par>
+                          <p:cTn id="32" fill="hold">
+                            <p:stCondLst>
+                              <p:cond delay="0"/>
+                            </p:stCondLst>
+                            <p:childTnLst>
+                              <p:par>
+                                <p:cTn id="33" presetID="1" presetClass="entr" presetSubtype="0" fill="hold" nodeType="clickEffect">
+                                  <p:stCondLst>
+                                    <p:cond delay="0"/>
+                                  </p:stCondLst>
+                                  <p:childTnLst>
+                                    <p:set>
+                                      <p:cBhvr>
+                                        <p:cTn id="34" dur="1" fill="hold">
+                                          <p:stCondLst>
+                                            <p:cond delay="0"/>
+                                          </p:stCondLst>
+                                        </p:cTn>
+                                        <p:tgtEl>
+                                          <p:spTgt spid="3">
+                                            <p:txEl>
+                                              <p:pRg st="7" end="7"/>
+                                            </p:txEl>
+                                          </p:spTgt>
+                                        </p:tgtEl>
+                                        <p:attrNameLst>
+                                          <p:attrName>style.visibility</p:attrName>
+                                        </p:attrNameLst>
+                                      </p:cBhvr>
+                                      <p:to>
+                                        <p:strVal val="visible"/>
+                                      </p:to>
+                                    </p:set>
+                                  </p:childTnLst>
+                                </p:cTn>
+                              </p:par>
+                            </p:childTnLst>
+                          </p:cTn>
+                        </p:par>
+                      </p:childTnLst>
+                    </p:cTn>
+                  </p:par>
+                  <p:par>
+                    <p:cTn id="35" fill="hold">
+                      <p:stCondLst>
+                        <p:cond delay="indefinite"/>
+                      </p:stCondLst>
+                      <p:childTnLst>
+                        <p:par>
+                          <p:cTn id="36" fill="hold">
+                            <p:stCondLst>
+                              <p:cond delay="0"/>
+                            </p:stCondLst>
+                            <p:childTnLst>
+                              <p:par>
+                                <p:cTn id="37" presetID="1" presetClass="entr" presetSubtype="0" fill="hold" nodeType="clickEffect">
+                                  <p:stCondLst>
+                                    <p:cond delay="0"/>
+                                  </p:stCondLst>
+                                  <p:childTnLst>
+                                    <p:set>
+                                      <p:cBhvr>
+                                        <p:cTn id="38" dur="1" fill="hold">
+                                          <p:stCondLst>
+                                            <p:cond delay="0"/>
+                                          </p:stCondLst>
+                                        </p:cTn>
+                                        <p:tgtEl>
+                                          <p:spTgt spid="3">
+                                            <p:txEl>
+                                              <p:pRg st="8" end="8"/>
+                                            </p:txEl>
+                                          </p:spTgt>
+                                        </p:tgtEl>
+                                        <p:attrNameLst>
+                                          <p:attrName>style.visibility</p:attrName>
+                                        </p:attrNameLst>
+                                      </p:cBhvr>
+                                      <p:to>
+                                        <p:strVal val="visible"/>
+                                      </p:to>
+                                    </p:set>
+                                  </p:childTnLst>
+                                </p:cTn>
+                              </p:par>
+                            </p:childTnLst>
+                          </p:cTn>
+                        </p:par>
+                      </p:childTnLst>
+                    </p:cTn>
+                  </p:par>
+                  <p:par>
+                    <p:cTn id="39" fill="hold">
+                      <p:stCondLst>
+                        <p:cond delay="indefinite"/>
+                      </p:stCondLst>
+                      <p:childTnLst>
+                        <p:par>
+                          <p:cTn id="40" fill="hold">
+                            <p:stCondLst>
+                              <p:cond delay="0"/>
+                            </p:stCondLst>
+                            <p:childTnLst>
+                              <p:par>
+                                <p:cTn id="41" presetID="1" presetClass="entr" presetSubtype="0" fill="hold" nodeType="clickEffect">
+                                  <p:stCondLst>
+                                    <p:cond delay="0"/>
+                                  </p:stCondLst>
+                                  <p:childTnLst>
+                                    <p:set>
+                                      <p:cBhvr>
+                                        <p:cTn id="42" dur="1" fill="hold">
+                                          <p:stCondLst>
+                                            <p:cond delay="0"/>
+                                          </p:stCondLst>
+                                        </p:cTn>
+                                        <p:tgtEl>
+                                          <p:spTgt spid="3">
+                                            <p:txEl>
+                                              <p:pRg st="9" end="9"/>
+                                            </p:txEl>
+                                          </p:spTgt>
+                                        </p:tgtEl>
+                                        <p:attrNameLst>
+                                          <p:attrName>style.visibility</p:attrName>
+                                        </p:attrNameLst>
+                                      </p:cBhvr>
+                                      <p:to>
+                                        <p:strVal val="visible"/>
+                                      </p:to>
+                                    </p:set>
+                                  </p:childTnLst>
+                                </p:cTn>
+                              </p:par>
+                            </p:childTnLst>
+                          </p:cTn>
+                        </p:par>
+                      </p:childTnLst>
+                    </p:cTn>
+                  </p:par>
+                  <p:par>
+                    <p:cTn id="43" fill="hold">
+                      <p:stCondLst>
+                        <p:cond delay="indefinite"/>
+                      </p:stCondLst>
+                      <p:childTnLst>
+                        <p:par>
+                          <p:cTn id="44" fill="hold">
+                            <p:stCondLst>
+                              <p:cond delay="0"/>
+                            </p:stCondLst>
+                            <p:childTnLst>
+                              <p:par>
+                                <p:cTn id="45" presetID="1" presetClass="entr" presetSubtype="0" fill="hold" nodeType="clickEffect">
+                                  <p:stCondLst>
+                                    <p:cond delay="0"/>
+                                  </p:stCondLst>
+                                  <p:childTnLst>
+                                    <p:set>
+                                      <p:cBhvr>
+                                        <p:cTn id="46" dur="1" fill="hold">
+                                          <p:stCondLst>
+                                            <p:cond delay="0"/>
+                                          </p:stCondLst>
+                                        </p:cTn>
+                                        <p:tgtEl>
+                                          <p:spTgt spid="3">
+                                            <p:txEl>
+                                              <p:pRg st="10" end="10"/>
+                                            </p:txEl>
+                                          </p:spTgt>
+                                        </p:tgtEl>
+                                        <p:attrNameLst>
+                                          <p:attrName>style.visibility</p:attrName>
+                                        </p:attrNameLst>
+                                      </p:cBhvr>
+                                      <p:to>
+                                        <p:strVal val="visible"/>
+                                      </p:to>
+                                    </p:set>
+                                  </p:childTnLst>
+                                </p:cTn>
+                              </p:par>
+                            </p:childTnLst>
+                          </p:cTn>
+                        </p:par>
+                      </p:childTnLst>
+                    </p:cTn>
+                  </p:par>
+                </p:childTnLst>
+              </p:cTn>
+              <p:prevCondLst>
+                <p:cond evt="onPrev" delay="0">
+                  <p:tgtEl>
+                    <p:sldTgt/>
+                  </p:tgtEl>
+                </p:cond>
+              </p:prevCondLst>
+              <p:nextCondLst>
+                <p:cond evt="onNext" delay="0">
+                  <p:tgtEl>
+                    <p:sldTgt/>
+                  </p:tgtEl>
+                </p:cond>
+              </p:nextCondLst>
+            </p:seq>
+          </p:childTnLst>
+        </p:cTn>
+      </p:par>
+    </p:tnLst>
+  </p:timing>
 </p:sld>
 </file>
 
@@ -4017,16 +5963,38 @@
         </p:nvSpPr>
         <p:spPr/>
         <p:txBody>
-          <a:bodyPr/>
+          <a:bodyPr>
+            <a:normAutofit fontScale="90000"/>
+          </a:bodyPr>
           <a:lstStyle/>
           <a:p>
             <a:r>
               <a:rPr lang="en-US" dirty="0" err="1" smtClean="0"/>
-              <a:t>Ejercicio</a:t>
-            </a:r>
-            <a:r>
-              <a:rPr lang="en-US" dirty="0" smtClean="0"/>
-              <a:t> 2</a:t>
+              <a:t>Estructura</a:t>
+            </a:r>
+            <a:r>
+              <a:rPr lang="en-US" dirty="0" smtClean="0"/>
+              <a:t> de </a:t>
+            </a:r>
+            <a:r>
+              <a:rPr lang="en-US" dirty="0" err="1" smtClean="0"/>
+              <a:t>datos</a:t>
+            </a:r>
+            <a:r>
+              <a:rPr lang="en-US" dirty="0" smtClean="0"/>
+              <a:t> </a:t>
+            </a:r>
+            <a:r>
+              <a:rPr lang="en-US" dirty="0" err="1" smtClean="0"/>
+              <a:t>arreglo</a:t>
+            </a:r>
+            <a:r>
+              <a:rPr lang="en-US" dirty="0" smtClean="0"/>
+              <a:t> o </a:t>
+            </a:r>
+            <a:r>
+              <a:rPr lang="en-US" dirty="0" err="1" smtClean="0"/>
+              <a:t>conjunto</a:t>
             </a:r>
             <a:endParaRPr lang="en-US" dirty="0"/>
           </a:p>
@@ -4044,18 +6012,24 @@
         </p:nvSpPr>
         <p:spPr/>
         <p:txBody>
-          <a:bodyPr>
-            <a:normAutofit lnSpcReduction="10000"/>
-          </a:bodyPr>
+          <a:bodyPr/>
           <a:lstStyle/>
           <a:p>
             <a:r>
               <a:rPr lang="en-US" dirty="0" smtClean="0"/>
-              <a:t>Se </a:t>
-            </a:r>
-            <a:r>
-              <a:rPr lang="en-US" dirty="0" err="1" smtClean="0"/>
-              <a:t>requiere</a:t>
+              <a:t>Un </a:t>
+            </a:r>
+            <a:r>
+              <a:rPr lang="en-US" dirty="0" err="1" smtClean="0"/>
+              <a:t>arreglo</a:t>
+            </a:r>
+            <a:r>
+              <a:rPr lang="en-US" dirty="0" smtClean="0"/>
+              <a:t> </a:t>
+            </a:r>
+            <a:r>
+              <a:rPr lang="en-US" dirty="0" err="1" smtClean="0"/>
+              <a:t>es</a:t>
             </a:r>
             <a:r>
               <a:rPr lang="en-US" dirty="0" smtClean="0"/>
@@ -4063,7 +6037,55 @@
             </a:r>
             <a:r>
               <a:rPr lang="en-US" dirty="0" err="1" smtClean="0"/>
-              <a:t>programa</a:t>
+              <a:t>conjunto</a:t>
+            </a:r>
+            <a:r>
+              <a:rPr lang="en-US" dirty="0" smtClean="0"/>
+              <a:t> de </a:t>
+            </a:r>
+            <a:r>
+              <a:rPr lang="en-US" dirty="0" err="1" smtClean="0"/>
+              <a:t>elementos</a:t>
+            </a:r>
+            <a:r>
+              <a:rPr lang="en-US" dirty="0" smtClean="0"/>
+              <a:t>. </a:t>
+            </a:r>
+            <a:r>
+              <a:rPr lang="en-US" dirty="0" err="1" smtClean="0"/>
+              <a:t>Cada</a:t>
+            </a:r>
+            <a:r>
+              <a:rPr lang="en-US" dirty="0" smtClean="0"/>
+              <a:t> </a:t>
+            </a:r>
+            <a:r>
+              <a:rPr lang="en-US" dirty="0" err="1" smtClean="0"/>
+              <a:t>elemento</a:t>
+            </a:r>
+            <a:r>
+              <a:rPr lang="en-US" dirty="0" smtClean="0"/>
+              <a:t> del </a:t>
+            </a:r>
+            <a:r>
+              <a:rPr lang="en-US" dirty="0" err="1" smtClean="0"/>
+              <a:t>conjunto</a:t>
+            </a:r>
+            <a:r>
+              <a:rPr lang="en-US" dirty="0" smtClean="0"/>
+              <a:t> </a:t>
+            </a:r>
+            <a:r>
+              <a:rPr lang="en-US" dirty="0" err="1" smtClean="0"/>
+              <a:t>tiene</a:t>
+            </a:r>
+            <a:r>
+              <a:rPr lang="en-US" dirty="0" smtClean="0"/>
+              <a:t> un </a:t>
+            </a:r>
+            <a:r>
+              <a:rPr lang="en-US" dirty="0" err="1" smtClean="0"/>
+              <a:t>índice</a:t>
             </a:r>
             <a:r>
               <a:rPr lang="en-US" dirty="0" smtClean="0"/>
@@ -4079,93 +6101,243 @@
             </a:r>
             <a:r>
               <a:rPr lang="en-US" dirty="0" err="1" smtClean="0"/>
-              <a:t>calcule</a:t>
-            </a:r>
-            <a:r>
-              <a:rPr lang="en-US" dirty="0" smtClean="0"/>
-              <a:t> el </a:t>
-            </a:r>
-            <a:r>
-              <a:rPr lang="en-US" dirty="0" err="1" smtClean="0"/>
-              <a:t>área</a:t>
-            </a:r>
-            <a:r>
-              <a:rPr lang="en-US" dirty="0" smtClean="0"/>
-              <a:t> de un </a:t>
-            </a:r>
-            <a:r>
-              <a:rPr lang="en-US" dirty="0" err="1" smtClean="0"/>
-              <a:t>triángulo</a:t>
-            </a:r>
-            <a:r>
-              <a:rPr lang="en-US" dirty="0" smtClean="0"/>
-              <a:t> o de un </a:t>
-            </a:r>
-            <a:r>
-              <a:rPr lang="en-US" dirty="0" err="1" smtClean="0"/>
-              <a:t>cuadrado</a:t>
+              <a:t>determina</a:t>
+            </a:r>
+            <a:r>
+              <a:rPr lang="en-US" dirty="0" smtClean="0"/>
+              <a:t> </a:t>
+            </a:r>
+            <a:r>
+              <a:rPr lang="en-US" dirty="0" err="1" smtClean="0"/>
+              <a:t>su</a:t>
+            </a:r>
+            <a:r>
+              <a:rPr lang="en-US" dirty="0" smtClean="0"/>
+              <a:t> </a:t>
+            </a:r>
+            <a:r>
+              <a:rPr lang="en-US" dirty="0" err="1" smtClean="0"/>
+              <a:t>lugar</a:t>
+            </a:r>
+            <a:r>
+              <a:rPr lang="en-US" dirty="0" smtClean="0"/>
+              <a:t> en el </a:t>
+            </a:r>
+            <a:r>
+              <a:rPr lang="en-US" dirty="0" err="1" smtClean="0"/>
+              <a:t>conjunto</a:t>
             </a:r>
             <a:r>
               <a:rPr lang="en-US" dirty="0" smtClean="0"/>
               <a:t>. </a:t>
             </a:r>
-          </a:p>
-          <a:p>
-            <a:r>
-              <a:rPr lang="en-US" dirty="0" smtClean="0"/>
-              <a:t>Se le </a:t>
-            </a:r>
-            <a:r>
-              <a:rPr lang="en-US" dirty="0" err="1" smtClean="0"/>
-              <a:t>consulta</a:t>
-            </a:r>
-            <a:r>
-              <a:rPr lang="en-US" dirty="0" smtClean="0"/>
-              <a:t> al </a:t>
-            </a:r>
-            <a:r>
-              <a:rPr lang="en-US" dirty="0" err="1" smtClean="0"/>
-              <a:t>usuario</a:t>
-            </a:r>
-            <a:r>
-              <a:rPr lang="en-US" dirty="0" smtClean="0"/>
-              <a:t> </a:t>
-            </a:r>
-            <a:r>
-              <a:rPr lang="en-US" dirty="0" err="1" smtClean="0"/>
-              <a:t>si</a:t>
-            </a:r>
-            <a:r>
-              <a:rPr lang="en-US" dirty="0" smtClean="0"/>
-              <a:t> </a:t>
-            </a:r>
-            <a:r>
-              <a:rPr lang="en-US" dirty="0" err="1" smtClean="0"/>
-              <a:t>desea</a:t>
-            </a:r>
-            <a:r>
-              <a:rPr lang="en-US" dirty="0" smtClean="0"/>
-              <a:t> el </a:t>
-            </a:r>
-            <a:r>
-              <a:rPr lang="en-US" dirty="0" err="1" smtClean="0"/>
-              <a:t>área</a:t>
-            </a:r>
-            <a:r>
-              <a:rPr lang="en-US" dirty="0" smtClean="0"/>
-              <a:t> de un </a:t>
-            </a:r>
-            <a:r>
-              <a:rPr lang="en-US" dirty="0" err="1" smtClean="0"/>
-              <a:t>triángulo</a:t>
-            </a:r>
-            <a:r>
-              <a:rPr lang="en-US" dirty="0" smtClean="0"/>
-              <a:t> o un </a:t>
-            </a:r>
-            <a:r>
-              <a:rPr lang="en-US" dirty="0" err="1" smtClean="0"/>
-              <a:t>cuadrado</a:t>
+            <a:r>
+              <a:rPr lang="en-US" dirty="0" err="1" smtClean="0"/>
+              <a:t>Siempre</a:t>
+            </a:r>
+            <a:r>
+              <a:rPr lang="en-US" dirty="0" smtClean="0"/>
+              <a:t> los </a:t>
+            </a:r>
+            <a:r>
+              <a:rPr lang="en-US" dirty="0" err="1" smtClean="0"/>
+              <a:t>índices</a:t>
+            </a:r>
+            <a:r>
+              <a:rPr lang="en-US" dirty="0" smtClean="0"/>
+              <a:t> </a:t>
+            </a:r>
+            <a:r>
+              <a:rPr lang="en-US" dirty="0" err="1" smtClean="0"/>
+              <a:t>empiezan</a:t>
+            </a:r>
+            <a:r>
+              <a:rPr lang="en-US" dirty="0" smtClean="0"/>
+              <a:t> en cero.</a:t>
+            </a:r>
+          </a:p>
+          <a:p>
+            <a:r>
+              <a:rPr lang="en-US" dirty="0" smtClean="0"/>
+              <a:t>Los </a:t>
+            </a:r>
+            <a:r>
+              <a:rPr lang="en-US" dirty="0" err="1" smtClean="0"/>
+              <a:t>arreglos</a:t>
+            </a:r>
+            <a:r>
+              <a:rPr lang="en-US" dirty="0" smtClean="0"/>
+              <a:t> se </a:t>
+            </a:r>
+            <a:r>
+              <a:rPr lang="en-US" dirty="0" err="1" smtClean="0"/>
+              <a:t>distinguen</a:t>
+            </a:r>
+            <a:r>
+              <a:rPr lang="en-US" dirty="0" smtClean="0"/>
+              <a:t> </a:t>
+            </a:r>
+            <a:r>
+              <a:rPr lang="en-US" dirty="0" err="1" smtClean="0"/>
+              <a:t>por</a:t>
+            </a:r>
+            <a:r>
+              <a:rPr lang="en-US" dirty="0" smtClean="0"/>
+              <a:t> </a:t>
+            </a:r>
+            <a:r>
+              <a:rPr lang="en-US" dirty="0" err="1" smtClean="0"/>
+              <a:t>estar</a:t>
+            </a:r>
+            <a:r>
+              <a:rPr lang="en-US" dirty="0" smtClean="0"/>
+              <a:t> </a:t>
+            </a:r>
+            <a:r>
+              <a:rPr lang="en-US" dirty="0" err="1" smtClean="0"/>
+              <a:t>delimitados</a:t>
+            </a:r>
+            <a:r>
+              <a:rPr lang="en-US" dirty="0" smtClean="0"/>
+              <a:t> </a:t>
+            </a:r>
+            <a:r>
+              <a:rPr lang="en-US" dirty="0" err="1" smtClean="0"/>
+              <a:t>por</a:t>
+            </a:r>
+            <a:r>
+              <a:rPr lang="en-US" dirty="0" smtClean="0"/>
+              <a:t> </a:t>
+            </a:r>
+            <a:r>
+              <a:rPr lang="en-US" dirty="0" err="1" smtClean="0"/>
+              <a:t>paréntesis</a:t>
+            </a:r>
+            <a:r>
+              <a:rPr lang="en-US" dirty="0" smtClean="0"/>
+              <a:t> </a:t>
+            </a:r>
+            <a:r>
+              <a:rPr lang="en-US" dirty="0" err="1" smtClean="0"/>
+              <a:t>cuadrados</a:t>
+            </a:r>
+            <a:r>
+              <a:rPr lang="en-US" dirty="0"/>
+              <a:t> </a:t>
+            </a:r>
+            <a:r>
+              <a:rPr lang="en-US" dirty="0" smtClean="0"/>
+              <a:t>y los </a:t>
+            </a:r>
+            <a:r>
+              <a:rPr lang="en-US" dirty="0" err="1" smtClean="0"/>
+              <a:t>elementos</a:t>
+            </a:r>
+            <a:r>
+              <a:rPr lang="en-US" dirty="0" smtClean="0"/>
+              <a:t> se </a:t>
+            </a:r>
+            <a:r>
+              <a:rPr lang="en-US" dirty="0" err="1" smtClean="0"/>
+              <a:t>separan</a:t>
+            </a:r>
+            <a:r>
+              <a:rPr lang="en-US" dirty="0" smtClean="0"/>
+              <a:t> </a:t>
+            </a:r>
+            <a:r>
+              <a:rPr lang="en-US" dirty="0" err="1" smtClean="0"/>
+              <a:t>por</a:t>
+            </a:r>
+            <a:r>
+              <a:rPr lang="en-US" dirty="0" smtClean="0"/>
+              <a:t> comas.</a:t>
+            </a:r>
+          </a:p>
+          <a:p>
+            <a:r>
+              <a:rPr lang="en-US" dirty="0" smtClean="0"/>
+              <a:t>Los </a:t>
+            </a:r>
+            <a:r>
+              <a:rPr lang="en-US" dirty="0" err="1" smtClean="0"/>
+              <a:t>arreglos</a:t>
+            </a:r>
+            <a:r>
+              <a:rPr lang="en-US" dirty="0" smtClean="0"/>
+              <a:t> se </a:t>
+            </a:r>
+            <a:r>
+              <a:rPr lang="en-US" dirty="0" err="1" smtClean="0"/>
+              <a:t>usan</a:t>
+            </a:r>
+            <a:r>
+              <a:rPr lang="en-US" dirty="0" smtClean="0"/>
+              <a:t> mucho en </a:t>
+            </a:r>
+            <a:r>
+              <a:rPr lang="en-US" dirty="0" err="1" smtClean="0"/>
+              <a:t>programación</a:t>
+            </a:r>
+            <a:r>
+              <a:rPr lang="en-US" dirty="0" smtClean="0"/>
+              <a:t> </a:t>
+            </a:r>
+            <a:r>
+              <a:rPr lang="en-US" dirty="0" err="1" smtClean="0"/>
+              <a:t>para</a:t>
+            </a:r>
+            <a:r>
+              <a:rPr lang="en-US" dirty="0" smtClean="0"/>
+              <a:t> </a:t>
+            </a:r>
+            <a:r>
+              <a:rPr lang="en-US" dirty="0" err="1" smtClean="0"/>
+              <a:t>trabajar</a:t>
+            </a:r>
+            <a:r>
+              <a:rPr lang="en-US" dirty="0" smtClean="0"/>
+              <a:t> </a:t>
+            </a:r>
+            <a:r>
+              <a:rPr lang="en-US" dirty="0" err="1" smtClean="0"/>
+              <a:t>listas</a:t>
+            </a:r>
+            <a:r>
+              <a:rPr lang="en-US" dirty="0"/>
+              <a:t> </a:t>
+            </a:r>
+            <a:r>
+              <a:rPr lang="en-US" dirty="0" smtClean="0"/>
+              <a:t>y </a:t>
+            </a:r>
+            <a:r>
+              <a:rPr lang="en-US" dirty="0" err="1" smtClean="0"/>
+              <a:t>tener</a:t>
+            </a:r>
+            <a:r>
+              <a:rPr lang="en-US" dirty="0" smtClean="0"/>
+              <a:t> </a:t>
+            </a:r>
+            <a:r>
+              <a:rPr lang="en-US" dirty="0" err="1" smtClean="0"/>
+              <a:t>muchos</a:t>
+            </a:r>
+            <a:r>
+              <a:rPr lang="en-US" dirty="0" smtClean="0"/>
+              <a:t> </a:t>
+            </a:r>
+            <a:r>
+              <a:rPr lang="en-US" dirty="0" err="1" smtClean="0"/>
+              <a:t>elementos</a:t>
+            </a:r>
+            <a:r>
+              <a:rPr lang="en-US" dirty="0" smtClean="0"/>
+              <a:t> </a:t>
+            </a:r>
+            <a:r>
+              <a:rPr lang="en-US" dirty="0" err="1" smtClean="0"/>
+              <a:t>ordenados</a:t>
             </a:r>
             <a:r>
               <a:rPr lang="en-US" dirty="0" smtClean="0"/>
@@ -4174,360 +6346,29 @@
           </a:p>
           <a:p>
             <a:r>
-              <a:rPr lang="en-US" dirty="0" smtClean="0"/>
-              <a:t>Si el </a:t>
-            </a:r>
-            <a:r>
-              <a:rPr lang="en-US" dirty="0" err="1" smtClean="0"/>
-              <a:t>usuario</a:t>
-            </a:r>
-            <a:r>
-              <a:rPr lang="en-US" dirty="0" smtClean="0"/>
-              <a:t> </a:t>
-            </a:r>
-            <a:r>
-              <a:rPr lang="en-US" dirty="0" err="1" smtClean="0"/>
-              <a:t>escoge</a:t>
-            </a:r>
-            <a:r>
-              <a:rPr lang="en-US" dirty="0" smtClean="0"/>
-              <a:t> un </a:t>
-            </a:r>
-            <a:r>
-              <a:rPr lang="en-US" dirty="0" err="1" smtClean="0"/>
-              <a:t>triángulo</a:t>
-            </a:r>
-            <a:r>
-              <a:rPr lang="en-US" dirty="0" smtClean="0"/>
-              <a:t>, se le </a:t>
-            </a:r>
-            <a:r>
-              <a:rPr lang="en-US" dirty="0" err="1" smtClean="0"/>
-              <a:t>solicita</a:t>
-            </a:r>
-            <a:r>
-              <a:rPr lang="en-US" dirty="0" smtClean="0"/>
-              <a:t> </a:t>
-            </a:r>
-            <a:r>
-              <a:rPr lang="en-US" dirty="0" err="1" smtClean="0"/>
-              <a:t>que</a:t>
-            </a:r>
-            <a:r>
-              <a:rPr lang="en-US" dirty="0" smtClean="0"/>
-              <a:t> </a:t>
-            </a:r>
-            <a:r>
-              <a:rPr lang="en-US" dirty="0" err="1" smtClean="0"/>
-              <a:t>escriba</a:t>
-            </a:r>
-            <a:r>
-              <a:rPr lang="en-US" dirty="0" smtClean="0"/>
-              <a:t> el valor de la base y </a:t>
-            </a:r>
-            <a:r>
-              <a:rPr lang="en-US" dirty="0" err="1" smtClean="0"/>
-              <a:t>despues</a:t>
-            </a:r>
-            <a:r>
-              <a:rPr lang="en-US" dirty="0" smtClean="0"/>
-              <a:t> se le </a:t>
-            </a:r>
-            <a:r>
-              <a:rPr lang="en-US" dirty="0" err="1" smtClean="0"/>
-              <a:t>solicita</a:t>
-            </a:r>
-            <a:r>
-              <a:rPr lang="en-US" dirty="0" smtClean="0"/>
-              <a:t> </a:t>
-            </a:r>
-            <a:r>
-              <a:rPr lang="en-US" dirty="0" err="1" smtClean="0"/>
-              <a:t>que</a:t>
-            </a:r>
-            <a:r>
-              <a:rPr lang="en-US" dirty="0" smtClean="0"/>
-              <a:t> </a:t>
-            </a:r>
-            <a:r>
-              <a:rPr lang="en-US" dirty="0" err="1" smtClean="0"/>
-              <a:t>escriba</a:t>
-            </a:r>
-            <a:r>
-              <a:rPr lang="en-US" dirty="0" smtClean="0"/>
-              <a:t> el valor de la </a:t>
-            </a:r>
-            <a:r>
-              <a:rPr lang="en-US" dirty="0" err="1" smtClean="0"/>
-              <a:t>altura</a:t>
-            </a:r>
-            <a:r>
-              <a:rPr lang="en-US" dirty="0" smtClean="0"/>
-              <a:t>. </a:t>
-            </a:r>
-            <a:r>
-              <a:rPr lang="en-US" dirty="0" err="1" smtClean="0"/>
-              <a:t>Teniendo</a:t>
-            </a:r>
-            <a:r>
-              <a:rPr lang="en-US" dirty="0" smtClean="0"/>
-              <a:t> </a:t>
-            </a:r>
-            <a:r>
-              <a:rPr lang="en-US" dirty="0" err="1" smtClean="0"/>
-              <a:t>esos</a:t>
-            </a:r>
-            <a:r>
-              <a:rPr lang="en-US" dirty="0" smtClean="0"/>
-              <a:t> </a:t>
-            </a:r>
-            <a:r>
-              <a:rPr lang="en-US" dirty="0" err="1" smtClean="0"/>
-              <a:t>valores</a:t>
-            </a:r>
-            <a:r>
-              <a:rPr lang="en-US" dirty="0" smtClean="0"/>
-              <a:t> se </a:t>
-            </a:r>
-            <a:r>
-              <a:rPr lang="en-US" dirty="0" err="1" smtClean="0"/>
-              <a:t>calcula</a:t>
-            </a:r>
-            <a:r>
-              <a:rPr lang="en-US" dirty="0" smtClean="0"/>
-              <a:t> el </a:t>
-            </a:r>
-            <a:r>
-              <a:rPr lang="en-US" dirty="0" err="1" smtClean="0"/>
-              <a:t>área</a:t>
-            </a:r>
-            <a:r>
-              <a:rPr lang="en-US" dirty="0" smtClean="0"/>
-              <a:t> y se </a:t>
-            </a:r>
-            <a:r>
-              <a:rPr lang="en-US" dirty="0" err="1" smtClean="0"/>
-              <a:t>imprime</a:t>
-            </a:r>
-            <a:r>
-              <a:rPr lang="en-US" dirty="0" smtClean="0"/>
-              <a:t> el valor</a:t>
-            </a:r>
-          </a:p>
-          <a:p>
-            <a:r>
-              <a:rPr lang="en-US" dirty="0" smtClean="0"/>
-              <a:t>Si el </a:t>
-            </a:r>
-            <a:r>
-              <a:rPr lang="en-US" dirty="0" err="1" smtClean="0"/>
-              <a:t>usuario</a:t>
-            </a:r>
-            <a:r>
-              <a:rPr lang="en-US" dirty="0" smtClean="0"/>
-              <a:t> </a:t>
-            </a:r>
-            <a:r>
-              <a:rPr lang="en-US" dirty="0" err="1" smtClean="0"/>
-              <a:t>escoge</a:t>
-            </a:r>
-            <a:r>
-              <a:rPr lang="en-US" dirty="0" smtClean="0"/>
-              <a:t> el </a:t>
-            </a:r>
-            <a:r>
-              <a:rPr lang="en-US" dirty="0" err="1" smtClean="0"/>
-              <a:t>cuadrado</a:t>
-            </a:r>
-            <a:r>
-              <a:rPr lang="en-US" dirty="0" smtClean="0"/>
-              <a:t>, se le </a:t>
-            </a:r>
-            <a:r>
-              <a:rPr lang="en-US" dirty="0" err="1" smtClean="0"/>
-              <a:t>solicita</a:t>
-            </a:r>
-            <a:r>
-              <a:rPr lang="en-US" dirty="0" smtClean="0"/>
-              <a:t> </a:t>
-            </a:r>
-            <a:r>
-              <a:rPr lang="en-US" dirty="0" err="1" smtClean="0"/>
-              <a:t>que</a:t>
-            </a:r>
-            <a:r>
-              <a:rPr lang="en-US" dirty="0" smtClean="0"/>
-              <a:t> </a:t>
-            </a:r>
-            <a:r>
-              <a:rPr lang="en-US" dirty="0" err="1" smtClean="0"/>
-              <a:t>escriba</a:t>
-            </a:r>
-            <a:r>
-              <a:rPr lang="en-US" dirty="0" smtClean="0"/>
-              <a:t> el valor del </a:t>
-            </a:r>
-            <a:r>
-              <a:rPr lang="en-US" dirty="0" err="1" smtClean="0"/>
-              <a:t>lado</a:t>
-            </a:r>
-            <a:r>
-              <a:rPr lang="en-US" dirty="0" smtClean="0"/>
-              <a:t>. </a:t>
-            </a:r>
-            <a:r>
-              <a:rPr lang="en-US" dirty="0" err="1"/>
-              <a:t>Teniendo</a:t>
-            </a:r>
-            <a:r>
-              <a:rPr lang="en-US" dirty="0"/>
-              <a:t> </a:t>
-            </a:r>
-            <a:r>
-              <a:rPr lang="en-US" dirty="0" err="1"/>
-              <a:t>esos</a:t>
-            </a:r>
-            <a:r>
-              <a:rPr lang="en-US" dirty="0"/>
-              <a:t> </a:t>
-            </a:r>
-            <a:r>
-              <a:rPr lang="en-US" dirty="0" err="1"/>
-              <a:t>valores</a:t>
-            </a:r>
-            <a:r>
-              <a:rPr lang="en-US" dirty="0"/>
-              <a:t> se </a:t>
-            </a:r>
-            <a:r>
-              <a:rPr lang="en-US" dirty="0" err="1"/>
-              <a:t>calcula</a:t>
-            </a:r>
-            <a:r>
-              <a:rPr lang="en-US" dirty="0"/>
-              <a:t> el </a:t>
-            </a:r>
-            <a:r>
-              <a:rPr lang="en-US" dirty="0" err="1"/>
-              <a:t>área</a:t>
-            </a:r>
-            <a:r>
-              <a:rPr lang="en-US" dirty="0"/>
-              <a:t> y se </a:t>
-            </a:r>
-            <a:r>
-              <a:rPr lang="en-US" dirty="0" err="1"/>
-              <a:t>imprime</a:t>
-            </a:r>
-            <a:r>
-              <a:rPr lang="en-US" dirty="0"/>
-              <a:t> el valor</a:t>
-            </a:r>
-          </a:p>
-          <a:p>
-            <a:r>
-              <a:rPr lang="en-US" dirty="0" err="1" smtClean="0"/>
-              <a:t>Una</a:t>
-            </a:r>
-            <a:r>
-              <a:rPr lang="en-US" dirty="0" smtClean="0"/>
-              <a:t> </a:t>
-            </a:r>
-            <a:r>
-              <a:rPr lang="en-US" dirty="0" err="1" smtClean="0"/>
-              <a:t>vez</a:t>
-            </a:r>
-            <a:r>
-              <a:rPr lang="en-US" dirty="0" smtClean="0"/>
-              <a:t> </a:t>
-            </a:r>
-            <a:r>
-              <a:rPr lang="en-US" dirty="0" err="1" smtClean="0"/>
-              <a:t>que</a:t>
-            </a:r>
-            <a:r>
-              <a:rPr lang="en-US" dirty="0" smtClean="0"/>
-              <a:t> se </a:t>
-            </a:r>
-            <a:r>
-              <a:rPr lang="en-US" dirty="0" err="1" smtClean="0"/>
-              <a:t>imprima</a:t>
-            </a:r>
-            <a:r>
-              <a:rPr lang="en-US" dirty="0" smtClean="0"/>
-              <a:t> el valor, el </a:t>
-            </a:r>
-            <a:r>
-              <a:rPr lang="en-US" dirty="0" err="1" smtClean="0"/>
-              <a:t>usuario</a:t>
-            </a:r>
-            <a:r>
-              <a:rPr lang="en-US" dirty="0" smtClean="0"/>
-              <a:t> </a:t>
-            </a:r>
-            <a:r>
-              <a:rPr lang="en-US" dirty="0" err="1" smtClean="0"/>
-              <a:t>podrá</a:t>
-            </a:r>
-            <a:r>
-              <a:rPr lang="en-US" dirty="0" smtClean="0"/>
-              <a:t> </a:t>
-            </a:r>
-            <a:r>
-              <a:rPr lang="en-US" dirty="0" err="1" smtClean="0"/>
-              <a:t>escoger</a:t>
-            </a:r>
-            <a:r>
-              <a:rPr lang="en-US" dirty="0" smtClean="0"/>
-              <a:t> </a:t>
-            </a:r>
-            <a:r>
-              <a:rPr lang="en-US" dirty="0" err="1" smtClean="0"/>
-              <a:t>si</a:t>
-            </a:r>
-            <a:r>
-              <a:rPr lang="en-US" dirty="0" smtClean="0"/>
-              <a:t> </a:t>
-            </a:r>
-            <a:r>
-              <a:rPr lang="en-US" dirty="0" err="1" smtClean="0"/>
-              <a:t>termina</a:t>
-            </a:r>
-            <a:r>
-              <a:rPr lang="en-US" dirty="0" smtClean="0"/>
-              <a:t> el </a:t>
-            </a:r>
-            <a:r>
-              <a:rPr lang="en-US" dirty="0" err="1" smtClean="0"/>
-              <a:t>programa</a:t>
-            </a:r>
-            <a:r>
-              <a:rPr lang="en-US" dirty="0" smtClean="0"/>
-              <a:t> o </a:t>
-            </a:r>
-            <a:r>
-              <a:rPr lang="en-US" dirty="0" err="1" smtClean="0"/>
-              <a:t>calcula</a:t>
-            </a:r>
-            <a:r>
-              <a:rPr lang="en-US" dirty="0" smtClean="0"/>
-              <a:t> </a:t>
-            </a:r>
-            <a:r>
-              <a:rPr lang="en-US" dirty="0" err="1" smtClean="0"/>
-              <a:t>otra</a:t>
-            </a:r>
-            <a:r>
-              <a:rPr lang="en-US" dirty="0" smtClean="0"/>
-              <a:t> </a:t>
-            </a:r>
-            <a:r>
-              <a:rPr lang="en-US" dirty="0" err="1" smtClean="0"/>
-              <a:t>área</a:t>
-            </a:r>
-            <a:r>
-              <a:rPr lang="en-US" dirty="0" smtClean="0"/>
-              <a:t>.</a:t>
+              <a:rPr lang="en-US" dirty="0" err="1" smtClean="0"/>
+              <a:t>Ejemplo</a:t>
+            </a:r>
+            <a:r>
+              <a:rPr lang="en-US" dirty="0" smtClean="0"/>
+              <a:t> de </a:t>
+            </a:r>
+            <a:r>
+              <a:rPr lang="en-US" dirty="0" err="1" smtClean="0"/>
+              <a:t>arreglos</a:t>
+            </a:r>
+            <a:endParaRPr lang="en-US" dirty="0" smtClean="0"/>
+          </a:p>
+          <a:p>
+            <a:r>
+              <a:rPr lang="en-US" dirty="0" smtClean="0"/>
+              <a:t>[2, 5, 8, 12]</a:t>
+            </a:r>
+          </a:p>
+          <a:p>
+            <a:r>
+              <a:rPr lang="en-US" dirty="0" smtClean="0"/>
+              <a:t>[a, b, c, d]</a:t>
             </a:r>
             <a:endParaRPr lang="en-US" dirty="0"/>
           </a:p>
@@ -4536,7 +6377,7 @@
     </p:spTree>
     <p:extLst>
       <p:ext uri="{BB962C8B-B14F-4D97-AF65-F5344CB8AC3E}">
-        <p14:creationId xmlns:p14="http://schemas.microsoft.com/office/powerpoint/2010/main" val="4048646773"/>
+        <p14:creationId xmlns:p14="http://schemas.microsoft.com/office/powerpoint/2010/main" val="2990448692"/>
       </p:ext>
     </p:extLst>
   </p:cSld>
@@ -4575,16 +6416,38 @@
         </p:nvSpPr>
         <p:spPr/>
         <p:txBody>
-          <a:bodyPr/>
+          <a:bodyPr>
+            <a:normAutofit fontScale="90000"/>
+          </a:bodyPr>
           <a:lstStyle/>
           <a:p>
             <a:r>
               <a:rPr lang="en-US" dirty="0" err="1" smtClean="0"/>
-              <a:t>Ejercicio</a:t>
-            </a:r>
-            <a:r>
-              <a:rPr lang="en-US" dirty="0" smtClean="0"/>
-              <a:t> 3</a:t>
+              <a:t>Estructura</a:t>
+            </a:r>
+            <a:r>
+              <a:rPr lang="en-US" dirty="0" smtClean="0"/>
+              <a:t> de </a:t>
+            </a:r>
+            <a:r>
+              <a:rPr lang="en-US" dirty="0" err="1" smtClean="0"/>
+              <a:t>datos</a:t>
+            </a:r>
+            <a:r>
+              <a:rPr lang="en-US" dirty="0" smtClean="0"/>
+              <a:t> </a:t>
+            </a:r>
+            <a:r>
+              <a:rPr lang="en-US" dirty="0" err="1" smtClean="0"/>
+              <a:t>arreglo</a:t>
+            </a:r>
+            <a:r>
+              <a:rPr lang="en-US" dirty="0" smtClean="0"/>
+              <a:t> o </a:t>
+            </a:r>
+            <a:r>
+              <a:rPr lang="en-US" dirty="0" err="1" smtClean="0"/>
+              <a:t>conjunto</a:t>
             </a:r>
             <a:endParaRPr lang="en-US" dirty="0"/>
           </a:p>
@@ -4602,18 +6465,140 @@
         </p:nvSpPr>
         <p:spPr/>
         <p:txBody>
-          <a:bodyPr>
-            <a:normAutofit fontScale="92500"/>
-          </a:bodyPr>
+          <a:bodyPr/>
           <a:lstStyle/>
           <a:p>
             <a:r>
-              <a:rPr lang="en-US" dirty="0" smtClean="0"/>
-              <a:t>Se </a:t>
-            </a:r>
-            <a:r>
-              <a:rPr lang="en-US" dirty="0" err="1" smtClean="0"/>
-              <a:t>requiere</a:t>
+              <a:rPr lang="en-US" dirty="0" err="1" smtClean="0"/>
+              <a:t>Propiedades</a:t>
+            </a:r>
+            <a:r>
+              <a:rPr lang="en-US" dirty="0" smtClean="0"/>
+              <a:t> de los </a:t>
+            </a:r>
+            <a:r>
+              <a:rPr lang="en-US" dirty="0" err="1" smtClean="0"/>
+              <a:t>arreglos</a:t>
+            </a:r>
+            <a:endParaRPr lang="en-US" dirty="0" smtClean="0"/>
+          </a:p>
+          <a:p>
+            <a:pPr lvl="1"/>
+            <a:r>
+              <a:rPr lang="en-US" dirty="0" smtClean="0"/>
+              <a:t>Son </a:t>
+            </a:r>
+            <a:r>
+              <a:rPr lang="en-US" dirty="0" err="1" smtClean="0"/>
+              <a:t>ordenados</a:t>
+            </a:r>
+            <a:endParaRPr lang="en-US" dirty="0" smtClean="0"/>
+          </a:p>
+          <a:p>
+            <a:pPr lvl="1"/>
+            <a:r>
+              <a:rPr lang="en-US" dirty="0" err="1" smtClean="0"/>
+              <a:t>Pueden</a:t>
+            </a:r>
+            <a:r>
+              <a:rPr lang="en-US" dirty="0" smtClean="0"/>
+              <a:t> </a:t>
+            </a:r>
+            <a:r>
+              <a:rPr lang="en-US" dirty="0" err="1" smtClean="0"/>
+              <a:t>tener</a:t>
+            </a:r>
+            <a:r>
+              <a:rPr lang="en-US" dirty="0" smtClean="0"/>
+              <a:t> de 0 a </a:t>
+            </a:r>
+            <a:r>
+              <a:rPr lang="en-US" dirty="0" err="1" smtClean="0"/>
+              <a:t>infinitos</a:t>
+            </a:r>
+            <a:r>
+              <a:rPr lang="en-US" dirty="0" smtClean="0"/>
+              <a:t> </a:t>
+            </a:r>
+            <a:r>
+              <a:rPr lang="en-US" dirty="0" err="1" smtClean="0"/>
+              <a:t>elementos</a:t>
+            </a:r>
+            <a:endParaRPr lang="en-US" dirty="0" smtClean="0"/>
+          </a:p>
+          <a:p>
+            <a:pPr lvl="1"/>
+            <a:r>
+              <a:rPr lang="en-US" dirty="0" smtClean="0"/>
+              <a:t>La </a:t>
+            </a:r>
+            <a:r>
+              <a:rPr lang="en-US" dirty="0" err="1" smtClean="0"/>
+              <a:t>cantidad</a:t>
+            </a:r>
+            <a:r>
+              <a:rPr lang="en-US" dirty="0" smtClean="0"/>
+              <a:t> de </a:t>
+            </a:r>
+            <a:r>
+              <a:rPr lang="en-US" dirty="0" err="1" smtClean="0"/>
+              <a:t>elementos</a:t>
+            </a:r>
+            <a:r>
+              <a:rPr lang="en-US" dirty="0" smtClean="0"/>
+              <a:t> de un </a:t>
+            </a:r>
+            <a:r>
+              <a:rPr lang="en-US" dirty="0" err="1" smtClean="0"/>
+              <a:t>arreglo</a:t>
+            </a:r>
+            <a:r>
+              <a:rPr lang="en-US" dirty="0" smtClean="0"/>
+              <a:t> se llama largo y se </a:t>
+            </a:r>
+            <a:r>
+              <a:rPr lang="en-US" dirty="0" err="1" smtClean="0"/>
+              <a:t>escribe</a:t>
+            </a:r>
+            <a:r>
+              <a:rPr lang="en-US" dirty="0" smtClean="0"/>
+              <a:t> </a:t>
+            </a:r>
+            <a:r>
+              <a:rPr lang="en-US" dirty="0" err="1" smtClean="0"/>
+              <a:t>así</a:t>
+            </a:r>
+            <a:r>
+              <a:rPr lang="en-US" dirty="0" smtClean="0"/>
+              <a:t> </a:t>
+            </a:r>
+            <a:r>
+              <a:rPr lang="en-US" dirty="0" err="1" smtClean="0"/>
+              <a:t>arreglo.largo</a:t>
+            </a:r>
+            <a:endParaRPr lang="en-US" dirty="0" smtClean="0"/>
+          </a:p>
+          <a:p>
+            <a:pPr lvl="1"/>
+            <a:r>
+              <a:rPr lang="en-US" dirty="0" err="1" smtClean="0"/>
+              <a:t>Cada</a:t>
+            </a:r>
+            <a:r>
+              <a:rPr lang="en-US" dirty="0" smtClean="0"/>
+              <a:t> </a:t>
+            </a:r>
+            <a:r>
+              <a:rPr lang="en-US" dirty="0" err="1" smtClean="0"/>
+              <a:t>elemento</a:t>
+            </a:r>
+            <a:r>
+              <a:rPr lang="en-US" dirty="0" smtClean="0"/>
+              <a:t> </a:t>
+            </a:r>
+            <a:r>
+              <a:rPr lang="en-US" dirty="0" err="1" smtClean="0"/>
+              <a:t>tiene</a:t>
             </a:r>
             <a:r>
               <a:rPr lang="en-US" dirty="0" smtClean="0"/>
@@ -4621,7 +6606,15 @@
             </a:r>
             <a:r>
               <a:rPr lang="en-US" dirty="0" err="1" smtClean="0"/>
-              <a:t>programa</a:t>
+              <a:t>número</a:t>
+            </a:r>
+            <a:r>
+              <a:rPr lang="en-US" dirty="0" smtClean="0"/>
+              <a:t> de </a:t>
+            </a:r>
+            <a:r>
+              <a:rPr lang="en-US" dirty="0" err="1" smtClean="0"/>
+              <a:t>índice</a:t>
             </a:r>
             <a:r>
               <a:rPr lang="en-US" dirty="0" smtClean="0"/>
@@ -4637,23 +6630,45 @@
             </a:r>
             <a:r>
               <a:rPr lang="en-US" dirty="0" err="1" smtClean="0"/>
-              <a:t>permita</a:t>
-            </a:r>
-            <a:r>
-              <a:rPr lang="en-US" dirty="0" smtClean="0"/>
-              <a:t> </a:t>
-            </a:r>
-            <a:r>
-              <a:rPr lang="en-US" dirty="0" err="1" smtClean="0"/>
-              <a:t>identificar</a:t>
-            </a:r>
-            <a:r>
-              <a:rPr lang="en-US" dirty="0" smtClean="0"/>
-              <a:t> entre dos personas, </a:t>
-            </a:r>
-            <a:r>
-              <a:rPr lang="en-US" dirty="0" err="1" smtClean="0"/>
-              <a:t>cual</a:t>
+              <a:t>empieza</a:t>
+            </a:r>
+            <a:r>
+              <a:rPr lang="en-US" dirty="0" smtClean="0"/>
+              <a:t> en 0</a:t>
+            </a:r>
+          </a:p>
+          <a:p>
+            <a:pPr lvl="1"/>
+            <a:r>
+              <a:rPr lang="en-US" dirty="0" err="1" smtClean="0"/>
+              <a:t>Ejemplo</a:t>
+            </a:r>
+            <a:endParaRPr lang="en-US" dirty="0" smtClean="0"/>
+          </a:p>
+          <a:p>
+            <a:pPr lvl="1"/>
+            <a:r>
+              <a:rPr lang="en-US" dirty="0" smtClean="0"/>
+              <a:t>[a, b, c, d, e]</a:t>
+            </a:r>
+          </a:p>
+          <a:p>
+            <a:pPr lvl="1"/>
+            <a:r>
+              <a:rPr lang="en-US" dirty="0" smtClean="0"/>
+              <a:t>El largo de </a:t>
+            </a:r>
+            <a:r>
+              <a:rPr lang="en-US" dirty="0" err="1" smtClean="0"/>
+              <a:t>este</a:t>
+            </a:r>
+            <a:r>
+              <a:rPr lang="en-US" dirty="0" smtClean="0"/>
+              <a:t> </a:t>
+            </a:r>
+            <a:r>
+              <a:rPr lang="en-US" dirty="0" err="1" smtClean="0"/>
+              <a:t>arreglo</a:t>
             </a:r>
             <a:r>
               <a:rPr lang="en-US" dirty="0" smtClean="0"/>
@@ -4665,45 +6680,7 @@
             </a:r>
             <a:r>
               <a:rPr lang="en-US" dirty="0" smtClean="0"/>
-              <a:t> la mayor. </a:t>
-            </a:r>
-          </a:p>
-          <a:p>
-            <a:r>
-              <a:rPr lang="en-US" dirty="0" smtClean="0"/>
-              <a:t>Se le </a:t>
-            </a:r>
-            <a:r>
-              <a:rPr lang="en-US" dirty="0" err="1" smtClean="0"/>
-              <a:t>solicita</a:t>
-            </a:r>
-            <a:r>
-              <a:rPr lang="en-US" dirty="0" smtClean="0"/>
-              <a:t> al </a:t>
-            </a:r>
-            <a:r>
-              <a:rPr lang="en-US" dirty="0" err="1" smtClean="0"/>
-              <a:t>usuario</a:t>
-            </a:r>
-            <a:r>
-              <a:rPr lang="en-US" dirty="0" smtClean="0"/>
-              <a:t> </a:t>
-            </a:r>
-            <a:r>
-              <a:rPr lang="en-US" dirty="0" err="1" smtClean="0"/>
-              <a:t>escribir</a:t>
-            </a:r>
-            <a:r>
-              <a:rPr lang="en-US" dirty="0" smtClean="0"/>
-              <a:t> el </a:t>
-            </a:r>
-            <a:r>
-              <a:rPr lang="en-US" dirty="0" err="1" smtClean="0"/>
-              <a:t>nombre</a:t>
-            </a:r>
-            <a:r>
-              <a:rPr lang="en-US" dirty="0" smtClean="0"/>
-              <a:t> de la </a:t>
+              <a:t> 5, la </a:t>
             </a:r>
             <a:r>
               <a:rPr lang="en-US" dirty="0" err="1" smtClean="0"/>
@@ -4711,27 +6688,90 @@
             </a:r>
             <a:r>
               <a:rPr lang="en-US" dirty="0" smtClean="0"/>
-              <a:t> persona. </a:t>
-            </a:r>
-            <a:r>
-              <a:rPr lang="en-US" dirty="0" err="1" smtClean="0"/>
-              <a:t>Después</a:t>
-            </a:r>
-            <a:r>
-              <a:rPr lang="en-US" dirty="0" smtClean="0"/>
-              <a:t> se le </a:t>
-            </a:r>
-            <a:r>
-              <a:rPr lang="en-US" dirty="0" err="1" smtClean="0"/>
-              <a:t>solicita</a:t>
-            </a:r>
-            <a:r>
-              <a:rPr lang="en-US" dirty="0" smtClean="0"/>
-              <a:t> la </a:t>
-            </a:r>
-            <a:r>
-              <a:rPr lang="en-US" dirty="0" err="1" smtClean="0"/>
-              <a:t>edad</a:t>
+              <a:t> </a:t>
+            </a:r>
+            <a:r>
+              <a:rPr lang="en-US" dirty="0" err="1" smtClean="0"/>
+              <a:t>posición</a:t>
+            </a:r>
+            <a:r>
+              <a:rPr lang="en-US" dirty="0" smtClean="0"/>
+              <a:t> </a:t>
+            </a:r>
+            <a:r>
+              <a:rPr lang="en-US" dirty="0" err="1" smtClean="0"/>
+              <a:t>es</a:t>
+            </a:r>
+            <a:r>
+              <a:rPr lang="en-US" dirty="0" smtClean="0"/>
+              <a:t> 0 y la </a:t>
+            </a:r>
+            <a:r>
+              <a:rPr lang="en-US" dirty="0" err="1" smtClean="0"/>
+              <a:t>última</a:t>
+            </a:r>
+            <a:r>
+              <a:rPr lang="en-US" dirty="0" smtClean="0"/>
+              <a:t> </a:t>
+            </a:r>
+            <a:r>
+              <a:rPr lang="en-US" dirty="0" err="1" smtClean="0"/>
+              <a:t>es</a:t>
+            </a:r>
+            <a:r>
+              <a:rPr lang="en-US" dirty="0" smtClean="0"/>
+              <a:t> 4.</a:t>
+            </a:r>
+          </a:p>
+          <a:p>
+            <a:pPr lvl="1"/>
+            <a:r>
+              <a:rPr lang="en-US" dirty="0" smtClean="0"/>
+              <a:t>Para </a:t>
+            </a:r>
+            <a:r>
+              <a:rPr lang="en-US" dirty="0" err="1" smtClean="0"/>
+              <a:t>accesar</a:t>
+            </a:r>
+            <a:r>
+              <a:rPr lang="en-US" dirty="0" smtClean="0"/>
+              <a:t> el valor del </a:t>
+            </a:r>
+            <a:r>
+              <a:rPr lang="en-US" dirty="0" err="1" smtClean="0"/>
+              <a:t>arreglo</a:t>
+            </a:r>
+            <a:r>
+              <a:rPr lang="en-US" dirty="0" smtClean="0"/>
+              <a:t> en un </a:t>
+            </a:r>
+            <a:r>
+              <a:rPr lang="en-US" dirty="0" err="1" smtClean="0"/>
+              <a:t>índice</a:t>
+            </a:r>
+            <a:r>
+              <a:rPr lang="en-US" dirty="0" smtClean="0"/>
+              <a:t> particular </a:t>
+            </a:r>
+            <a:r>
+              <a:rPr lang="en-US" dirty="0" err="1" smtClean="0"/>
+              <a:t>usarmos</a:t>
+            </a:r>
+            <a:endParaRPr lang="en-US" dirty="0" smtClean="0"/>
+          </a:p>
+          <a:p>
+            <a:pPr lvl="1"/>
+            <a:r>
+              <a:rPr lang="en-US" dirty="0" err="1" smtClean="0"/>
+              <a:t>Arreglo</a:t>
+            </a:r>
+            <a:r>
+              <a:rPr lang="en-US" dirty="0" smtClean="0"/>
+              <a:t>[1] en el </a:t>
+            </a:r>
+            <a:r>
+              <a:rPr lang="en-US" dirty="0" err="1" smtClean="0"/>
+              <a:t>ejemplo</a:t>
             </a:r>
             <a:r>
               <a:rPr lang="en-US" dirty="0" smtClean="0"/>
@@ -4739,447 +6779,35 @@
             </a:r>
             <a:r>
               <a:rPr lang="en-US" dirty="0" err="1" smtClean="0"/>
-              <a:t>esa</a:t>
-            </a:r>
-            <a:r>
-              <a:rPr lang="en-US" dirty="0" smtClean="0"/>
-              <a:t> persona</a:t>
-            </a:r>
-          </a:p>
-          <a:p>
-            <a:r>
-              <a:rPr lang="en-US" dirty="0"/>
-              <a:t>Se le </a:t>
-            </a:r>
-            <a:r>
-              <a:rPr lang="en-US" dirty="0" err="1"/>
-              <a:t>solicita</a:t>
-            </a:r>
-            <a:r>
-              <a:rPr lang="en-US" dirty="0"/>
-              <a:t> al </a:t>
-            </a:r>
-            <a:r>
-              <a:rPr lang="en-US" dirty="0" err="1"/>
-              <a:t>usuario</a:t>
-            </a:r>
-            <a:r>
-              <a:rPr lang="en-US" dirty="0"/>
-              <a:t> </a:t>
-            </a:r>
-            <a:r>
-              <a:rPr lang="en-US" dirty="0" err="1"/>
-              <a:t>escribir</a:t>
-            </a:r>
-            <a:r>
-              <a:rPr lang="en-US" dirty="0"/>
-              <a:t> el </a:t>
-            </a:r>
-            <a:r>
-              <a:rPr lang="en-US" dirty="0" err="1"/>
-              <a:t>nombre</a:t>
-            </a:r>
-            <a:r>
-              <a:rPr lang="en-US" dirty="0"/>
-              <a:t> de la </a:t>
-            </a:r>
-            <a:r>
-              <a:rPr lang="en-US" dirty="0" err="1" smtClean="0"/>
-              <a:t>segunda</a:t>
-            </a:r>
-            <a:r>
-              <a:rPr lang="en-US" dirty="0" smtClean="0"/>
-              <a:t> persona</a:t>
-            </a:r>
-            <a:r>
-              <a:rPr lang="en-US" dirty="0"/>
-              <a:t>. </a:t>
-            </a:r>
-            <a:r>
-              <a:rPr lang="en-US" dirty="0" err="1"/>
-              <a:t>Después</a:t>
-            </a:r>
-            <a:r>
-              <a:rPr lang="en-US" dirty="0"/>
-              <a:t> se le </a:t>
-            </a:r>
-            <a:r>
-              <a:rPr lang="en-US" dirty="0" err="1"/>
-              <a:t>solicita</a:t>
-            </a:r>
-            <a:r>
-              <a:rPr lang="en-US" dirty="0"/>
-              <a:t> la </a:t>
-            </a:r>
-            <a:r>
-              <a:rPr lang="en-US" dirty="0" err="1"/>
-              <a:t>edad</a:t>
-            </a:r>
-            <a:r>
-              <a:rPr lang="en-US" dirty="0"/>
-              <a:t> de </a:t>
-            </a:r>
-            <a:r>
-              <a:rPr lang="en-US" dirty="0" err="1"/>
-              <a:t>esa</a:t>
-            </a:r>
-            <a:r>
-              <a:rPr lang="en-US" dirty="0"/>
-              <a:t> </a:t>
-            </a:r>
-            <a:r>
-              <a:rPr lang="en-US" dirty="0" smtClean="0"/>
-              <a:t>persona</a:t>
-            </a:r>
-          </a:p>
-          <a:p>
-            <a:r>
-              <a:rPr lang="en-US" dirty="0" err="1" smtClean="0"/>
-              <a:t>Una</a:t>
-            </a:r>
-            <a:r>
-              <a:rPr lang="en-US" dirty="0" smtClean="0"/>
-              <a:t> </a:t>
-            </a:r>
-            <a:r>
-              <a:rPr lang="en-US" dirty="0" err="1" smtClean="0"/>
-              <a:t>vez</a:t>
-            </a:r>
-            <a:r>
-              <a:rPr lang="en-US" dirty="0" smtClean="0"/>
-              <a:t> </a:t>
-            </a:r>
-            <a:r>
-              <a:rPr lang="en-US" dirty="0" err="1" smtClean="0"/>
-              <a:t>que</a:t>
-            </a:r>
-            <a:r>
-              <a:rPr lang="en-US" dirty="0" smtClean="0"/>
-              <a:t> se </a:t>
-            </a:r>
-            <a:r>
-              <a:rPr lang="en-US" dirty="0" err="1" smtClean="0"/>
-              <a:t>tiene</a:t>
-            </a:r>
-            <a:r>
-              <a:rPr lang="en-US" dirty="0" smtClean="0"/>
-              <a:t> </a:t>
-            </a:r>
-            <a:r>
-              <a:rPr lang="en-US" dirty="0" err="1" smtClean="0"/>
-              <a:t>esa</a:t>
-            </a:r>
-            <a:r>
-              <a:rPr lang="en-US" dirty="0" smtClean="0"/>
-              <a:t> </a:t>
-            </a:r>
-            <a:r>
-              <a:rPr lang="en-US" dirty="0" err="1" smtClean="0"/>
-              <a:t>información</a:t>
-            </a:r>
-            <a:r>
-              <a:rPr lang="en-US" dirty="0" smtClean="0"/>
-              <a:t>, se </a:t>
-            </a:r>
-            <a:r>
-              <a:rPr lang="en-US" dirty="0" err="1" smtClean="0"/>
-              <a:t>procede</a:t>
-            </a:r>
-            <a:r>
-              <a:rPr lang="en-US" dirty="0" smtClean="0"/>
-              <a:t> a </a:t>
-            </a:r>
-            <a:r>
-              <a:rPr lang="en-US" dirty="0" err="1" smtClean="0"/>
-              <a:t>calcular</a:t>
-            </a:r>
-            <a:r>
-              <a:rPr lang="en-US" dirty="0" smtClean="0"/>
-              <a:t> </a:t>
-            </a:r>
-            <a:r>
-              <a:rPr lang="en-US" dirty="0" err="1" smtClean="0"/>
-              <a:t>quien</a:t>
-            </a:r>
-            <a:r>
-              <a:rPr lang="en-US" dirty="0" smtClean="0"/>
-              <a:t> </a:t>
-            </a:r>
-            <a:r>
-              <a:rPr lang="en-US" dirty="0" err="1" smtClean="0"/>
-              <a:t>es</a:t>
-            </a:r>
-            <a:r>
-              <a:rPr lang="en-US" dirty="0" smtClean="0"/>
-              <a:t> mayor. Se </a:t>
-            </a:r>
-            <a:r>
-              <a:rPr lang="en-US" dirty="0" err="1" smtClean="0"/>
-              <a:t>imprime</a:t>
-            </a:r>
-            <a:r>
-              <a:rPr lang="en-US" dirty="0" smtClean="0"/>
-              <a:t> el </a:t>
-            </a:r>
-            <a:r>
-              <a:rPr lang="en-US" dirty="0" err="1" smtClean="0"/>
-              <a:t>nombre</a:t>
-            </a:r>
-            <a:r>
-              <a:rPr lang="en-US" dirty="0" smtClean="0"/>
-              <a:t> de la persona </a:t>
-            </a:r>
-            <a:r>
-              <a:rPr lang="en-US" dirty="0" err="1" smtClean="0"/>
-              <a:t>que</a:t>
-            </a:r>
-            <a:r>
-              <a:rPr lang="en-US" dirty="0" smtClean="0"/>
-              <a:t> </a:t>
-            </a:r>
-            <a:r>
-              <a:rPr lang="en-US" dirty="0" err="1" smtClean="0"/>
-              <a:t>es</a:t>
-            </a:r>
-            <a:r>
-              <a:rPr lang="en-US" dirty="0" smtClean="0"/>
-              <a:t> mayor.</a:t>
-            </a:r>
-          </a:p>
-          <a:p>
-            <a:r>
-              <a:rPr lang="en-US" dirty="0" smtClean="0"/>
-              <a:t>Para </a:t>
-            </a:r>
-            <a:r>
-              <a:rPr lang="en-US" dirty="0" err="1" smtClean="0"/>
-              <a:t>este</a:t>
-            </a:r>
-            <a:r>
-              <a:rPr lang="en-US" dirty="0" smtClean="0"/>
-              <a:t> </a:t>
-            </a:r>
-            <a:r>
-              <a:rPr lang="en-US" dirty="0" err="1" smtClean="0"/>
-              <a:t>programa</a:t>
-            </a:r>
-            <a:r>
-              <a:rPr lang="en-US" dirty="0" smtClean="0"/>
-              <a:t> </a:t>
-            </a:r>
-            <a:r>
-              <a:rPr lang="en-US" dirty="0" err="1" smtClean="0"/>
-              <a:t>vamos</a:t>
-            </a:r>
-            <a:r>
-              <a:rPr lang="en-US" dirty="0" smtClean="0"/>
-              <a:t> a </a:t>
-            </a:r>
-            <a:r>
-              <a:rPr lang="en-US" dirty="0" err="1" smtClean="0"/>
-              <a:t>usar</a:t>
-            </a:r>
-            <a:r>
-              <a:rPr lang="en-US" dirty="0" smtClean="0"/>
-              <a:t> </a:t>
-            </a:r>
-            <a:r>
-              <a:rPr lang="en-US" dirty="0" err="1" smtClean="0"/>
-              <a:t>arreglos</a:t>
-            </a:r>
-            <a:r>
-              <a:rPr lang="en-US" dirty="0" smtClean="0"/>
-              <a:t> </a:t>
-            </a:r>
-            <a:r>
-              <a:rPr lang="en-US" dirty="0" err="1" smtClean="0"/>
-              <a:t>para</a:t>
-            </a:r>
-            <a:r>
-              <a:rPr lang="en-US" dirty="0" smtClean="0"/>
-              <a:t> </a:t>
-            </a:r>
-            <a:r>
-              <a:rPr lang="en-US" dirty="0" err="1" smtClean="0"/>
-              <a:t>cada</a:t>
-            </a:r>
-            <a:r>
-              <a:rPr lang="en-US" dirty="0" smtClean="0"/>
-              <a:t> persona, </a:t>
-            </a:r>
-            <a:r>
-              <a:rPr lang="en-US" dirty="0" err="1" smtClean="0"/>
-              <a:t>donde</a:t>
-            </a:r>
-            <a:r>
-              <a:rPr lang="en-US" dirty="0" smtClean="0"/>
-              <a:t> la </a:t>
-            </a:r>
-            <a:r>
-              <a:rPr lang="en-US" dirty="0" err="1" smtClean="0"/>
-              <a:t>primera</a:t>
-            </a:r>
-            <a:r>
-              <a:rPr lang="en-US" dirty="0" smtClean="0"/>
-              <a:t> </a:t>
-            </a:r>
-            <a:r>
-              <a:rPr lang="en-US" dirty="0" err="1" smtClean="0"/>
-              <a:t>posicion</a:t>
-            </a:r>
-            <a:r>
-              <a:rPr lang="en-US" dirty="0" smtClean="0"/>
-              <a:t> </a:t>
-            </a:r>
-            <a:r>
-              <a:rPr lang="en-US" dirty="0" err="1" smtClean="0"/>
-              <a:t>es</a:t>
-            </a:r>
-            <a:r>
-              <a:rPr lang="en-US" dirty="0" smtClean="0"/>
-              <a:t> el </a:t>
-            </a:r>
-            <a:r>
-              <a:rPr lang="en-US" dirty="0" err="1" smtClean="0"/>
-              <a:t>nombre</a:t>
-            </a:r>
-            <a:r>
-              <a:rPr lang="en-US" dirty="0" smtClean="0"/>
-              <a:t> y la </a:t>
-            </a:r>
-            <a:r>
-              <a:rPr lang="en-US" dirty="0" err="1" smtClean="0"/>
-              <a:t>segunda</a:t>
-            </a:r>
-            <a:r>
-              <a:rPr lang="en-US" dirty="0" smtClean="0"/>
-              <a:t> la </a:t>
-            </a:r>
-            <a:r>
-              <a:rPr lang="en-US" dirty="0" err="1" smtClean="0"/>
-              <a:t>edad</a:t>
-            </a:r>
-            <a:r>
-              <a:rPr lang="en-US" dirty="0" smtClean="0"/>
-              <a:t>.</a:t>
-            </a:r>
-          </a:p>
-          <a:p>
-            <a:r>
-              <a:rPr lang="en-US" dirty="0" err="1"/>
-              <a:t>Una</a:t>
-            </a:r>
-            <a:r>
-              <a:rPr lang="en-US" dirty="0"/>
-              <a:t> </a:t>
-            </a:r>
-            <a:r>
-              <a:rPr lang="en-US" dirty="0" err="1"/>
-              <a:t>vez</a:t>
-            </a:r>
-            <a:r>
-              <a:rPr lang="en-US" dirty="0"/>
-              <a:t> </a:t>
-            </a:r>
-            <a:r>
-              <a:rPr lang="en-US" dirty="0" err="1"/>
-              <a:t>que</a:t>
-            </a:r>
-            <a:r>
-              <a:rPr lang="en-US" dirty="0"/>
-              <a:t> se </a:t>
-            </a:r>
-            <a:r>
-              <a:rPr lang="en-US" dirty="0" err="1"/>
-              <a:t>imprima</a:t>
-            </a:r>
-            <a:r>
-              <a:rPr lang="en-US" dirty="0"/>
-              <a:t> el valor, el </a:t>
-            </a:r>
-            <a:r>
-              <a:rPr lang="en-US" dirty="0" err="1"/>
-              <a:t>usuario</a:t>
-            </a:r>
-            <a:r>
-              <a:rPr lang="en-US" dirty="0"/>
-              <a:t> </a:t>
-            </a:r>
-            <a:r>
-              <a:rPr lang="en-US" dirty="0" err="1"/>
-              <a:t>podrá</a:t>
-            </a:r>
-            <a:r>
-              <a:rPr lang="en-US" dirty="0"/>
-              <a:t> </a:t>
-            </a:r>
-            <a:r>
-              <a:rPr lang="en-US" dirty="0" err="1"/>
-              <a:t>escoger</a:t>
-            </a:r>
-            <a:r>
-              <a:rPr lang="en-US" dirty="0"/>
-              <a:t> </a:t>
-            </a:r>
-            <a:r>
-              <a:rPr lang="en-US" dirty="0" err="1"/>
-              <a:t>si</a:t>
-            </a:r>
-            <a:r>
-              <a:rPr lang="en-US" dirty="0"/>
-              <a:t> </a:t>
-            </a:r>
-            <a:r>
-              <a:rPr lang="en-US" dirty="0" err="1"/>
-              <a:t>termina</a:t>
-            </a:r>
-            <a:r>
-              <a:rPr lang="en-US" dirty="0"/>
-              <a:t> el </a:t>
-            </a:r>
-            <a:r>
-              <a:rPr lang="en-US" dirty="0" err="1"/>
-              <a:t>programa</a:t>
-            </a:r>
-            <a:r>
-              <a:rPr lang="en-US" dirty="0"/>
-              <a:t> o </a:t>
-            </a:r>
-            <a:r>
-              <a:rPr lang="en-US" dirty="0" err="1" smtClean="0"/>
-              <a:t>empieza</a:t>
-            </a:r>
-            <a:r>
-              <a:rPr lang="en-US" dirty="0" smtClean="0"/>
-              <a:t> </a:t>
-            </a:r>
-            <a:r>
-              <a:rPr lang="en-US" dirty="0" err="1" smtClean="0"/>
-              <a:t>otra</a:t>
-            </a:r>
-            <a:r>
-              <a:rPr lang="en-US" dirty="0" smtClean="0"/>
-              <a:t> </a:t>
-            </a:r>
-            <a:r>
-              <a:rPr lang="en-US" dirty="0" err="1" smtClean="0"/>
-              <a:t>vez</a:t>
-            </a:r>
-            <a:r>
-              <a:rPr lang="en-US" dirty="0" smtClean="0"/>
-              <a:t>.</a:t>
-            </a:r>
-            <a:endParaRPr lang="en-US" dirty="0"/>
-          </a:p>
-          <a:p>
-            <a:endParaRPr lang="en-US" dirty="0"/>
+              <a:t>arriba</a:t>
+            </a:r>
+            <a:r>
+              <a:rPr lang="en-US" dirty="0" smtClean="0"/>
+              <a:t> </a:t>
+            </a:r>
+            <a:r>
+              <a:rPr lang="en-US" dirty="0" err="1" smtClean="0"/>
+              <a:t>eso</a:t>
+            </a:r>
+            <a:r>
+              <a:rPr lang="en-US" dirty="0" smtClean="0"/>
+              <a:t> </a:t>
+            </a:r>
+            <a:r>
+              <a:rPr lang="en-US" dirty="0" err="1" smtClean="0"/>
+              <a:t>sería</a:t>
+            </a:r>
+            <a:r>
+              <a:rPr lang="en-US" dirty="0" smtClean="0"/>
+              <a:t> b</a:t>
+            </a:r>
           </a:p>
         </p:txBody>
       </p:sp>
     </p:spTree>
     <p:extLst>
       <p:ext uri="{BB962C8B-B14F-4D97-AF65-F5344CB8AC3E}">
-        <p14:creationId xmlns:p14="http://schemas.microsoft.com/office/powerpoint/2010/main" val="2381204813"/>
+        <p14:creationId xmlns:p14="http://schemas.microsoft.com/office/powerpoint/2010/main" val="1107287060"/>
       </p:ext>
     </p:extLst>
   </p:cSld>
@@ -5218,16 +6846,38 @@
         </p:nvSpPr>
         <p:spPr/>
         <p:txBody>
-          <a:bodyPr/>
+          <a:bodyPr>
+            <a:normAutofit fontScale="90000"/>
+          </a:bodyPr>
           <a:lstStyle/>
           <a:p>
             <a:r>
-              <a:rPr lang="en-US" dirty="0" err="1" smtClean="0"/>
-              <a:t>Ejercicio</a:t>
-            </a:r>
-            <a:r>
-              <a:rPr lang="en-US" dirty="0" smtClean="0"/>
-              <a:t> 4</a:t>
+              <a:rPr lang="en-US" dirty="0" err="1"/>
+              <a:t>Estructura</a:t>
+            </a:r>
+            <a:r>
+              <a:rPr lang="en-US" dirty="0"/>
+              <a:t> de </a:t>
+            </a:r>
+            <a:r>
+              <a:rPr lang="en-US" dirty="0" err="1"/>
+              <a:t>datos</a:t>
+            </a:r>
+            <a:r>
+              <a:rPr lang="en-US" dirty="0"/>
+              <a:t> </a:t>
+            </a:r>
+            <a:r>
+              <a:rPr lang="en-US" dirty="0" err="1"/>
+              <a:t>arreglo</a:t>
+            </a:r>
+            <a:r>
+              <a:rPr lang="en-US" dirty="0"/>
+              <a:t> o </a:t>
+            </a:r>
+            <a:r>
+              <a:rPr lang="en-US" dirty="0" err="1"/>
+              <a:t>conjunto</a:t>
             </a:r>
             <a:endParaRPr lang="en-US" dirty="0"/>
           </a:p>
@@ -5250,47 +6900,95 @@
           <a:p>
             <a:r>
               <a:rPr lang="en-US" dirty="0" smtClean="0"/>
-              <a:t>Se </a:t>
-            </a:r>
-            <a:r>
-              <a:rPr lang="en-US" dirty="0" err="1" smtClean="0"/>
-              <a:t>requiere</a:t>
-            </a:r>
-            <a:r>
-              <a:rPr lang="en-US" dirty="0" smtClean="0"/>
-              <a:t> un </a:t>
-            </a:r>
-            <a:r>
-              <a:rPr lang="en-US" dirty="0" err="1" smtClean="0"/>
-              <a:t>programa</a:t>
-            </a:r>
-            <a:r>
-              <a:rPr lang="en-US" dirty="0" smtClean="0"/>
-              <a:t> </a:t>
-            </a:r>
-            <a:r>
-              <a:rPr lang="en-US" dirty="0" err="1" smtClean="0"/>
-              <a:t>que</a:t>
-            </a:r>
-            <a:r>
-              <a:rPr lang="en-US" dirty="0" smtClean="0"/>
-              <a:t> </a:t>
-            </a:r>
-            <a:r>
-              <a:rPr lang="en-US" dirty="0" err="1" smtClean="0"/>
-              <a:t>calcule</a:t>
-            </a:r>
-            <a:r>
-              <a:rPr lang="en-US" dirty="0" smtClean="0"/>
-              <a:t> el </a:t>
-            </a:r>
-            <a:r>
-              <a:rPr lang="en-US" dirty="0" err="1" smtClean="0"/>
-              <a:t>promedio</a:t>
-            </a:r>
-            <a:r>
-              <a:rPr lang="en-US" dirty="0" smtClean="0"/>
-              <a:t> de un </a:t>
+              <a:t>Para </a:t>
+            </a:r>
+            <a:r>
+              <a:rPr lang="en-US" dirty="0" err="1" smtClean="0"/>
+              <a:t>agregar</a:t>
+            </a:r>
+            <a:r>
+              <a:rPr lang="en-US" dirty="0" smtClean="0"/>
+              <a:t> </a:t>
+            </a:r>
+            <a:r>
+              <a:rPr lang="en-US" dirty="0" err="1" smtClean="0"/>
+              <a:t>elementos</a:t>
+            </a:r>
+            <a:r>
+              <a:rPr lang="en-US" dirty="0" smtClean="0"/>
+              <a:t> a un </a:t>
+            </a:r>
+            <a:r>
+              <a:rPr lang="en-US" dirty="0" err="1" smtClean="0"/>
+              <a:t>arreglo</a:t>
+            </a:r>
+            <a:r>
+              <a:rPr lang="en-US" dirty="0" smtClean="0"/>
+              <a:t> </a:t>
+            </a:r>
+            <a:r>
+              <a:rPr lang="en-US" dirty="0" err="1" smtClean="0"/>
+              <a:t>usamos</a:t>
+            </a:r>
+            <a:r>
+              <a:rPr lang="en-US" dirty="0" smtClean="0"/>
+              <a:t> la </a:t>
+            </a:r>
+            <a:r>
+              <a:rPr lang="en-US" dirty="0" err="1" smtClean="0"/>
+              <a:t>instrucción</a:t>
+            </a:r>
+            <a:r>
+              <a:rPr lang="en-US" dirty="0" smtClean="0"/>
+              <a:t> </a:t>
+            </a:r>
+            <a:r>
+              <a:rPr lang="en-US" dirty="0" err="1" smtClean="0"/>
+              <a:t>arreglo.agregar</a:t>
+            </a:r>
+            <a:r>
+              <a:rPr lang="en-US" dirty="0" smtClean="0"/>
+              <a:t>()</a:t>
+            </a:r>
+          </a:p>
+          <a:p>
+            <a:r>
+              <a:rPr lang="en-US" dirty="0" err="1" smtClean="0"/>
+              <a:t>Ejemplo</a:t>
+            </a:r>
+            <a:r>
+              <a:rPr lang="en-US" dirty="0" smtClean="0"/>
+              <a:t>:</a:t>
+            </a:r>
+          </a:p>
+          <a:p>
+            <a:r>
+              <a:rPr lang="en-US" dirty="0" err="1" smtClean="0"/>
+              <a:t>Conjunto</a:t>
+            </a:r>
+            <a:r>
+              <a:rPr lang="en-US" dirty="0" smtClean="0"/>
+              <a:t> = [a, b, c, d]</a:t>
+            </a:r>
+          </a:p>
+          <a:p>
+            <a:r>
+              <a:rPr lang="en-US" dirty="0" err="1" smtClean="0"/>
+              <a:t>Conjunto.agregar</a:t>
+            </a:r>
+            <a:r>
+              <a:rPr lang="en-US" dirty="0" smtClean="0"/>
+              <a:t>(e);</a:t>
+            </a:r>
+          </a:p>
+          <a:p>
+            <a:r>
+              <a:rPr lang="en-US" dirty="0" err="1" smtClean="0"/>
+              <a:t>Ahora</a:t>
+            </a:r>
+            <a:r>
+              <a:rPr lang="en-US" dirty="0" smtClean="0"/>
+              <a:t> </a:t>
             </a:r>
             <a:r>
               <a:rPr lang="en-US" dirty="0" err="1" smtClean="0"/>
@@ -5298,46 +6996,6 @@
             </a:r>
             <a:r>
               <a:rPr lang="en-US" dirty="0" smtClean="0"/>
-              <a:t> de </a:t>
-            </a:r>
-            <a:r>
-              <a:rPr lang="en-US" dirty="0" err="1" smtClean="0"/>
-              <a:t>números</a:t>
-            </a:r>
-            <a:r>
-              <a:rPr lang="en-US" dirty="0" smtClean="0"/>
-              <a:t> y </a:t>
-            </a:r>
-            <a:r>
-              <a:rPr lang="en-US" dirty="0" err="1" smtClean="0"/>
-              <a:t>después</a:t>
-            </a:r>
-            <a:r>
-              <a:rPr lang="en-US" dirty="0" smtClean="0"/>
-              <a:t> </a:t>
-            </a:r>
-            <a:r>
-              <a:rPr lang="en-US" dirty="0" err="1" smtClean="0"/>
-              <a:t>imprima</a:t>
-            </a:r>
-            <a:r>
-              <a:rPr lang="en-US" dirty="0" smtClean="0"/>
-              <a:t> </a:t>
-            </a:r>
-            <a:r>
-              <a:rPr lang="en-US" dirty="0" err="1" smtClean="0"/>
-              <a:t>cuál</a:t>
-            </a:r>
-            <a:r>
-              <a:rPr lang="en-US" dirty="0" smtClean="0"/>
-              <a:t> de los </a:t>
-            </a:r>
-            <a:r>
-              <a:rPr lang="en-US" dirty="0" err="1" smtClean="0"/>
-              <a:t>números</a:t>
-            </a:r>
-            <a:r>
-              <a:rPr lang="en-US" dirty="0" smtClean="0"/>
               <a:t> </a:t>
             </a:r>
             <a:r>
@@ -5346,65 +7004,13 @@
             </a:r>
             <a:r>
               <a:rPr lang="en-US" dirty="0" smtClean="0"/>
-              <a:t> </a:t>
-            </a:r>
-            <a:r>
-              <a:rPr lang="en-US" dirty="0" err="1" smtClean="0"/>
-              <a:t>más</a:t>
-            </a:r>
-            <a:r>
-              <a:rPr lang="en-US" dirty="0" smtClean="0"/>
-              <a:t> </a:t>
-            </a:r>
-            <a:r>
-              <a:rPr lang="en-US" dirty="0" err="1" smtClean="0"/>
-              <a:t>cercano</a:t>
-            </a:r>
-            <a:r>
-              <a:rPr lang="en-US" dirty="0" smtClean="0"/>
-              <a:t> al </a:t>
-            </a:r>
-            <a:r>
-              <a:rPr lang="en-US" dirty="0" err="1" smtClean="0"/>
-              <a:t>promedio</a:t>
-            </a:r>
-            <a:r>
-              <a:rPr lang="en-US" dirty="0" smtClean="0"/>
-              <a:t>.</a:t>
-            </a:r>
-          </a:p>
-          <a:p>
-            <a:r>
-              <a:rPr lang="en-US" dirty="0" smtClean="0"/>
-              <a:t>Se le </a:t>
-            </a:r>
-            <a:r>
-              <a:rPr lang="en-US" dirty="0" err="1" smtClean="0"/>
-              <a:t>debe</a:t>
-            </a:r>
-            <a:r>
-              <a:rPr lang="en-US" dirty="0" smtClean="0"/>
-              <a:t> </a:t>
-            </a:r>
-            <a:r>
-              <a:rPr lang="en-US" dirty="0" err="1" smtClean="0"/>
-              <a:t>solicitar</a:t>
-            </a:r>
-            <a:r>
-              <a:rPr lang="en-US" dirty="0" smtClean="0"/>
-              <a:t> al </a:t>
-            </a:r>
-            <a:r>
-              <a:rPr lang="en-US" dirty="0" err="1" smtClean="0"/>
-              <a:t>usuario</a:t>
-            </a:r>
-            <a:r>
-              <a:rPr lang="en-US" dirty="0" smtClean="0"/>
-              <a:t> </a:t>
-            </a:r>
-            <a:r>
-              <a:rPr lang="en-US" dirty="0" err="1" smtClean="0"/>
-              <a:t>escribir</a:t>
+              <a:t> [a, b, c, d, e]</a:t>
+            </a:r>
+          </a:p>
+          <a:p>
+            <a:r>
+              <a:rPr lang="en-US" dirty="0" err="1" smtClean="0"/>
+              <a:t>Siempre</a:t>
             </a:r>
             <a:r>
               <a:rPr lang="en-US" dirty="0" smtClean="0"/>
@@ -5412,182 +7018,20 @@
             </a:r>
             <a:r>
               <a:rPr lang="en-US" dirty="0" err="1" smtClean="0"/>
-              <a:t>números</a:t>
-            </a:r>
-            <a:r>
-              <a:rPr lang="en-US" dirty="0" smtClean="0"/>
-              <a:t> de </a:t>
-            </a:r>
-            <a:r>
-              <a:rPr lang="en-US" dirty="0" err="1" smtClean="0"/>
-              <a:t>uno</a:t>
-            </a:r>
-            <a:r>
-              <a:rPr lang="en-US" dirty="0" smtClean="0"/>
-              <a:t> en </a:t>
-            </a:r>
-            <a:r>
-              <a:rPr lang="en-US" dirty="0" err="1" smtClean="0"/>
-              <a:t>uno</a:t>
-            </a:r>
-            <a:r>
-              <a:rPr lang="en-US" dirty="0" smtClean="0"/>
-              <a:t>. </a:t>
-            </a:r>
-          </a:p>
-          <a:p>
-            <a:r>
-              <a:rPr lang="en-US" dirty="0" err="1" smtClean="0"/>
-              <a:t>Recuerde</a:t>
-            </a:r>
-            <a:r>
-              <a:rPr lang="en-US" dirty="0" smtClean="0"/>
-              <a:t> la </a:t>
-            </a:r>
-            <a:r>
-              <a:rPr lang="en-US" dirty="0" err="1" smtClean="0"/>
-              <a:t>utilización</a:t>
-            </a:r>
-            <a:r>
-              <a:rPr lang="en-US" dirty="0" smtClean="0"/>
-              <a:t> de </a:t>
-            </a:r>
-            <a:r>
-              <a:rPr lang="en-US" dirty="0" err="1" smtClean="0"/>
-              <a:t>arreglos</a:t>
-            </a:r>
-            <a:r>
-              <a:rPr lang="en-US" dirty="0" smtClean="0"/>
-              <a:t> y el </a:t>
-            </a:r>
-            <a:r>
-              <a:rPr lang="en-US" dirty="0" err="1" smtClean="0"/>
-              <a:t>ciclo</a:t>
-            </a:r>
-            <a:r>
-              <a:rPr lang="en-US" dirty="0" smtClean="0"/>
-              <a:t> for.</a:t>
-            </a:r>
-          </a:p>
-          <a:p>
-            <a:r>
-              <a:rPr lang="en-US" dirty="0" err="1"/>
-              <a:t>Una</a:t>
-            </a:r>
-            <a:r>
-              <a:rPr lang="en-US" dirty="0"/>
-              <a:t> </a:t>
-            </a:r>
-            <a:r>
-              <a:rPr lang="en-US" dirty="0" err="1"/>
-              <a:t>vez</a:t>
-            </a:r>
-            <a:r>
-              <a:rPr lang="en-US" dirty="0"/>
-              <a:t> </a:t>
-            </a:r>
-            <a:r>
-              <a:rPr lang="en-US" dirty="0" err="1"/>
-              <a:t>que</a:t>
-            </a:r>
-            <a:r>
-              <a:rPr lang="en-US" dirty="0"/>
+              <a:t>elementos</a:t>
+            </a:r>
+            <a:r>
+              <a:rPr lang="en-US" dirty="0" smtClean="0"/>
               <a:t> se </a:t>
             </a:r>
             <a:r>
-              <a:rPr lang="en-US" dirty="0" err="1"/>
-              <a:t>imprima</a:t>
-            </a:r>
-            <a:r>
-              <a:rPr lang="en-US" dirty="0"/>
-              <a:t> el </a:t>
-            </a:r>
-            <a:r>
-              <a:rPr lang="en-US" dirty="0" err="1" smtClean="0"/>
-              <a:t>número</a:t>
-            </a:r>
-            <a:r>
-              <a:rPr lang="en-US" dirty="0" smtClean="0"/>
-              <a:t>, </a:t>
-            </a:r>
-            <a:r>
-              <a:rPr lang="en-US" dirty="0"/>
-              <a:t>el </a:t>
-            </a:r>
-            <a:r>
-              <a:rPr lang="en-US" dirty="0" err="1"/>
-              <a:t>usuario</a:t>
-            </a:r>
-            <a:r>
-              <a:rPr lang="en-US" dirty="0"/>
-              <a:t> </a:t>
-            </a:r>
-            <a:r>
-              <a:rPr lang="en-US" dirty="0" err="1"/>
-              <a:t>podrá</a:t>
-            </a:r>
-            <a:r>
-              <a:rPr lang="en-US" dirty="0"/>
-              <a:t> </a:t>
-            </a:r>
-            <a:r>
-              <a:rPr lang="en-US" dirty="0" err="1"/>
-              <a:t>escoger</a:t>
-            </a:r>
-            <a:r>
-              <a:rPr lang="en-US" dirty="0"/>
-              <a:t> </a:t>
-            </a:r>
-            <a:r>
-              <a:rPr lang="en-US" dirty="0" err="1"/>
-              <a:t>si</a:t>
-            </a:r>
-            <a:r>
-              <a:rPr lang="en-US" dirty="0"/>
-              <a:t> </a:t>
-            </a:r>
-            <a:r>
-              <a:rPr lang="en-US" dirty="0" err="1"/>
-              <a:t>termina</a:t>
-            </a:r>
-            <a:r>
-              <a:rPr lang="en-US" dirty="0"/>
-              <a:t> el </a:t>
-            </a:r>
-            <a:r>
-              <a:rPr lang="en-US" dirty="0" err="1"/>
-              <a:t>programa</a:t>
-            </a:r>
-            <a:r>
-              <a:rPr lang="en-US" dirty="0"/>
-              <a:t> o </a:t>
-            </a:r>
-            <a:r>
-              <a:rPr lang="en-US" dirty="0" err="1"/>
-              <a:t>empieza</a:t>
-            </a:r>
-            <a:r>
-              <a:rPr lang="en-US" dirty="0"/>
-              <a:t> </a:t>
-            </a:r>
-            <a:r>
-              <a:rPr lang="en-US" dirty="0" err="1"/>
-              <a:t>otra</a:t>
-            </a:r>
-            <a:r>
-              <a:rPr lang="en-US" dirty="0"/>
-              <a:t> </a:t>
-            </a:r>
-            <a:r>
-              <a:rPr lang="en-US" dirty="0" err="1"/>
-              <a:t>vez</a:t>
-            </a:r>
-            <a:r>
-              <a:rPr lang="en-US" dirty="0"/>
-              <a:t>.</a:t>
-            </a:r>
-          </a:p>
-          <a:p>
+              <a:rPr lang="en-US" dirty="0" err="1" smtClean="0"/>
+              <a:t>agregan</a:t>
+            </a:r>
+            <a:r>
+              <a:rPr lang="en-US" dirty="0" smtClean="0"/>
+              <a:t> al final</a:t>
+            </a:r>
             <a:endParaRPr lang="en-US" dirty="0"/>
           </a:p>
         </p:txBody>
@@ -5595,7 +7039,7 @@
     </p:spTree>
     <p:extLst>
       <p:ext uri="{BB962C8B-B14F-4D97-AF65-F5344CB8AC3E}">
-        <p14:creationId xmlns:p14="http://schemas.microsoft.com/office/powerpoint/2010/main" val="2757490017"/>
+        <p14:creationId xmlns:p14="http://schemas.microsoft.com/office/powerpoint/2010/main" val="3319545207"/>
       </p:ext>
     </p:extLst>
   </p:cSld>
@@ -5634,16 +7078,38 @@
         </p:nvSpPr>
         <p:spPr/>
         <p:txBody>
-          <a:bodyPr/>
+          <a:bodyPr>
+            <a:normAutofit fontScale="90000"/>
+          </a:bodyPr>
           <a:lstStyle/>
           <a:p>
             <a:r>
               <a:rPr lang="en-US" dirty="0" err="1" smtClean="0"/>
-              <a:t>Ejercicio</a:t>
-            </a:r>
-            <a:r>
-              <a:rPr lang="en-US" dirty="0" smtClean="0"/>
-              <a:t> 5</a:t>
+              <a:t>Estructura</a:t>
+            </a:r>
+            <a:r>
+              <a:rPr lang="en-US" dirty="0" smtClean="0"/>
+              <a:t> de </a:t>
+            </a:r>
+            <a:r>
+              <a:rPr lang="en-US" dirty="0" err="1" smtClean="0"/>
+              <a:t>datos</a:t>
+            </a:r>
+            <a:r>
+              <a:rPr lang="en-US" dirty="0" smtClean="0"/>
+              <a:t> </a:t>
+            </a:r>
+            <a:r>
+              <a:rPr lang="en-US" dirty="0" err="1" smtClean="0"/>
+              <a:t>arreglo</a:t>
+            </a:r>
+            <a:r>
+              <a:rPr lang="en-US" dirty="0" smtClean="0"/>
+              <a:t> o </a:t>
+            </a:r>
+            <a:r>
+              <a:rPr lang="en-US" dirty="0" err="1" smtClean="0"/>
+              <a:t>conjunto</a:t>
             </a:r>
             <a:endParaRPr lang="en-US" dirty="0"/>
           </a:p>
@@ -5661,191 +7127,226 @@
         </p:nvSpPr>
         <p:spPr/>
         <p:txBody>
-          <a:bodyPr/>
+          <a:bodyPr>
+            <a:normAutofit lnSpcReduction="10000"/>
+          </a:bodyPr>
           <a:lstStyle/>
           <a:p>
             <a:r>
-              <a:rPr lang="en-US" dirty="0" smtClean="0"/>
-              <a:t>Se </a:t>
-            </a:r>
-            <a:r>
-              <a:rPr lang="en-US" dirty="0" err="1" smtClean="0"/>
-              <a:t>requiere</a:t>
-            </a:r>
-            <a:r>
-              <a:rPr lang="en-US" dirty="0" smtClean="0"/>
-              <a:t> un </a:t>
-            </a:r>
-            <a:r>
-              <a:rPr lang="en-US" dirty="0" err="1" smtClean="0"/>
-              <a:t>programa</a:t>
-            </a:r>
-            <a:r>
-              <a:rPr lang="en-US" dirty="0" smtClean="0"/>
-              <a:t> </a:t>
-            </a:r>
-            <a:r>
-              <a:rPr lang="en-US" dirty="0" err="1" smtClean="0"/>
-              <a:t>que</a:t>
-            </a:r>
-            <a:r>
-              <a:rPr lang="en-US" dirty="0" smtClean="0"/>
-              <a:t> </a:t>
-            </a:r>
-            <a:r>
-              <a:rPr lang="en-US" dirty="0" err="1" smtClean="0"/>
-              <a:t>ordene</a:t>
-            </a:r>
-            <a:r>
-              <a:rPr lang="en-US" dirty="0" smtClean="0"/>
+              <a:rPr lang="en-US" dirty="0"/>
+              <a:t>Los </a:t>
+            </a:r>
+            <a:r>
+              <a:rPr lang="en-US" dirty="0" err="1"/>
+              <a:t>arreglos</a:t>
+            </a:r>
+            <a:r>
+              <a:rPr lang="en-US" dirty="0"/>
+              <a:t> se </a:t>
+            </a:r>
+            <a:r>
+              <a:rPr lang="en-US" dirty="0" err="1"/>
+              <a:t>usan</a:t>
+            </a:r>
+            <a:r>
+              <a:rPr lang="en-US" dirty="0"/>
+              <a:t> mucho con </a:t>
+            </a:r>
+            <a:r>
+              <a:rPr lang="en-US" dirty="0" err="1"/>
+              <a:t>ciclos</a:t>
+            </a:r>
+            <a:r>
+              <a:rPr lang="en-US" dirty="0"/>
+              <a:t> for </a:t>
+            </a:r>
+            <a:r>
+              <a:rPr lang="en-US" dirty="0" err="1"/>
+              <a:t>para</a:t>
+            </a:r>
+            <a:r>
+              <a:rPr lang="en-US" dirty="0"/>
+              <a:t> </a:t>
+            </a:r>
+            <a:r>
+              <a:rPr lang="en-US" dirty="0" err="1"/>
+              <a:t>recorrer</a:t>
+            </a:r>
+            <a:r>
+              <a:rPr lang="en-US" dirty="0"/>
+              <a:t> </a:t>
+            </a:r>
+            <a:r>
+              <a:rPr lang="en-US" dirty="0" err="1"/>
+              <a:t>todos</a:t>
+            </a:r>
+            <a:r>
+              <a:rPr lang="en-US" dirty="0"/>
               <a:t> los </a:t>
             </a:r>
             <a:r>
-              <a:rPr lang="en-US" dirty="0" err="1" smtClean="0"/>
-              <a:t>numeros</a:t>
-            </a:r>
-            <a:r>
-              <a:rPr lang="en-US" dirty="0" smtClean="0"/>
-              <a:t> de un </a:t>
-            </a:r>
-            <a:r>
-              <a:rPr lang="en-US" dirty="0" err="1" smtClean="0"/>
+              <a:rPr lang="en-US" dirty="0" err="1"/>
+              <a:t>elementos</a:t>
+            </a:r>
+            <a:r>
+              <a:rPr lang="en-US" dirty="0"/>
+              <a:t> del </a:t>
+            </a:r>
+            <a:r>
+              <a:rPr lang="en-US" dirty="0" err="1"/>
+              <a:t>arreglo</a:t>
+            </a:r>
+            <a:r>
+              <a:rPr lang="en-US" dirty="0"/>
+              <a:t>. </a:t>
+            </a:r>
+            <a:endParaRPr lang="en-US" dirty="0" smtClean="0"/>
+          </a:p>
+          <a:p>
+            <a:r>
+              <a:rPr lang="en-US" dirty="0" err="1" smtClean="0"/>
+              <a:t>Veamos</a:t>
+            </a:r>
+            <a:r>
+              <a:rPr lang="en-US" dirty="0" smtClean="0"/>
+              <a:t> </a:t>
+            </a:r>
+            <a:r>
+              <a:rPr lang="en-US" dirty="0"/>
+              <a:t>un </a:t>
+            </a:r>
+            <a:r>
+              <a:rPr lang="en-US" dirty="0" err="1"/>
+              <a:t>ejemplo</a:t>
+            </a:r>
+            <a:r>
+              <a:rPr lang="en-US" dirty="0"/>
+              <a:t> de </a:t>
+            </a:r>
+            <a:r>
+              <a:rPr lang="en-US" dirty="0" err="1"/>
+              <a:t>como</a:t>
+            </a:r>
+            <a:r>
+              <a:rPr lang="en-US" dirty="0"/>
+              <a:t> </a:t>
+            </a:r>
+            <a:r>
+              <a:rPr lang="en-US" dirty="0" err="1"/>
+              <a:t>hacerlo</a:t>
+            </a:r>
+            <a:endParaRPr lang="en-US" dirty="0"/>
+          </a:p>
+          <a:p>
+            <a:r>
+              <a:rPr lang="en-US" dirty="0" err="1"/>
+              <a:t>Programa</a:t>
+            </a:r>
+            <a:r>
+              <a:rPr lang="en-US" dirty="0"/>
+              <a:t> </a:t>
+            </a:r>
+            <a:r>
+              <a:rPr lang="en-US" dirty="0" err="1"/>
+              <a:t>para</a:t>
+            </a:r>
+            <a:r>
+              <a:rPr lang="en-US" dirty="0"/>
+              <a:t> saber </a:t>
+            </a:r>
+            <a:r>
+              <a:rPr lang="en-US" dirty="0" err="1"/>
+              <a:t>cuales</a:t>
+            </a:r>
+            <a:r>
+              <a:rPr lang="en-US" dirty="0"/>
+              <a:t> </a:t>
+            </a:r>
+            <a:r>
+              <a:rPr lang="en-US" dirty="0" err="1"/>
+              <a:t>números</a:t>
+            </a:r>
+            <a:r>
+              <a:rPr lang="en-US" dirty="0"/>
+              <a:t> en un </a:t>
+            </a:r>
+            <a:r>
+              <a:rPr lang="en-US" dirty="0" err="1"/>
               <a:t>conjunto</a:t>
             </a:r>
             <a:r>
-              <a:rPr lang="en-US" dirty="0" smtClean="0"/>
-              <a:t> en forma </a:t>
-            </a:r>
-            <a:r>
-              <a:rPr lang="en-US" dirty="0" err="1" smtClean="0"/>
-              <a:t>ascendente</a:t>
-            </a:r>
-            <a:r>
-              <a:rPr lang="en-US" dirty="0" smtClean="0"/>
-              <a:t>. Se le </a:t>
-            </a:r>
-            <a:r>
-              <a:rPr lang="en-US" dirty="0" err="1" smtClean="0"/>
-              <a:t>solicita</a:t>
-            </a:r>
-            <a:r>
-              <a:rPr lang="en-US" dirty="0" smtClean="0"/>
-              <a:t> al </a:t>
-            </a:r>
-            <a:r>
-              <a:rPr lang="en-US" dirty="0" err="1" smtClean="0"/>
-              <a:t>usuario</a:t>
-            </a:r>
-            <a:r>
-              <a:rPr lang="en-US" dirty="0" smtClean="0"/>
-              <a:t> </a:t>
-            </a:r>
-            <a:r>
-              <a:rPr lang="en-US" dirty="0" err="1" smtClean="0"/>
-              <a:t>escribir</a:t>
-            </a:r>
-            <a:r>
-              <a:rPr lang="en-US" dirty="0" smtClean="0"/>
-              <a:t> la </a:t>
-            </a:r>
-            <a:r>
-              <a:rPr lang="en-US" dirty="0" err="1" smtClean="0"/>
-              <a:t>cantidad</a:t>
-            </a:r>
-            <a:r>
-              <a:rPr lang="en-US" dirty="0" smtClean="0"/>
-              <a:t> de </a:t>
-            </a:r>
-            <a:r>
-              <a:rPr lang="en-US" dirty="0" err="1" smtClean="0"/>
-              <a:t>números</a:t>
-            </a:r>
-            <a:r>
-              <a:rPr lang="en-US" dirty="0" smtClean="0"/>
-              <a:t> del </a:t>
+              <a:rPr lang="en-US" dirty="0"/>
+              <a:t> son pares</a:t>
+            </a:r>
+          </a:p>
+          <a:p>
+            <a:r>
+              <a:rPr lang="en-US" dirty="0" err="1"/>
+              <a:t>Inicio</a:t>
+            </a:r>
+            <a:endParaRPr lang="en-US" dirty="0"/>
+          </a:p>
+          <a:p>
+            <a:r>
+              <a:rPr lang="en-US" dirty="0" err="1"/>
+              <a:t>Conjunto</a:t>
+            </a:r>
+            <a:r>
+              <a:rPr lang="en-US" dirty="0"/>
+              <a:t> = [2,5,7,8,10]</a:t>
+            </a:r>
+          </a:p>
+          <a:p>
+            <a:r>
+              <a:rPr lang="en-US" dirty="0" err="1"/>
+              <a:t>Ciclo</a:t>
+            </a:r>
+            <a:r>
+              <a:rPr lang="en-US" dirty="0"/>
+              <a:t> for(i del 0 al </a:t>
+            </a:r>
+            <a:r>
+              <a:rPr lang="en-US" dirty="0" smtClean="0"/>
+              <a:t>conjunto.largo-1 </a:t>
+            </a:r>
+            <a:r>
+              <a:rPr lang="en-US" dirty="0" err="1" smtClean="0"/>
+              <a:t>incrementa</a:t>
+            </a:r>
+            <a:r>
+              <a:rPr lang="en-US" dirty="0" smtClean="0"/>
+              <a:t> en 1)</a:t>
+            </a:r>
+          </a:p>
+          <a:p>
+            <a:pPr lvl="1"/>
+            <a:r>
+              <a:rPr lang="en-US" dirty="0" smtClean="0"/>
+              <a:t>Si </a:t>
             </a:r>
             <a:r>
               <a:rPr lang="en-US" dirty="0" err="1" smtClean="0"/>
               <a:t>conjunto</a:t>
             </a:r>
             <a:r>
-              <a:rPr lang="en-US" dirty="0"/>
-              <a:t> </a:t>
-            </a:r>
-            <a:r>
-              <a:rPr lang="en-US" dirty="0" smtClean="0"/>
-              <a:t>y </a:t>
-            </a:r>
-            <a:r>
-              <a:rPr lang="en-US" dirty="0" err="1" smtClean="0"/>
-              <a:t>después</a:t>
-            </a:r>
-            <a:r>
-              <a:rPr lang="en-US" dirty="0" smtClean="0"/>
-              <a:t> </a:t>
-            </a:r>
-            <a:r>
-              <a:rPr lang="en-US" dirty="0" err="1" smtClean="0"/>
-              <a:t>que</a:t>
-            </a:r>
-            <a:r>
-              <a:rPr lang="en-US" dirty="0" smtClean="0"/>
-              <a:t> </a:t>
-            </a:r>
-            <a:r>
-              <a:rPr lang="en-US" dirty="0" err="1" smtClean="0"/>
-              <a:t>escriba</a:t>
-            </a:r>
-            <a:r>
-              <a:rPr lang="en-US" dirty="0" smtClean="0"/>
-              <a:t> los </a:t>
-            </a:r>
-            <a:r>
-              <a:rPr lang="en-US" dirty="0" err="1" smtClean="0"/>
-              <a:t>números</a:t>
-            </a:r>
-            <a:r>
-              <a:rPr lang="en-US" dirty="0" smtClean="0"/>
-              <a:t> </a:t>
-            </a:r>
-            <a:r>
-              <a:rPr lang="en-US" dirty="0" err="1" smtClean="0"/>
-              <a:t>uno</a:t>
-            </a:r>
-            <a:r>
-              <a:rPr lang="en-US" dirty="0" smtClean="0"/>
-              <a:t> a </a:t>
-            </a:r>
-            <a:r>
-              <a:rPr lang="en-US" dirty="0" err="1" smtClean="0"/>
-              <a:t>uno</a:t>
+              <a:rPr lang="en-US" dirty="0" smtClean="0"/>
+              <a:t>[i] % 2 = 0 </a:t>
+            </a:r>
+            <a:r>
+              <a:rPr lang="en-US" dirty="0" err="1" smtClean="0"/>
+              <a:t>entonces</a:t>
             </a:r>
             <a:endParaRPr lang="en-US" dirty="0" smtClean="0"/>
           </a:p>
           <a:p>
-            <a:r>
-              <a:rPr lang="en-US" dirty="0" err="1" smtClean="0"/>
-              <a:t>Una</a:t>
-            </a:r>
-            <a:r>
-              <a:rPr lang="en-US" dirty="0" smtClean="0"/>
-              <a:t> </a:t>
-            </a:r>
-            <a:r>
-              <a:rPr lang="en-US" dirty="0" err="1" smtClean="0"/>
-              <a:t>vez</a:t>
-            </a:r>
-            <a:r>
-              <a:rPr lang="en-US" dirty="0" smtClean="0"/>
-              <a:t> </a:t>
-            </a:r>
-            <a:r>
-              <a:rPr lang="en-US" dirty="0" err="1" smtClean="0"/>
-              <a:t>que</a:t>
-            </a:r>
-            <a:r>
-              <a:rPr lang="en-US" dirty="0" smtClean="0"/>
-              <a:t> el </a:t>
+            <a:pPr lvl="2"/>
+            <a:r>
+              <a:rPr lang="en-US" dirty="0" err="1" smtClean="0"/>
+              <a:t>Imprimir</a:t>
+            </a:r>
+            <a:r>
+              <a:rPr lang="en-US" dirty="0" smtClean="0"/>
+              <a:t>(</a:t>
             </a:r>
             <a:r>
               <a:rPr lang="en-US" dirty="0" err="1" smtClean="0"/>
@@ -5853,99 +7354,55 @@
             </a:r>
             <a:r>
               <a:rPr lang="en-US" dirty="0" smtClean="0"/>
-              <a:t> </a:t>
-            </a:r>
-            <a:r>
-              <a:rPr lang="en-US" dirty="0" err="1" smtClean="0"/>
-              <a:t>esté</a:t>
-            </a:r>
-            <a:r>
-              <a:rPr lang="en-US" dirty="0" smtClean="0"/>
-              <a:t> </a:t>
-            </a:r>
-            <a:r>
-              <a:rPr lang="en-US" dirty="0" err="1" smtClean="0"/>
-              <a:t>creado</a:t>
-            </a:r>
-            <a:r>
-              <a:rPr lang="en-US" dirty="0" smtClean="0"/>
-              <a:t>, se le </a:t>
-            </a:r>
-            <a:r>
-              <a:rPr lang="en-US" dirty="0" err="1" smtClean="0"/>
-              <a:t>ordenará</a:t>
-            </a:r>
-            <a:r>
-              <a:rPr lang="en-US" dirty="0" smtClean="0"/>
-              <a:t> de forma </a:t>
-            </a:r>
-            <a:r>
-              <a:rPr lang="en-US" dirty="0" err="1" smtClean="0"/>
-              <a:t>ascendente</a:t>
-            </a:r>
-            <a:r>
-              <a:rPr lang="en-US" dirty="0" smtClean="0"/>
-              <a:t> y se </a:t>
-            </a:r>
-            <a:r>
-              <a:rPr lang="en-US" dirty="0" err="1" smtClean="0"/>
-              <a:t>imprimirá</a:t>
-            </a:r>
-            <a:r>
-              <a:rPr lang="en-US" dirty="0" smtClean="0"/>
-              <a:t> el </a:t>
-            </a:r>
-            <a:r>
-              <a:rPr lang="en-US" dirty="0" err="1" smtClean="0"/>
-              <a:t>resultado</a:t>
-            </a:r>
-            <a:endParaRPr lang="en-US" dirty="0" smtClean="0"/>
-          </a:p>
-          <a:p>
-            <a:r>
-              <a:rPr lang="en-US" dirty="0" smtClean="0"/>
-              <a:t>Este </a:t>
-            </a:r>
-            <a:r>
-              <a:rPr lang="en-US" dirty="0" err="1" smtClean="0"/>
-              <a:t>programa</a:t>
-            </a:r>
-            <a:r>
-              <a:rPr lang="en-US" dirty="0" smtClean="0"/>
-              <a:t> se </a:t>
-            </a:r>
-            <a:r>
-              <a:rPr lang="en-US" dirty="0" err="1" smtClean="0"/>
-              <a:t>ejecutará</a:t>
-            </a:r>
-            <a:r>
-              <a:rPr lang="en-US" dirty="0" smtClean="0"/>
-              <a:t> solo </a:t>
-            </a:r>
-            <a:r>
-              <a:rPr lang="en-US" dirty="0" err="1" smtClean="0"/>
-              <a:t>una</a:t>
-            </a:r>
-            <a:r>
-              <a:rPr lang="en-US" dirty="0" smtClean="0"/>
-              <a:t> </a:t>
-            </a:r>
-            <a:r>
-              <a:rPr lang="en-US" dirty="0" err="1" smtClean="0"/>
-              <a:t>vez</a:t>
-            </a:r>
-            <a:r>
-              <a:rPr lang="en-US" dirty="0" smtClean="0"/>
-              <a:t>.</a:t>
+              <a:t>[i] </a:t>
+            </a:r>
+            <a:r>
+              <a:rPr lang="en-US" dirty="0" err="1" smtClean="0"/>
+              <a:t>es</a:t>
+            </a:r>
+            <a:r>
+              <a:rPr lang="en-US" dirty="0" smtClean="0"/>
+              <a:t> par)</a:t>
+            </a:r>
+          </a:p>
+          <a:p>
+            <a:pPr lvl="1"/>
+            <a:r>
+              <a:rPr lang="en-US" dirty="0" smtClean="0"/>
+              <a:t>Fin </a:t>
+            </a:r>
+            <a:r>
+              <a:rPr lang="en-US" dirty="0" err="1" smtClean="0"/>
+              <a:t>si</a:t>
             </a:r>
             <a:endParaRPr lang="en-US" dirty="0"/>
+          </a:p>
+          <a:p>
+            <a:r>
+              <a:rPr lang="en-US" dirty="0" smtClean="0"/>
+              <a:t> fin </a:t>
+            </a:r>
+            <a:r>
+              <a:rPr lang="en-US" dirty="0" err="1" smtClean="0"/>
+              <a:t>ciclo</a:t>
+            </a:r>
+            <a:r>
+              <a:rPr lang="en-US" dirty="0" smtClean="0"/>
+              <a:t> for</a:t>
+            </a:r>
+          </a:p>
+          <a:p>
+            <a:r>
+              <a:rPr lang="en-US" dirty="0" smtClean="0"/>
+              <a:t>fin</a:t>
+            </a:r>
           </a:p>
         </p:txBody>
       </p:sp>
     </p:spTree>
     <p:extLst>
       <p:ext uri="{BB962C8B-B14F-4D97-AF65-F5344CB8AC3E}">
-        <p14:creationId xmlns:p14="http://schemas.microsoft.com/office/powerpoint/2010/main" val="3720373071"/>
+        <p14:creationId xmlns:p14="http://schemas.microsoft.com/office/powerpoint/2010/main" val="3887161853"/>
       </p:ext>
     </p:extLst>
   </p:cSld>
@@ -5989,11 +7446,19 @@
           <a:p>
             <a:r>
               <a:rPr lang="en-US" dirty="0" err="1" smtClean="0"/>
-              <a:t>Ejercicio</a:t>
-            </a:r>
-            <a:r>
-              <a:rPr lang="en-US" dirty="0" smtClean="0"/>
-              <a:t> 6</a:t>
+              <a:t>Ejemplo</a:t>
+            </a:r>
+            <a:r>
+              <a:rPr lang="en-US" dirty="0" smtClean="0"/>
+              <a:t> </a:t>
+            </a:r>
+            <a:r>
+              <a:rPr lang="en-US" dirty="0" err="1" smtClean="0"/>
+              <a:t>arreglos</a:t>
+            </a:r>
+            <a:r>
+              <a:rPr lang="en-US" dirty="0" smtClean="0"/>
+              <a:t>	</a:t>
             </a:r>
             <a:endParaRPr lang="en-US" dirty="0"/>
           </a:p>
@@ -6011,18 +7476,30 @@
         </p:nvSpPr>
         <p:spPr/>
         <p:txBody>
-          <a:bodyPr numCol="2">
-            <a:normAutofit/>
+          <a:bodyPr>
+            <a:normAutofit fontScale="92500" lnSpcReduction="20000"/>
           </a:bodyPr>
           <a:lstStyle/>
           <a:p>
             <a:r>
-              <a:rPr lang="en-US" dirty="0" smtClean="0"/>
-              <a:t>Se </a:t>
-            </a:r>
-            <a:r>
-              <a:rPr lang="en-US" dirty="0" err="1" smtClean="0"/>
-              <a:t>requiere</a:t>
+              <a:rPr lang="en-US" dirty="0" err="1" smtClean="0"/>
+              <a:t>Programa</a:t>
+            </a:r>
+            <a:r>
+              <a:rPr lang="en-US" dirty="0" smtClean="0"/>
+              <a:t> </a:t>
+            </a:r>
+            <a:r>
+              <a:rPr lang="en-US" dirty="0" err="1" smtClean="0"/>
+              <a:t>para</a:t>
+            </a:r>
+            <a:r>
+              <a:rPr lang="en-US" dirty="0" smtClean="0"/>
+              <a:t> </a:t>
+            </a:r>
+            <a:r>
+              <a:rPr lang="en-US" dirty="0" err="1" smtClean="0"/>
+              <a:t>imprimir</a:t>
             </a:r>
             <a:r>
               <a:rPr lang="en-US" dirty="0" smtClean="0"/>
@@ -6030,23 +7507,69 @@
             </a:r>
             <a:r>
               <a:rPr lang="en-US" dirty="0" err="1" smtClean="0"/>
-              <a:t>programa</a:t>
-            </a:r>
-            <a:r>
-              <a:rPr lang="en-US" dirty="0" smtClean="0"/>
-              <a:t> </a:t>
-            </a:r>
-            <a:r>
-              <a:rPr lang="en-US" dirty="0" err="1" smtClean="0"/>
-              <a:t>que</a:t>
-            </a:r>
-            <a:r>
-              <a:rPr lang="en-US" dirty="0" smtClean="0"/>
-              <a:t> </a:t>
-            </a:r>
-            <a:r>
-              <a:rPr lang="en-US" dirty="0" err="1" smtClean="0"/>
-              <a:t>desencripte</a:t>
+              <a:t>arreglo</a:t>
+            </a:r>
+            <a:r>
+              <a:rPr lang="en-US" dirty="0" smtClean="0"/>
+              <a:t> de </a:t>
+            </a:r>
+            <a:r>
+              <a:rPr lang="en-US" dirty="0" err="1" smtClean="0"/>
+              <a:t>números</a:t>
+            </a:r>
+            <a:r>
+              <a:rPr lang="en-US" dirty="0" smtClean="0"/>
+              <a:t> </a:t>
+            </a:r>
+            <a:r>
+              <a:rPr lang="en-US" dirty="0" err="1" smtClean="0"/>
+              <a:t>creado</a:t>
+            </a:r>
+            <a:r>
+              <a:rPr lang="en-US" dirty="0" smtClean="0"/>
+              <a:t> </a:t>
+            </a:r>
+            <a:r>
+              <a:rPr lang="en-US" dirty="0" err="1" smtClean="0"/>
+              <a:t>por</a:t>
+            </a:r>
+            <a:r>
+              <a:rPr lang="en-US" dirty="0" smtClean="0"/>
+              <a:t> el </a:t>
+            </a:r>
+            <a:r>
+              <a:rPr lang="en-US" dirty="0" err="1" smtClean="0"/>
+              <a:t>usuario</a:t>
+            </a:r>
+            <a:endParaRPr lang="en-US" dirty="0" smtClean="0"/>
+          </a:p>
+          <a:p>
+            <a:r>
+              <a:rPr lang="en-US" dirty="0" err="1" smtClean="0"/>
+              <a:t>Inicio</a:t>
+            </a:r>
+            <a:endParaRPr lang="en-US" dirty="0" smtClean="0"/>
+          </a:p>
+          <a:p>
+            <a:r>
+              <a:rPr lang="en-US" dirty="0" err="1" smtClean="0"/>
+              <a:t>Imprimir</a:t>
+            </a:r>
+            <a:r>
+              <a:rPr lang="en-US" dirty="0" smtClean="0"/>
+              <a:t>(Si </a:t>
+            </a:r>
+            <a:r>
+              <a:rPr lang="en-US" dirty="0" err="1" smtClean="0"/>
+              <a:t>desea</a:t>
+            </a:r>
+            <a:r>
+              <a:rPr lang="en-US" dirty="0" smtClean="0"/>
+              <a:t> </a:t>
+            </a:r>
+            <a:r>
+              <a:rPr lang="en-US" dirty="0" err="1" smtClean="0"/>
+              <a:t>agregar</a:t>
             </a:r>
             <a:r>
               <a:rPr lang="en-US" dirty="0" smtClean="0"/>
@@ -6054,311 +7577,563 @@
             </a:r>
             <a:r>
               <a:rPr lang="en-US" dirty="0" err="1" smtClean="0"/>
-              <a:t>mensaje</a:t>
-            </a:r>
-            <a:r>
-              <a:rPr lang="en-US" dirty="0" smtClean="0"/>
-              <a:t> </a:t>
-            </a:r>
-            <a:r>
-              <a:rPr lang="en-US" dirty="0" err="1" smtClean="0"/>
-              <a:t>recibido</a:t>
-            </a:r>
-            <a:r>
-              <a:rPr lang="en-US" dirty="0" smtClean="0"/>
-              <a:t> en </a:t>
-            </a:r>
-            <a:r>
-              <a:rPr lang="en-US" dirty="0" err="1" smtClean="0"/>
-              <a:t>números</a:t>
+              <a:t>numero</a:t>
+            </a:r>
+            <a:r>
+              <a:rPr lang="en-US" dirty="0" smtClean="0"/>
+              <a:t> </a:t>
+            </a:r>
+            <a:r>
+              <a:rPr lang="en-US" dirty="0" err="1" smtClean="0"/>
+              <a:t>presione</a:t>
+            </a:r>
+            <a:r>
+              <a:rPr lang="en-US" dirty="0" smtClean="0"/>
+              <a:t> 1 </a:t>
+            </a:r>
+            <a:r>
+              <a:rPr lang="en-US" dirty="0" err="1" smtClean="0"/>
+              <a:t>sino</a:t>
+            </a:r>
+            <a:r>
+              <a:rPr lang="en-US" dirty="0" smtClean="0"/>
+              <a:t> </a:t>
+            </a:r>
+            <a:r>
+              <a:rPr lang="en-US" dirty="0" err="1" smtClean="0"/>
+              <a:t>presione</a:t>
+            </a:r>
+            <a:r>
+              <a:rPr lang="en-US" dirty="0" smtClean="0"/>
+              <a:t> 2)</a:t>
+            </a:r>
+          </a:p>
+          <a:p>
+            <a:r>
+              <a:rPr lang="en-US" dirty="0" smtClean="0"/>
+              <a:t>leer(</a:t>
+            </a:r>
+            <a:r>
+              <a:rPr lang="en-US" dirty="0" err="1" smtClean="0"/>
+              <a:t>opcion</a:t>
+            </a:r>
+            <a:r>
+              <a:rPr lang="en-US" dirty="0" smtClean="0"/>
+              <a:t>)</a:t>
+            </a:r>
+          </a:p>
+          <a:p>
+            <a:r>
+              <a:rPr lang="en-US" dirty="0" err="1" smtClean="0"/>
+              <a:t>Mientras</a:t>
+            </a:r>
+            <a:r>
+              <a:rPr lang="en-US" dirty="0" smtClean="0"/>
+              <a:t> </a:t>
+            </a:r>
+            <a:r>
+              <a:rPr lang="en-US" dirty="0" err="1" smtClean="0"/>
+              <a:t>opcion</a:t>
+            </a:r>
+            <a:r>
+              <a:rPr lang="en-US" dirty="0" smtClean="0"/>
+              <a:t> == 1</a:t>
+            </a:r>
+          </a:p>
+          <a:p>
+            <a:pPr lvl="1"/>
+            <a:r>
+              <a:rPr lang="en-US" dirty="0" err="1" smtClean="0"/>
+              <a:t>Imprimir</a:t>
+            </a:r>
+            <a:r>
+              <a:rPr lang="en-US" dirty="0" smtClean="0"/>
+              <a:t>(</a:t>
+            </a:r>
+            <a:r>
+              <a:rPr lang="en-US" dirty="0" err="1" smtClean="0"/>
+              <a:t>Digite</a:t>
+            </a:r>
+            <a:r>
+              <a:rPr lang="en-US" dirty="0" smtClean="0"/>
+              <a:t> el </a:t>
+            </a:r>
+            <a:r>
+              <a:rPr lang="en-US" dirty="0" err="1" smtClean="0"/>
+              <a:t>numero</a:t>
+            </a:r>
+            <a:r>
+              <a:rPr lang="en-US" dirty="0" smtClean="0"/>
+              <a:t>)</a:t>
+            </a:r>
+          </a:p>
+          <a:p>
+            <a:pPr lvl="1"/>
+            <a:r>
+              <a:rPr lang="en-US" dirty="0" smtClean="0"/>
+              <a:t>Leer(</a:t>
+            </a:r>
+            <a:r>
+              <a:rPr lang="en-US" dirty="0" err="1" smtClean="0"/>
+              <a:t>numero</a:t>
+            </a:r>
+            <a:r>
+              <a:rPr lang="en-US" dirty="0" smtClean="0"/>
+              <a:t>)</a:t>
+            </a:r>
+          </a:p>
+          <a:p>
+            <a:pPr lvl="1"/>
+            <a:r>
+              <a:rPr lang="en-US" dirty="0" err="1" smtClean="0"/>
+              <a:t>Conjunto.agregar</a:t>
+            </a:r>
+            <a:r>
+              <a:rPr lang="en-US" dirty="0" smtClean="0"/>
+              <a:t>(</a:t>
+            </a:r>
+            <a:r>
+              <a:rPr lang="en-US" dirty="0" err="1" smtClean="0"/>
+              <a:t>numero</a:t>
+            </a:r>
+            <a:r>
+              <a:rPr lang="en-US" dirty="0" smtClean="0"/>
+              <a:t>)</a:t>
+            </a:r>
+          </a:p>
+          <a:p>
+            <a:pPr lvl="1"/>
+            <a:r>
+              <a:rPr lang="en-US" dirty="0" err="1"/>
+              <a:t>Imprimir</a:t>
             </a:r>
             <a:r>
               <a:rPr lang="en-US" dirty="0"/>
-              <a:t> </a:t>
-            </a:r>
-            <a:r>
-              <a:rPr lang="en-US" dirty="0" smtClean="0"/>
-              <a:t>y </a:t>
-            </a:r>
-            <a:r>
-              <a:rPr lang="en-US" dirty="0" err="1" smtClean="0"/>
-              <a:t>muestre</a:t>
-            </a:r>
-            <a:r>
-              <a:rPr lang="en-US" dirty="0" smtClean="0"/>
-              <a:t> </a:t>
-            </a:r>
-            <a:r>
-              <a:rPr lang="en-US" dirty="0" err="1" smtClean="0"/>
-              <a:t>su</a:t>
-            </a:r>
-            <a:r>
-              <a:rPr lang="en-US" dirty="0" smtClean="0"/>
-              <a:t> </a:t>
-            </a:r>
-            <a:r>
-              <a:rPr lang="en-US" dirty="0" err="1" smtClean="0"/>
-              <a:t>significado</a:t>
-            </a:r>
-            <a:r>
-              <a:rPr lang="en-US" dirty="0" smtClean="0"/>
-              <a:t> en </a:t>
-            </a:r>
-            <a:r>
-              <a:rPr lang="en-US" dirty="0" err="1" smtClean="0"/>
-              <a:t>palabras</a:t>
-            </a:r>
-            <a:r>
-              <a:rPr lang="en-US" dirty="0" smtClean="0"/>
-              <a:t>.</a:t>
-            </a:r>
-          </a:p>
-          <a:p>
-            <a:r>
-              <a:rPr lang="en-US" dirty="0" smtClean="0"/>
-              <a:t>Para </a:t>
-            </a:r>
-            <a:r>
-              <a:rPr lang="en-US" dirty="0" err="1" smtClean="0"/>
-              <a:t>esto</a:t>
-            </a:r>
-            <a:r>
-              <a:rPr lang="en-US" dirty="0" smtClean="0"/>
-              <a:t> se </a:t>
-            </a:r>
-            <a:r>
-              <a:rPr lang="en-US" dirty="0" err="1" smtClean="0"/>
-              <a:t>tiene</a:t>
-            </a:r>
-            <a:r>
-              <a:rPr lang="en-US" dirty="0" smtClean="0"/>
-              <a:t> </a:t>
-            </a:r>
-            <a:r>
-              <a:rPr lang="en-US" dirty="0" err="1" smtClean="0"/>
-              <a:t>que</a:t>
-            </a:r>
+              <a:t>(Si </a:t>
+            </a:r>
+            <a:r>
+              <a:rPr lang="en-US" dirty="0" err="1"/>
+              <a:t>desea</a:t>
+            </a:r>
+            <a:r>
+              <a:rPr lang="en-US" dirty="0"/>
+              <a:t> </a:t>
+            </a:r>
+            <a:r>
+              <a:rPr lang="en-US" dirty="0" err="1"/>
+              <a:t>agregar</a:t>
+            </a:r>
+            <a:r>
+              <a:rPr lang="en-US" dirty="0"/>
+              <a:t> un </a:t>
+            </a:r>
+            <a:r>
+              <a:rPr lang="en-US" dirty="0" err="1"/>
+              <a:t>numero</a:t>
+            </a:r>
+            <a:r>
+              <a:rPr lang="en-US" dirty="0"/>
+              <a:t> </a:t>
+            </a:r>
+            <a:r>
+              <a:rPr lang="en-US" dirty="0" err="1"/>
+              <a:t>presione</a:t>
+            </a:r>
+            <a:r>
+              <a:rPr lang="en-US" dirty="0"/>
+              <a:t> 1 </a:t>
+            </a:r>
+            <a:r>
+              <a:rPr lang="en-US" dirty="0" err="1"/>
+              <a:t>sino</a:t>
+            </a:r>
+            <a:r>
+              <a:rPr lang="en-US" dirty="0"/>
+              <a:t> </a:t>
+            </a:r>
+            <a:r>
+              <a:rPr lang="en-US" dirty="0" err="1"/>
+              <a:t>presione</a:t>
+            </a:r>
+            <a:r>
+              <a:rPr lang="en-US" dirty="0"/>
+              <a:t> 2)</a:t>
+            </a:r>
+          </a:p>
+          <a:p>
+            <a:pPr lvl="1"/>
+            <a:r>
+              <a:rPr lang="en-US" dirty="0" smtClean="0"/>
+              <a:t>Leer(</a:t>
+            </a:r>
+            <a:r>
+              <a:rPr lang="en-US" dirty="0" err="1" smtClean="0"/>
+              <a:t>opcion</a:t>
+            </a:r>
+            <a:r>
+              <a:rPr lang="en-US" dirty="0" smtClean="0"/>
+              <a:t>)</a:t>
+            </a:r>
+          </a:p>
+          <a:p>
+            <a:r>
+              <a:rPr lang="en-US" dirty="0" smtClean="0"/>
+              <a:t>Fin </a:t>
+            </a:r>
+            <a:r>
+              <a:rPr lang="en-US" dirty="0" err="1" smtClean="0"/>
+              <a:t>mientras</a:t>
+            </a:r>
+            <a:endParaRPr lang="en-US" dirty="0" smtClean="0"/>
+          </a:p>
+          <a:p>
+            <a:r>
+              <a:rPr lang="en-US" dirty="0" err="1" smtClean="0"/>
+              <a:t>Imprimir</a:t>
+            </a:r>
+            <a:r>
+              <a:rPr lang="en-US" dirty="0" smtClean="0"/>
+              <a:t> </a:t>
+            </a:r>
+            <a:r>
+              <a:rPr lang="en-US" dirty="0" err="1" smtClean="0"/>
+              <a:t>conjunto</a:t>
+            </a:r>
+            <a:endParaRPr lang="en-US" dirty="0" smtClean="0"/>
+          </a:p>
+          <a:p>
+            <a:r>
+              <a:rPr lang="en-US" dirty="0" smtClean="0"/>
+              <a:t>Fin</a:t>
+            </a:r>
+          </a:p>
+          <a:p>
             <a:endParaRPr lang="en-US" dirty="0"/>
-          </a:p>
-          <a:p>
-            <a:pPr lvl="1"/>
-            <a:r>
-              <a:rPr lang="en-US" dirty="0" smtClean="0"/>
-              <a:t>0 = </a:t>
-            </a:r>
-            <a:r>
-              <a:rPr lang="en-US" dirty="0" err="1" smtClean="0"/>
-              <a:t>María</a:t>
-            </a:r>
-            <a:endParaRPr lang="en-US" dirty="0" smtClean="0"/>
-          </a:p>
-          <a:p>
-            <a:pPr lvl="1"/>
-            <a:r>
-              <a:rPr lang="en-US" dirty="0" smtClean="0"/>
-              <a:t>1 = </a:t>
-            </a:r>
-            <a:r>
-              <a:rPr lang="en-US" dirty="0" err="1" smtClean="0"/>
-              <a:t>tiene</a:t>
-            </a:r>
-            <a:endParaRPr lang="en-US" dirty="0" smtClean="0"/>
-          </a:p>
-          <a:p>
-            <a:pPr lvl="1"/>
-            <a:r>
-              <a:rPr lang="en-US" dirty="0" smtClean="0"/>
-              <a:t>2 = </a:t>
-            </a:r>
-            <a:r>
-              <a:rPr lang="en-US" dirty="0" err="1" smtClean="0"/>
-              <a:t>roja</a:t>
-            </a:r>
-            <a:r>
-              <a:rPr lang="en-US" dirty="0" smtClean="0"/>
-              <a:t>(o)</a:t>
-            </a:r>
-          </a:p>
-          <a:p>
-            <a:pPr lvl="1"/>
-            <a:r>
-              <a:rPr lang="en-US" dirty="0" smtClean="0"/>
-              <a:t>3 = no</a:t>
-            </a:r>
-          </a:p>
-          <a:p>
-            <a:pPr lvl="1"/>
-            <a:r>
-              <a:rPr lang="en-US" dirty="0" smtClean="0"/>
-              <a:t>4 = </a:t>
-            </a:r>
-            <a:r>
-              <a:rPr lang="en-US" dirty="0" err="1" smtClean="0"/>
-              <a:t>frío</a:t>
-            </a:r>
-            <a:endParaRPr lang="en-US" dirty="0" smtClean="0"/>
-          </a:p>
-          <a:p>
-            <a:pPr lvl="1"/>
-            <a:r>
-              <a:rPr lang="en-US" dirty="0" smtClean="0"/>
-              <a:t>5 = un(a)</a:t>
-            </a:r>
-          </a:p>
-          <a:p>
-            <a:pPr lvl="1"/>
-            <a:r>
-              <a:rPr lang="en-US" dirty="0" smtClean="0"/>
-              <a:t>6 = </a:t>
-            </a:r>
-            <a:r>
-              <a:rPr lang="en-US" dirty="0" err="1" smtClean="0"/>
-              <a:t>grande</a:t>
-            </a:r>
-            <a:endParaRPr lang="en-US" dirty="0" smtClean="0"/>
-          </a:p>
-          <a:p>
-            <a:pPr lvl="1"/>
-            <a:r>
-              <a:rPr lang="en-US" dirty="0" smtClean="0"/>
-              <a:t>7 = bola</a:t>
-            </a:r>
-          </a:p>
-          <a:p>
-            <a:pPr lvl="1"/>
-            <a:r>
-              <a:rPr lang="en-US" dirty="0" smtClean="0"/>
-              <a:t>8 = casa</a:t>
-            </a:r>
-          </a:p>
-          <a:p>
-            <a:pPr lvl="1"/>
-            <a:r>
-              <a:rPr lang="en-US" dirty="0" smtClean="0"/>
-              <a:t>9 = </a:t>
-            </a:r>
-            <a:r>
-              <a:rPr lang="en-US" dirty="0" err="1" smtClean="0"/>
-              <a:t>bolso</a:t>
-            </a:r>
-            <a:endParaRPr lang="en-US" dirty="0"/>
-          </a:p>
-          <a:p>
-            <a:r>
-              <a:rPr lang="en-US" dirty="0" smtClean="0"/>
-              <a:t>Se le </a:t>
-            </a:r>
-            <a:r>
-              <a:rPr lang="en-US" dirty="0" err="1" smtClean="0"/>
-              <a:t>solicta</a:t>
-            </a:r>
-            <a:r>
-              <a:rPr lang="en-US" dirty="0" smtClean="0"/>
-              <a:t> al </a:t>
-            </a:r>
-            <a:r>
-              <a:rPr lang="en-US" dirty="0" err="1" smtClean="0"/>
-              <a:t>usuario</a:t>
-            </a:r>
-            <a:r>
-              <a:rPr lang="en-US" dirty="0" smtClean="0"/>
-              <a:t> </a:t>
-            </a:r>
-            <a:r>
-              <a:rPr lang="en-US" dirty="0" err="1" smtClean="0"/>
-              <a:t>escribir</a:t>
-            </a:r>
-            <a:r>
-              <a:rPr lang="en-US" dirty="0" smtClean="0"/>
-              <a:t> el </a:t>
-            </a:r>
-            <a:r>
-              <a:rPr lang="en-US" dirty="0" err="1" smtClean="0"/>
-              <a:t>mensaje</a:t>
-            </a:r>
-            <a:r>
-              <a:rPr lang="en-US" dirty="0" smtClean="0"/>
-              <a:t>, y </a:t>
-            </a:r>
-            <a:r>
-              <a:rPr lang="en-US" dirty="0" err="1" smtClean="0"/>
-              <a:t>una</a:t>
-            </a:r>
-            <a:r>
-              <a:rPr lang="en-US" dirty="0" smtClean="0"/>
-              <a:t> </a:t>
-            </a:r>
-            <a:r>
-              <a:rPr lang="en-US" dirty="0" err="1" smtClean="0"/>
-              <a:t>vez</a:t>
-            </a:r>
-            <a:r>
-              <a:rPr lang="en-US" dirty="0" smtClean="0"/>
-              <a:t> </a:t>
-            </a:r>
-            <a:r>
-              <a:rPr lang="en-US" dirty="0" err="1" smtClean="0"/>
-              <a:t>que</a:t>
-            </a:r>
-            <a:r>
-              <a:rPr lang="en-US" dirty="0" smtClean="0"/>
-              <a:t> se </a:t>
-            </a:r>
-            <a:r>
-              <a:rPr lang="en-US" dirty="0" err="1" smtClean="0"/>
-              <a:t>tenga</a:t>
-            </a:r>
-            <a:r>
-              <a:rPr lang="en-US" dirty="0" smtClean="0"/>
-              <a:t>, </a:t>
-            </a:r>
-            <a:r>
-              <a:rPr lang="en-US" dirty="0" err="1" smtClean="0"/>
-              <a:t>debe</a:t>
-            </a:r>
-            <a:r>
-              <a:rPr lang="en-US" dirty="0" smtClean="0"/>
-              <a:t> </a:t>
-            </a:r>
-            <a:r>
-              <a:rPr lang="en-US" dirty="0" err="1" smtClean="0"/>
-              <a:t>imprimir</a:t>
-            </a:r>
-            <a:r>
-              <a:rPr lang="en-US" dirty="0" smtClean="0"/>
-              <a:t> </a:t>
-            </a:r>
-            <a:r>
-              <a:rPr lang="en-US" dirty="0" err="1" smtClean="0"/>
-              <a:t>las</a:t>
-            </a:r>
-            <a:r>
-              <a:rPr lang="en-US" dirty="0" smtClean="0"/>
-              <a:t> </a:t>
-            </a:r>
-            <a:r>
-              <a:rPr lang="en-US" dirty="0" err="1" smtClean="0"/>
-              <a:t>palabras</a:t>
-            </a:r>
-            <a:r>
-              <a:rPr lang="en-US" dirty="0" smtClean="0"/>
-              <a:t> </a:t>
-            </a:r>
-            <a:r>
-              <a:rPr lang="en-US" dirty="0" err="1" smtClean="0"/>
-              <a:t>correspondientes</a:t>
-            </a:r>
-            <a:r>
-              <a:rPr lang="en-US" dirty="0"/>
-              <a:t>.</a:t>
-            </a:r>
           </a:p>
         </p:txBody>
       </p:sp>
     </p:spTree>
     <p:extLst>
       <p:ext uri="{BB962C8B-B14F-4D97-AF65-F5344CB8AC3E}">
-        <p14:creationId xmlns:p14="http://schemas.microsoft.com/office/powerpoint/2010/main" val="1614083317"/>
+        <p14:creationId xmlns:p14="http://schemas.microsoft.com/office/powerpoint/2010/main" val="58487638"/>
+      </p:ext>
+    </p:extLst>
+  </p:cSld>
+  <p:clrMapOvr>
+    <a:masterClrMapping/>
+  </p:clrMapOvr>
+</p:sld>
+</file>
+
+<file path=ppt/slides/slide9.xml><?xml version="1.0" encoding="utf-8"?>
+<p:sld xmlns:a="http://schemas.openxmlformats.org/drawingml/2006/main" xmlns:r="http://schemas.openxmlformats.org/officeDocument/2006/relationships" xmlns:p="http://schemas.openxmlformats.org/presentationml/2006/main">
+  <p:cSld>
+    <p:spTree>
+      <p:nvGrpSpPr>
+        <p:cNvPr id="1" name=""/>
+        <p:cNvGrpSpPr/>
+        <p:nvPr/>
+      </p:nvGrpSpPr>
+      <p:grpSpPr>
+        <a:xfrm>
+          <a:off x="0" y="0"/>
+          <a:ext cx="0" cy="0"/>
+          <a:chOff x="0" y="0"/>
+          <a:chExt cx="0" cy="0"/>
+        </a:xfrm>
+      </p:grpSpPr>
+      <p:sp>
+        <p:nvSpPr>
+          <p:cNvPr id="2" name="Title 1"/>
+          <p:cNvSpPr>
+            <a:spLocks noGrp="1"/>
+          </p:cNvSpPr>
+          <p:nvPr>
+            <p:ph type="title"/>
+          </p:nvPr>
+        </p:nvSpPr>
+        <p:spPr/>
+        <p:txBody>
+          <a:bodyPr/>
+          <a:lstStyle/>
+          <a:p>
+            <a:r>
+              <a:rPr lang="en-US" dirty="0" err="1" smtClean="0"/>
+              <a:t>Ejemplo</a:t>
+            </a:r>
+            <a:r>
+              <a:rPr lang="en-US" dirty="0" smtClean="0"/>
+              <a:t> </a:t>
+            </a:r>
+            <a:r>
+              <a:rPr lang="en-US" dirty="0" err="1" smtClean="0"/>
+              <a:t>arreglos</a:t>
+            </a:r>
+            <a:r>
+              <a:rPr lang="en-US" dirty="0" smtClean="0"/>
+              <a:t>	</a:t>
+            </a:r>
+            <a:endParaRPr lang="en-US" dirty="0"/>
+          </a:p>
+        </p:txBody>
+      </p:sp>
+      <p:sp>
+        <p:nvSpPr>
+          <p:cNvPr id="3" name="Content Placeholder 2"/>
+          <p:cNvSpPr>
+            <a:spLocks noGrp="1"/>
+          </p:cNvSpPr>
+          <p:nvPr>
+            <p:ph idx="1"/>
+          </p:nvPr>
+        </p:nvSpPr>
+        <p:spPr/>
+        <p:txBody>
+          <a:bodyPr>
+            <a:normAutofit lnSpcReduction="10000"/>
+          </a:bodyPr>
+          <a:lstStyle/>
+          <a:p>
+            <a:r>
+              <a:rPr lang="en-US" dirty="0" err="1" smtClean="0"/>
+              <a:t>Programa</a:t>
+            </a:r>
+            <a:r>
+              <a:rPr lang="en-US" dirty="0" smtClean="0"/>
+              <a:t> </a:t>
+            </a:r>
+            <a:r>
+              <a:rPr lang="en-US" dirty="0" err="1" smtClean="0"/>
+              <a:t>para</a:t>
+            </a:r>
+            <a:r>
+              <a:rPr lang="en-US" dirty="0" smtClean="0"/>
+              <a:t> </a:t>
+            </a:r>
+            <a:r>
+              <a:rPr lang="en-US" dirty="0" err="1" smtClean="0"/>
+              <a:t>imprimir</a:t>
+            </a:r>
+            <a:r>
+              <a:rPr lang="en-US" dirty="0" smtClean="0"/>
+              <a:t> un </a:t>
+            </a:r>
+            <a:r>
+              <a:rPr lang="en-US" dirty="0" err="1" smtClean="0"/>
+              <a:t>arreglo</a:t>
+            </a:r>
+            <a:r>
+              <a:rPr lang="en-US" dirty="0" smtClean="0"/>
+              <a:t> de </a:t>
+            </a:r>
+            <a:r>
+              <a:rPr lang="en-US" dirty="0" err="1" smtClean="0"/>
+              <a:t>números</a:t>
+            </a:r>
+            <a:r>
+              <a:rPr lang="en-US" dirty="0" smtClean="0"/>
+              <a:t> </a:t>
+            </a:r>
+            <a:r>
+              <a:rPr lang="en-US" dirty="0" err="1" smtClean="0"/>
+              <a:t>creado</a:t>
+            </a:r>
+            <a:r>
+              <a:rPr lang="en-US" dirty="0" smtClean="0"/>
+              <a:t> </a:t>
+            </a:r>
+            <a:r>
+              <a:rPr lang="en-US" dirty="0" err="1" smtClean="0"/>
+              <a:t>por</a:t>
+            </a:r>
+            <a:r>
+              <a:rPr lang="en-US" dirty="0" smtClean="0"/>
+              <a:t> el </a:t>
+            </a:r>
+            <a:r>
+              <a:rPr lang="en-US" dirty="0" err="1" smtClean="0"/>
+              <a:t>usuario</a:t>
+            </a:r>
+            <a:endParaRPr lang="en-US" dirty="0" smtClean="0"/>
+          </a:p>
+          <a:p>
+            <a:r>
+              <a:rPr lang="en-US" dirty="0" err="1" smtClean="0"/>
+              <a:t>Inicio</a:t>
+            </a:r>
+            <a:endParaRPr lang="en-US" dirty="0" smtClean="0"/>
+          </a:p>
+          <a:p>
+            <a:r>
+              <a:rPr lang="en-US" dirty="0" err="1" smtClean="0"/>
+              <a:t>Imprimir</a:t>
+            </a:r>
+            <a:r>
+              <a:rPr lang="en-US" dirty="0" smtClean="0"/>
+              <a:t>(</a:t>
+            </a:r>
+            <a:r>
+              <a:rPr lang="en-US" dirty="0" err="1" smtClean="0"/>
+              <a:t>digite</a:t>
+            </a:r>
+            <a:r>
+              <a:rPr lang="en-US" dirty="0" smtClean="0"/>
+              <a:t> el </a:t>
+            </a:r>
+            <a:r>
+              <a:rPr lang="en-US" dirty="0" err="1" smtClean="0"/>
+              <a:t>numero</a:t>
+            </a:r>
+            <a:r>
+              <a:rPr lang="en-US" dirty="0" smtClean="0"/>
+              <a:t> de </a:t>
+            </a:r>
+            <a:r>
+              <a:rPr lang="en-US" dirty="0" err="1" smtClean="0"/>
+              <a:t>elementos</a:t>
+            </a:r>
+            <a:r>
+              <a:rPr lang="en-US" dirty="0" smtClean="0"/>
+              <a:t> del </a:t>
+            </a:r>
+            <a:r>
+              <a:rPr lang="en-US" dirty="0" err="1" smtClean="0"/>
+              <a:t>conjunto</a:t>
+            </a:r>
+            <a:r>
+              <a:rPr lang="en-US" dirty="0" smtClean="0"/>
+              <a:t>)</a:t>
+            </a:r>
+          </a:p>
+          <a:p>
+            <a:r>
+              <a:rPr lang="en-US" dirty="0" smtClean="0"/>
+              <a:t>leer(total)</a:t>
+            </a:r>
+          </a:p>
+          <a:p>
+            <a:r>
+              <a:rPr lang="en-US" dirty="0" err="1" smtClean="0"/>
+              <a:t>Ciclo</a:t>
+            </a:r>
+            <a:r>
+              <a:rPr lang="en-US" dirty="0" smtClean="0"/>
+              <a:t> for (i de 0 a total-1 </a:t>
+            </a:r>
+            <a:r>
+              <a:rPr lang="en-US" dirty="0" err="1" smtClean="0"/>
+              <a:t>incrementa</a:t>
+            </a:r>
+            <a:r>
+              <a:rPr lang="en-US" dirty="0" smtClean="0"/>
+              <a:t> en 1)</a:t>
+            </a:r>
+          </a:p>
+          <a:p>
+            <a:pPr lvl="1"/>
+            <a:r>
+              <a:rPr lang="en-US" dirty="0" err="1" smtClean="0"/>
+              <a:t>Imprimir</a:t>
+            </a:r>
+            <a:r>
+              <a:rPr lang="en-US" dirty="0" smtClean="0"/>
+              <a:t>(</a:t>
+            </a:r>
+            <a:r>
+              <a:rPr lang="en-US" dirty="0" err="1" smtClean="0"/>
+              <a:t>digite</a:t>
+            </a:r>
+            <a:r>
+              <a:rPr lang="en-US" dirty="0" smtClean="0"/>
+              <a:t> el </a:t>
+            </a:r>
+            <a:r>
+              <a:rPr lang="en-US" dirty="0" err="1" smtClean="0"/>
+              <a:t>numero</a:t>
+            </a:r>
+            <a:r>
+              <a:rPr lang="en-US" dirty="0" smtClean="0"/>
+              <a:t>)</a:t>
+            </a:r>
+          </a:p>
+          <a:p>
+            <a:pPr lvl="1"/>
+            <a:r>
+              <a:rPr lang="en-US" dirty="0" smtClean="0"/>
+              <a:t>Leer(</a:t>
+            </a:r>
+            <a:r>
+              <a:rPr lang="en-US" dirty="0" err="1" smtClean="0"/>
+              <a:t>numero</a:t>
+            </a:r>
+            <a:r>
+              <a:rPr lang="en-US" dirty="0" smtClean="0"/>
+              <a:t>)</a:t>
+            </a:r>
+          </a:p>
+          <a:p>
+            <a:pPr lvl="1"/>
+            <a:r>
+              <a:rPr lang="en-US" dirty="0" err="1" smtClean="0"/>
+              <a:t>Conjunto.agregar</a:t>
+            </a:r>
+            <a:r>
+              <a:rPr lang="en-US" dirty="0" smtClean="0"/>
+              <a:t>(</a:t>
+            </a:r>
+            <a:r>
+              <a:rPr lang="en-US" dirty="0" err="1" smtClean="0"/>
+              <a:t>numero</a:t>
+            </a:r>
+            <a:r>
+              <a:rPr lang="en-US" dirty="0" smtClean="0"/>
+              <a:t>)</a:t>
+            </a:r>
+          </a:p>
+          <a:p>
+            <a:r>
+              <a:rPr lang="en-US" dirty="0" smtClean="0"/>
+              <a:t>Fin </a:t>
+            </a:r>
+            <a:r>
+              <a:rPr lang="en-US" dirty="0" err="1" smtClean="0"/>
+              <a:t>ciclo</a:t>
+            </a:r>
+            <a:r>
+              <a:rPr lang="en-US" dirty="0" smtClean="0"/>
+              <a:t> for</a:t>
+            </a:r>
+          </a:p>
+          <a:p>
+            <a:r>
+              <a:rPr lang="en-US" dirty="0" err="1" smtClean="0"/>
+              <a:t>Imprimir</a:t>
+            </a:r>
+            <a:r>
+              <a:rPr lang="en-US" dirty="0" smtClean="0"/>
+              <a:t> </a:t>
+            </a:r>
+            <a:r>
+              <a:rPr lang="en-US" dirty="0" err="1" smtClean="0"/>
+              <a:t>conjunto</a:t>
+            </a:r>
+            <a:endParaRPr lang="en-US" dirty="0" smtClean="0"/>
+          </a:p>
+          <a:p>
+            <a:r>
+              <a:rPr lang="en-US" dirty="0" smtClean="0"/>
+              <a:t>Fin</a:t>
+            </a:r>
+          </a:p>
+          <a:p>
+            <a:endParaRPr lang="en-US" dirty="0"/>
+          </a:p>
+        </p:txBody>
+      </p:sp>
+    </p:spTree>
+    <p:extLst>
+      <p:ext uri="{BB962C8B-B14F-4D97-AF65-F5344CB8AC3E}">
+        <p14:creationId xmlns:p14="http://schemas.microsoft.com/office/powerpoint/2010/main" val="3309107371"/>
       </p:ext>
     </p:extLst>
   </p:cSld>
